--- a/Script/_LectureData/chapter25.pptx
+++ b/Script/_LectureData/chapter25.pptx
@@ -5,10 +5,10 @@
     <p:sldMasterId id="2147483648" r:id="rId1"/>
   </p:sldMasterIdLst>
   <p:notesMasterIdLst>
-    <p:notesMasterId r:id="rId25"/>
+    <p:notesMasterId r:id="rId26"/>
   </p:notesMasterIdLst>
   <p:handoutMasterIdLst>
-    <p:handoutMasterId r:id="rId26"/>
+    <p:handoutMasterId r:id="rId27"/>
   </p:handoutMasterIdLst>
   <p:sldIdLst>
     <p:sldId id="256" r:id="rId2"/>
@@ -18,22 +18,23 @@
     <p:sldId id="686" r:id="rId6"/>
     <p:sldId id="671" r:id="rId7"/>
     <p:sldId id="687" r:id="rId8"/>
-    <p:sldId id="688" r:id="rId9"/>
-    <p:sldId id="672" r:id="rId10"/>
-    <p:sldId id="689" r:id="rId11"/>
-    <p:sldId id="648" r:id="rId12"/>
-    <p:sldId id="699" r:id="rId13"/>
-    <p:sldId id="690" r:id="rId14"/>
-    <p:sldId id="700" r:id="rId15"/>
-    <p:sldId id="649" r:id="rId16"/>
-    <p:sldId id="691" r:id="rId17"/>
-    <p:sldId id="696" r:id="rId18"/>
-    <p:sldId id="692" r:id="rId19"/>
-    <p:sldId id="694" r:id="rId20"/>
-    <p:sldId id="695" r:id="rId21"/>
-    <p:sldId id="693" r:id="rId22"/>
-    <p:sldId id="697" r:id="rId23"/>
-    <p:sldId id="698" r:id="rId24"/>
+    <p:sldId id="702" r:id="rId9"/>
+    <p:sldId id="688" r:id="rId10"/>
+    <p:sldId id="672" r:id="rId11"/>
+    <p:sldId id="689" r:id="rId12"/>
+    <p:sldId id="648" r:id="rId13"/>
+    <p:sldId id="699" r:id="rId14"/>
+    <p:sldId id="690" r:id="rId15"/>
+    <p:sldId id="700" r:id="rId16"/>
+    <p:sldId id="649" r:id="rId17"/>
+    <p:sldId id="691" r:id="rId18"/>
+    <p:sldId id="696" r:id="rId19"/>
+    <p:sldId id="692" r:id="rId20"/>
+    <p:sldId id="694" r:id="rId21"/>
+    <p:sldId id="695" r:id="rId22"/>
+    <p:sldId id="693" r:id="rId23"/>
+    <p:sldId id="697" r:id="rId24"/>
+    <p:sldId id="698" r:id="rId25"/>
   </p:sldIdLst>
   <p:sldSz cx="9144000" cy="6858000" type="screen4x3"/>
   <p:notesSz cx="6735763" cy="9799638"/>
@@ -1391,7 +1392,7 @@
     </p:spTree>
     <p:extLst>
       <p:ext uri="{BB962C8B-B14F-4D97-AF65-F5344CB8AC3E}">
-        <p14:creationId xmlns:p14="http://schemas.microsoft.com/office/powerpoint/2010/main" val="2454214827"/>
+        <p14:creationId xmlns:p14="http://schemas.microsoft.com/office/powerpoint/2010/main" val="1332094150"/>
       </p:ext>
     </p:extLst>
   </p:cSld>
@@ -1653,7 +1654,7 @@
     </p:spTree>
     <p:extLst>
       <p:ext uri="{BB962C8B-B14F-4D97-AF65-F5344CB8AC3E}">
-        <p14:creationId xmlns:p14="http://schemas.microsoft.com/office/powerpoint/2010/main" val="1347801154"/>
+        <p14:creationId xmlns:p14="http://schemas.microsoft.com/office/powerpoint/2010/main" val="2454214827"/>
       </p:ext>
     </p:extLst>
   </p:cSld>
@@ -1915,7 +1916,7 @@
     </p:spTree>
     <p:extLst>
       <p:ext uri="{BB962C8B-B14F-4D97-AF65-F5344CB8AC3E}">
-        <p14:creationId xmlns:p14="http://schemas.microsoft.com/office/powerpoint/2010/main" val="1710778193"/>
+        <p14:creationId xmlns:p14="http://schemas.microsoft.com/office/powerpoint/2010/main" val="1347801154"/>
       </p:ext>
     </p:extLst>
   </p:cSld>
@@ -2177,7 +2178,7 @@
     </p:spTree>
     <p:extLst>
       <p:ext uri="{BB962C8B-B14F-4D97-AF65-F5344CB8AC3E}">
-        <p14:creationId xmlns:p14="http://schemas.microsoft.com/office/powerpoint/2010/main" val="886804530"/>
+        <p14:creationId xmlns:p14="http://schemas.microsoft.com/office/powerpoint/2010/main" val="1710778193"/>
       </p:ext>
     </p:extLst>
   </p:cSld>
@@ -2439,7 +2440,7 @@
     </p:spTree>
     <p:extLst>
       <p:ext uri="{BB962C8B-B14F-4D97-AF65-F5344CB8AC3E}">
-        <p14:creationId xmlns:p14="http://schemas.microsoft.com/office/powerpoint/2010/main" val="1470558337"/>
+        <p14:creationId xmlns:p14="http://schemas.microsoft.com/office/powerpoint/2010/main" val="886804530"/>
       </p:ext>
     </p:extLst>
   </p:cSld>
@@ -2701,7 +2702,7 @@
     </p:spTree>
     <p:extLst>
       <p:ext uri="{BB962C8B-B14F-4D97-AF65-F5344CB8AC3E}">
-        <p14:creationId xmlns:p14="http://schemas.microsoft.com/office/powerpoint/2010/main" val="2238892746"/>
+        <p14:creationId xmlns:p14="http://schemas.microsoft.com/office/powerpoint/2010/main" val="1470558337"/>
       </p:ext>
     </p:extLst>
   </p:cSld>
@@ -2963,7 +2964,7 @@
     </p:spTree>
     <p:extLst>
       <p:ext uri="{BB962C8B-B14F-4D97-AF65-F5344CB8AC3E}">
-        <p14:creationId xmlns:p14="http://schemas.microsoft.com/office/powerpoint/2010/main" val="3416409321"/>
+        <p14:creationId xmlns:p14="http://schemas.microsoft.com/office/powerpoint/2010/main" val="2238892746"/>
       </p:ext>
     </p:extLst>
   </p:cSld>
@@ -3225,7 +3226,7 @@
     </p:spTree>
     <p:extLst>
       <p:ext uri="{BB962C8B-B14F-4D97-AF65-F5344CB8AC3E}">
-        <p14:creationId xmlns:p14="http://schemas.microsoft.com/office/powerpoint/2010/main" val="744701728"/>
+        <p14:creationId xmlns:p14="http://schemas.microsoft.com/office/powerpoint/2010/main" val="3416409321"/>
       </p:ext>
     </p:extLst>
   </p:cSld>
@@ -3487,7 +3488,7 @@
     </p:spTree>
     <p:extLst>
       <p:ext uri="{BB962C8B-B14F-4D97-AF65-F5344CB8AC3E}">
-        <p14:creationId xmlns:p14="http://schemas.microsoft.com/office/powerpoint/2010/main" val="2589807023"/>
+        <p14:creationId xmlns:p14="http://schemas.microsoft.com/office/powerpoint/2010/main" val="744701728"/>
       </p:ext>
     </p:extLst>
   </p:cSld>
@@ -3749,7 +3750,7 @@
     </p:spTree>
     <p:extLst>
       <p:ext uri="{BB962C8B-B14F-4D97-AF65-F5344CB8AC3E}">
-        <p14:creationId xmlns:p14="http://schemas.microsoft.com/office/powerpoint/2010/main" val="3119823520"/>
+        <p14:creationId xmlns:p14="http://schemas.microsoft.com/office/powerpoint/2010/main" val="2589807023"/>
       </p:ext>
     </p:extLst>
   </p:cSld>
@@ -4268,7 +4269,7 @@
     </p:spTree>
     <p:extLst>
       <p:ext uri="{BB962C8B-B14F-4D97-AF65-F5344CB8AC3E}">
-        <p14:creationId xmlns:p14="http://schemas.microsoft.com/office/powerpoint/2010/main" val="2179834472"/>
+        <p14:creationId xmlns:p14="http://schemas.microsoft.com/office/powerpoint/2010/main" val="3119823520"/>
       </p:ext>
     </p:extLst>
   </p:cSld>
@@ -4530,7 +4531,7 @@
     </p:spTree>
     <p:extLst>
       <p:ext uri="{BB962C8B-B14F-4D97-AF65-F5344CB8AC3E}">
-        <p14:creationId xmlns:p14="http://schemas.microsoft.com/office/powerpoint/2010/main" val="1694804705"/>
+        <p14:creationId xmlns:p14="http://schemas.microsoft.com/office/powerpoint/2010/main" val="2179834472"/>
       </p:ext>
     </p:extLst>
   </p:cSld>
@@ -4728,6 +4729,268 @@
                 </a:spcBef>
               </a:pPr>
               <a:t>23</a:t>
+            </a:fld>
+            <a:endParaRPr lang="en-US" altLang="ko-KR" sz="1000"/>
+          </a:p>
+        </p:txBody>
+      </p:sp>
+      <p:sp>
+        <p:nvSpPr>
+          <p:cNvPr id="26627" name="Rectangle 2"/>
+          <p:cNvSpPr>
+            <a:spLocks noGrp="1" noRot="1" noChangeAspect="1" noChangeArrowheads="1" noTextEdit="1"/>
+          </p:cNvSpPr>
+          <p:nvPr>
+            <p:ph type="sldImg"/>
+          </p:nvPr>
+        </p:nvSpPr>
+        <p:spPr>
+          <a:ln/>
+        </p:spPr>
+      </p:sp>
+      <p:sp>
+        <p:nvSpPr>
+          <p:cNvPr id="26628" name="Rectangle 3"/>
+          <p:cNvSpPr>
+            <a:spLocks noGrp="1" noChangeArrowheads="1"/>
+          </p:cNvSpPr>
+          <p:nvPr>
+            <p:ph type="body" idx="1"/>
+          </p:nvPr>
+        </p:nvSpPr>
+        <p:spPr>
+          <a:noFill/>
+          <a:ln/>
+          <a:extLst>
+            <a:ext uri="{909E8E84-426E-40DD-AFC4-6F175D3DCCD1}">
+              <a14:hiddenFill xmlns:a14="http://schemas.microsoft.com/office/drawing/2010/main">
+                <a:solidFill>
+                  <a:srgbClr val="FFFFFF"/>
+                </a:solidFill>
+              </a14:hiddenFill>
+            </a:ext>
+            <a:ext uri="{91240B29-F687-4F45-9708-019B960494DF}">
+              <a14:hiddenLine xmlns:a14="http://schemas.microsoft.com/office/drawing/2010/main" w="9525">
+                <a:solidFill>
+                  <a:srgbClr val="000000"/>
+                </a:solidFill>
+                <a:miter lim="800000"/>
+                <a:headEnd/>
+                <a:tailEnd/>
+              </a14:hiddenLine>
+            </a:ext>
+          </a:extLst>
+        </p:spPr>
+        <p:txBody>
+          <a:bodyPr/>
+          <a:lstStyle/>
+          <a:p>
+            <a:pPr eaLnBrk="1" hangingPunct="1"/>
+            <a:endParaRPr lang="en-US" altLang="ko-KR"/>
+          </a:p>
+        </p:txBody>
+      </p:sp>
+    </p:spTree>
+    <p:extLst>
+      <p:ext uri="{BB962C8B-B14F-4D97-AF65-F5344CB8AC3E}">
+        <p14:creationId xmlns:p14="http://schemas.microsoft.com/office/powerpoint/2010/main" val="1694804705"/>
+      </p:ext>
+    </p:extLst>
+  </p:cSld>
+  <p:clrMapOvr>
+    <a:masterClrMapping/>
+  </p:clrMapOvr>
+</p:notes>
+</file>
+
+<file path=ppt/notesSlides/notesSlide23.xml><?xml version="1.0" encoding="utf-8"?>
+<p:notes xmlns:a="http://schemas.openxmlformats.org/drawingml/2006/main" xmlns:r="http://schemas.openxmlformats.org/officeDocument/2006/relationships" xmlns:p="http://schemas.openxmlformats.org/presentationml/2006/main">
+  <p:cSld>
+    <p:spTree>
+      <p:nvGrpSpPr>
+        <p:cNvPr id="1" name=""/>
+        <p:cNvGrpSpPr/>
+        <p:nvPr/>
+      </p:nvGrpSpPr>
+      <p:grpSpPr>
+        <a:xfrm>
+          <a:off x="0" y="0"/>
+          <a:ext cx="0" cy="0"/>
+          <a:chOff x="0" y="0"/>
+          <a:chExt cx="0" cy="0"/>
+        </a:xfrm>
+      </p:grpSpPr>
+      <p:sp>
+        <p:nvSpPr>
+          <p:cNvPr id="26626" name="Rectangle 7"/>
+          <p:cNvSpPr>
+            <a:spLocks noGrp="1" noChangeArrowheads="1"/>
+          </p:cNvSpPr>
+          <p:nvPr>
+            <p:ph type="sldNum" sz="quarter" idx="5"/>
+          </p:nvPr>
+        </p:nvSpPr>
+        <p:spPr>
+          <a:noFill/>
+          <a:ln/>
+          <a:extLst>
+            <a:ext uri="{909E8E84-426E-40DD-AFC4-6F175D3DCCD1}">
+              <a14:hiddenFill xmlns:a14="http://schemas.microsoft.com/office/drawing/2010/main">
+                <a:solidFill>
+                  <a:srgbClr val="FFFFFF"/>
+                </a:solidFill>
+              </a14:hiddenFill>
+            </a:ext>
+            <a:ext uri="{91240B29-F687-4F45-9708-019B960494DF}">
+              <a14:hiddenLine xmlns:a14="http://schemas.microsoft.com/office/drawing/2010/main" w="9525">
+                <a:solidFill>
+                  <a:srgbClr val="000000"/>
+                </a:solidFill>
+                <a:miter lim="800000"/>
+                <a:headEnd/>
+                <a:tailEnd/>
+              </a14:hiddenLine>
+            </a:ext>
+          </a:extLst>
+        </p:spPr>
+        <p:txBody>
+          <a:bodyPr/>
+          <a:lstStyle>
+            <a:lvl1pPr latinLnBrk="1">
+              <a:spcBef>
+                <a:spcPct val="30000"/>
+              </a:spcBef>
+              <a:defRPr kumimoji="1" sz="1200">
+                <a:solidFill>
+                  <a:schemeClr val="tx1"/>
+                </a:solidFill>
+                <a:latin typeface="Times New Roman" panose="02020603050405020304" pitchFamily="18" charset="0"/>
+                <a:ea typeface="굴림" panose="020B0600000101010101" pitchFamily="50" charset="-127"/>
+              </a:defRPr>
+            </a:lvl1pPr>
+            <a:lvl2pPr marL="742950" indent="-285750" latinLnBrk="1">
+              <a:spcBef>
+                <a:spcPct val="30000"/>
+              </a:spcBef>
+              <a:defRPr kumimoji="1" sz="1200">
+                <a:solidFill>
+                  <a:schemeClr val="tx1"/>
+                </a:solidFill>
+                <a:latin typeface="Times New Roman" panose="02020603050405020304" pitchFamily="18" charset="0"/>
+                <a:ea typeface="굴림" panose="020B0600000101010101" pitchFamily="50" charset="-127"/>
+              </a:defRPr>
+            </a:lvl2pPr>
+            <a:lvl3pPr marL="1143000" indent="-228600" latinLnBrk="1">
+              <a:spcBef>
+                <a:spcPct val="30000"/>
+              </a:spcBef>
+              <a:defRPr kumimoji="1" sz="1200">
+                <a:solidFill>
+                  <a:schemeClr val="tx1"/>
+                </a:solidFill>
+                <a:latin typeface="Times New Roman" panose="02020603050405020304" pitchFamily="18" charset="0"/>
+                <a:ea typeface="굴림" panose="020B0600000101010101" pitchFamily="50" charset="-127"/>
+              </a:defRPr>
+            </a:lvl3pPr>
+            <a:lvl4pPr marL="1600200" indent="-228600" latinLnBrk="1">
+              <a:spcBef>
+                <a:spcPct val="30000"/>
+              </a:spcBef>
+              <a:defRPr kumimoji="1" sz="1200">
+                <a:solidFill>
+                  <a:schemeClr val="tx1"/>
+                </a:solidFill>
+                <a:latin typeface="Times New Roman" panose="02020603050405020304" pitchFamily="18" charset="0"/>
+                <a:ea typeface="굴림" panose="020B0600000101010101" pitchFamily="50" charset="-127"/>
+              </a:defRPr>
+            </a:lvl4pPr>
+            <a:lvl5pPr marL="2057400" indent="-228600" latinLnBrk="1">
+              <a:spcBef>
+                <a:spcPct val="30000"/>
+              </a:spcBef>
+              <a:defRPr kumimoji="1" sz="1200">
+                <a:solidFill>
+                  <a:schemeClr val="tx1"/>
+                </a:solidFill>
+                <a:latin typeface="Times New Roman" panose="02020603050405020304" pitchFamily="18" charset="0"/>
+                <a:ea typeface="굴림" panose="020B0600000101010101" pitchFamily="50" charset="-127"/>
+              </a:defRPr>
+            </a:lvl5pPr>
+            <a:lvl6pPr marL="2514600" indent="-228600" eaLnBrk="0" fontAlgn="base" hangingPunct="0">
+              <a:spcBef>
+                <a:spcPct val="30000"/>
+              </a:spcBef>
+              <a:spcAft>
+                <a:spcPct val="0"/>
+              </a:spcAft>
+              <a:defRPr kumimoji="1" sz="1200">
+                <a:solidFill>
+                  <a:schemeClr val="tx1"/>
+                </a:solidFill>
+                <a:latin typeface="Times New Roman" panose="02020603050405020304" pitchFamily="18" charset="0"/>
+                <a:ea typeface="굴림" panose="020B0600000101010101" pitchFamily="50" charset="-127"/>
+              </a:defRPr>
+            </a:lvl6pPr>
+            <a:lvl7pPr marL="2971800" indent="-228600" eaLnBrk="0" fontAlgn="base" hangingPunct="0">
+              <a:spcBef>
+                <a:spcPct val="30000"/>
+              </a:spcBef>
+              <a:spcAft>
+                <a:spcPct val="0"/>
+              </a:spcAft>
+              <a:defRPr kumimoji="1" sz="1200">
+                <a:solidFill>
+                  <a:schemeClr val="tx1"/>
+                </a:solidFill>
+                <a:latin typeface="Times New Roman" panose="02020603050405020304" pitchFamily="18" charset="0"/>
+                <a:ea typeface="굴림" panose="020B0600000101010101" pitchFamily="50" charset="-127"/>
+              </a:defRPr>
+            </a:lvl7pPr>
+            <a:lvl8pPr marL="3429000" indent="-228600" eaLnBrk="0" fontAlgn="base" hangingPunct="0">
+              <a:spcBef>
+                <a:spcPct val="30000"/>
+              </a:spcBef>
+              <a:spcAft>
+                <a:spcPct val="0"/>
+              </a:spcAft>
+              <a:defRPr kumimoji="1" sz="1200">
+                <a:solidFill>
+                  <a:schemeClr val="tx1"/>
+                </a:solidFill>
+                <a:latin typeface="Times New Roman" panose="02020603050405020304" pitchFamily="18" charset="0"/>
+                <a:ea typeface="굴림" panose="020B0600000101010101" pitchFamily="50" charset="-127"/>
+              </a:defRPr>
+            </a:lvl8pPr>
+            <a:lvl9pPr marL="3886200" indent="-228600" eaLnBrk="0" fontAlgn="base" hangingPunct="0">
+              <a:spcBef>
+                <a:spcPct val="30000"/>
+              </a:spcBef>
+              <a:spcAft>
+                <a:spcPct val="0"/>
+              </a:spcAft>
+              <a:defRPr kumimoji="1" sz="1200">
+                <a:solidFill>
+                  <a:schemeClr val="tx1"/>
+                </a:solidFill>
+                <a:latin typeface="Times New Roman" panose="02020603050405020304" pitchFamily="18" charset="0"/>
+                <a:ea typeface="굴림" panose="020B0600000101010101" pitchFamily="50" charset="-127"/>
+              </a:defRPr>
+            </a:lvl9pPr>
+          </a:lstStyle>
+          <a:p>
+            <a:pPr defTabSz="914400">
+              <a:spcBef>
+                <a:spcPct val="0"/>
+              </a:spcBef>
+            </a:pPr>
+            <a:fld id="{663669A7-A76E-42AE-B11B-9C41C08DBF04}" type="slidenum">
+              <a:rPr lang="en-US" altLang="ko-KR" sz="1000"/>
+              <a:pPr defTabSz="914400">
+                <a:spcBef>
+                  <a:spcPct val="0"/>
+                </a:spcBef>
+              </a:pPr>
+              <a:t>24</a:t>
             </a:fld>
             <a:endParaRPr lang="en-US" altLang="ko-KR" sz="1000"/>
           </a:p>
@@ -6102,7 +6365,7 @@
     </p:spTree>
     <p:extLst>
       <p:ext uri="{BB962C8B-B14F-4D97-AF65-F5344CB8AC3E}">
-        <p14:creationId xmlns:p14="http://schemas.microsoft.com/office/powerpoint/2010/main" val="3100890378"/>
+        <p14:creationId xmlns:p14="http://schemas.microsoft.com/office/powerpoint/2010/main" val="4225796278"/>
       </p:ext>
     </p:extLst>
   </p:cSld>
@@ -6364,7 +6627,7 @@
     </p:spTree>
     <p:extLst>
       <p:ext uri="{BB962C8B-B14F-4D97-AF65-F5344CB8AC3E}">
-        <p14:creationId xmlns:p14="http://schemas.microsoft.com/office/powerpoint/2010/main" val="3743367449"/>
+        <p14:creationId xmlns:p14="http://schemas.microsoft.com/office/powerpoint/2010/main" val="3100890378"/>
       </p:ext>
     </p:extLst>
   </p:cSld>
@@ -6626,7 +6889,7 @@
     </p:spTree>
     <p:extLst>
       <p:ext uri="{BB962C8B-B14F-4D97-AF65-F5344CB8AC3E}">
-        <p14:creationId xmlns:p14="http://schemas.microsoft.com/office/powerpoint/2010/main" val="1332094150"/>
+        <p14:creationId xmlns:p14="http://schemas.microsoft.com/office/powerpoint/2010/main" val="3743367449"/>
       </p:ext>
     </p:extLst>
   </p:cSld>
@@ -10699,8 +10962,8 @@
         </p:nvSpPr>
         <p:spPr bwMode="auto">
           <a:xfrm>
-            <a:off x="266700" y="1270491"/>
-            <a:ext cx="8572500" cy="4681047"/>
+            <a:off x="266700" y="803275"/>
+            <a:ext cx="8572500" cy="5148263"/>
           </a:xfrm>
           <a:prstGeom prst="rect">
             <a:avLst/>
@@ -10873,226 +11136,16 @@
                   <a:schemeClr val="accent2"/>
                 </a:solidFill>
               </a:rPr>
-              <a:t>종로구 </a:t>
-            </a:r>
-            <a:r>
-              <a:rPr lang="en-US" altLang="ko-KR" sz="2000" b="1" dirty="0">
+              <a:t>아파트 매매 </a:t>
+            </a:r>
+            <a:r>
+              <a:rPr lang="ko-KR" altLang="en-US" sz="2000" b="1" dirty="0" err="1">
                 <a:solidFill>
                   <a:schemeClr val="accent2"/>
                 </a:solidFill>
               </a:rPr>
-              <a:t>2017</a:t>
-            </a:r>
-            <a:r>
-              <a:rPr lang="ko-KR" altLang="en-US" sz="2000" b="1" dirty="0">
-                <a:solidFill>
-                  <a:schemeClr val="accent2"/>
-                </a:solidFill>
-              </a:rPr>
-              <a:t>년</a:t>
-            </a:r>
-            <a:r>
-              <a:rPr lang="en-US" altLang="ko-KR" sz="2000" b="1" dirty="0">
-                <a:solidFill>
-                  <a:schemeClr val="accent2"/>
-                </a:solidFill>
-              </a:rPr>
-              <a:t>12</a:t>
-            </a:r>
-            <a:r>
-              <a:rPr lang="ko-KR" altLang="en-US" sz="2000" b="1" dirty="0">
-                <a:solidFill>
-                  <a:schemeClr val="accent2"/>
-                </a:solidFill>
-              </a:rPr>
-              <a:t>월 아파트 매매 </a:t>
-            </a:r>
-            <a:r>
-              <a:rPr lang="ko-KR" altLang="en-US" sz="2000" b="1" dirty="0" err="1">
-                <a:solidFill>
-                  <a:schemeClr val="accent2"/>
-                </a:solidFill>
-              </a:rPr>
               <a:t>실거래자료</a:t>
             </a:r>
-            <a:endParaRPr lang="en-US" altLang="ko-KR" sz="2000" b="1" dirty="0">
-              <a:solidFill>
-                <a:schemeClr val="accent2"/>
-              </a:solidFill>
-            </a:endParaRPr>
-          </a:p>
-          <a:p>
-            <a:pPr eaLnBrk="1" hangingPunct="1">
-              <a:buFont typeface="Wingdings" panose="05000000000000000000" pitchFamily="2" charset="2"/>
-              <a:buChar char="§"/>
-            </a:pPr>
-            <a:r>
-              <a:rPr lang="en-US" altLang="ko-KR" sz="1800" dirty="0"/>
-              <a:t>http://openapi.molit.go.kr:8081/OpenAPI_ToolInstallPackage/service/rest/RTMSOBJSvc/</a:t>
-            </a:r>
-            <a:r>
-              <a:rPr lang="en-US" altLang="ko-KR" sz="1800" dirty="0">
-                <a:solidFill>
-                  <a:srgbClr val="FF0000"/>
-                </a:solidFill>
-              </a:rPr>
-              <a:t>getRTMSDataSvcAptTrade?</a:t>
-            </a:r>
-            <a:r>
-              <a:rPr lang="en-US" altLang="ko-KR" sz="1800" dirty="0">
-                <a:solidFill>
-                  <a:schemeClr val="accent2"/>
-                </a:solidFill>
-              </a:rPr>
-              <a:t>serviceKey</a:t>
-            </a:r>
-            <a:r>
-              <a:rPr lang="en-US" altLang="ko-KR" sz="1800" dirty="0"/>
-              <a:t>=sea100UMmw23Xycs33F1EQnumONR%2F9ElxBLzkilU9Yr1oT4TrCot8Y2p0jyuJP72x9rG9D8CN5yuEs6AS2sAiw%3D%3D</a:t>
-            </a:r>
-            <a:r>
-              <a:rPr lang="en-US" altLang="ko-KR" sz="1800" dirty="0">
-                <a:solidFill>
-                  <a:schemeClr val="accent2"/>
-                </a:solidFill>
-              </a:rPr>
-              <a:t>&amp;LAWD_CD=11110&amp;DEAL_YMD=201712</a:t>
-            </a:r>
-            <a:endParaRPr lang="ko-KR" altLang="en-US" sz="1800" dirty="0">
-              <a:solidFill>
-                <a:schemeClr val="accent2"/>
-              </a:solidFill>
-            </a:endParaRPr>
-          </a:p>
-          <a:p>
-            <a:pPr eaLnBrk="1" hangingPunct="1">
-              <a:buFont typeface="Wingdings" panose="05000000000000000000" pitchFamily="2" charset="2"/>
-              <a:buChar char="§"/>
-            </a:pPr>
-            <a:endParaRPr lang="en-US" altLang="ko-KR" sz="2000" b="1" dirty="0">
-              <a:solidFill>
-                <a:schemeClr val="accent2"/>
-              </a:solidFill>
-            </a:endParaRPr>
-          </a:p>
-          <a:p>
-            <a:pPr eaLnBrk="1" hangingPunct="1">
-              <a:buFont typeface="Wingdings" panose="05000000000000000000" pitchFamily="2" charset="2"/>
-              <a:buChar char="§"/>
-            </a:pPr>
-            <a:endParaRPr lang="en-US" altLang="ko-KR" sz="2000" b="1" dirty="0">
-              <a:solidFill>
-                <a:schemeClr val="accent2"/>
-              </a:solidFill>
-            </a:endParaRPr>
-          </a:p>
-          <a:p>
-            <a:pPr eaLnBrk="1" hangingPunct="1">
-              <a:buFont typeface="Wingdings" panose="05000000000000000000" pitchFamily="2" charset="2"/>
-              <a:buChar char="§"/>
-            </a:pPr>
-            <a:r>
-              <a:rPr lang="ko-KR" altLang="en-US" sz="2000" b="1" dirty="0">
-                <a:solidFill>
-                  <a:schemeClr val="accent2"/>
-                </a:solidFill>
-              </a:rPr>
-              <a:t>종로구 </a:t>
-            </a:r>
-            <a:r>
-              <a:rPr lang="en-US" altLang="ko-KR" sz="2000" b="1" dirty="0">
-                <a:solidFill>
-                  <a:schemeClr val="accent2"/>
-                </a:solidFill>
-              </a:rPr>
-              <a:t>2017</a:t>
-            </a:r>
-            <a:r>
-              <a:rPr lang="ko-KR" altLang="en-US" sz="2000" b="1" dirty="0">
-                <a:solidFill>
-                  <a:schemeClr val="accent2"/>
-                </a:solidFill>
-              </a:rPr>
-              <a:t>년</a:t>
-            </a:r>
-            <a:r>
-              <a:rPr lang="en-US" altLang="ko-KR" sz="2000" b="1" dirty="0">
-                <a:solidFill>
-                  <a:schemeClr val="accent2"/>
-                </a:solidFill>
-              </a:rPr>
-              <a:t>12</a:t>
-            </a:r>
-            <a:r>
-              <a:rPr lang="ko-KR" altLang="en-US" sz="2000" b="1" dirty="0">
-                <a:solidFill>
-                  <a:schemeClr val="accent2"/>
-                </a:solidFill>
-              </a:rPr>
-              <a:t>월 연립주택 매매 </a:t>
-            </a:r>
-            <a:r>
-              <a:rPr lang="ko-KR" altLang="en-US" sz="2000" b="1" dirty="0" err="1">
-                <a:solidFill>
-                  <a:schemeClr val="accent2"/>
-                </a:solidFill>
-              </a:rPr>
-              <a:t>실거래자료</a:t>
-            </a:r>
-            <a:endParaRPr lang="en-US" altLang="ko-KR" sz="2000" b="1" dirty="0">
-              <a:solidFill>
-                <a:schemeClr val="accent2"/>
-              </a:solidFill>
-            </a:endParaRPr>
-          </a:p>
-          <a:p>
-            <a:pPr eaLnBrk="1" hangingPunct="1">
-              <a:buFont typeface="Wingdings" panose="05000000000000000000" pitchFamily="2" charset="2"/>
-              <a:buChar char="§"/>
-            </a:pPr>
-            <a:r>
-              <a:rPr lang="en-US" altLang="ko-KR" sz="1800" dirty="0"/>
-              <a:t>http://openapi.molit.go.kr:8081/OpenAPI_ToolInstallPackage/service/rest/RTMSOBJSvc/</a:t>
-            </a:r>
-            <a:r>
-              <a:rPr lang="en-US" altLang="ko-KR" sz="1800" dirty="0">
-                <a:solidFill>
-                  <a:srgbClr val="FF0000"/>
-                </a:solidFill>
-              </a:rPr>
-              <a:t>getRTMSDataSvcRHTrade?</a:t>
-            </a:r>
-            <a:r>
-              <a:rPr lang="en-US" altLang="ko-KR" sz="1800" dirty="0">
-                <a:solidFill>
-                  <a:schemeClr val="accent2"/>
-                </a:solidFill>
-              </a:rPr>
-              <a:t>serviceKey</a:t>
-            </a:r>
-            <a:r>
-              <a:rPr lang="en-US" altLang="ko-KR" sz="1800" dirty="0"/>
-              <a:t>=sea100UMmw23Xycs33F1EQnumONR%2F9ElxBLzkilU9Yr1oT4TrCot8Y2p0jyuJP72x9rG9D8CN5yuEs6AS2sAiw%3D%3D</a:t>
-            </a:r>
-            <a:r>
-              <a:rPr lang="en-US" altLang="ko-KR" sz="1800" dirty="0">
-                <a:solidFill>
-                  <a:schemeClr val="accent2"/>
-                </a:solidFill>
-              </a:rPr>
-              <a:t>&amp;LAWD_CD=11110&amp;DEAL_YMD=201712</a:t>
-            </a:r>
-            <a:endParaRPr lang="ko-KR" altLang="en-US" sz="1800" dirty="0">
-              <a:solidFill>
-                <a:schemeClr val="accent2"/>
-              </a:solidFill>
-            </a:endParaRPr>
-          </a:p>
-          <a:p>
-            <a:pPr eaLnBrk="1" hangingPunct="1">
-              <a:buFont typeface="Wingdings" panose="05000000000000000000" pitchFamily="2" charset="2"/>
-              <a:buChar char="§"/>
-            </a:pPr>
             <a:endParaRPr lang="en-US" altLang="ko-KR" sz="1600" dirty="0"/>
           </a:p>
           <a:p>
@@ -11436,10 +11489,272 @@
           </a:p>
         </p:txBody>
       </p:sp>
+      <p:sp>
+        <p:nvSpPr>
+          <p:cNvPr id="5" name="직사각형 4"/>
+          <p:cNvSpPr/>
+          <p:nvPr/>
+        </p:nvSpPr>
+        <p:spPr>
+          <a:xfrm>
+            <a:off x="685800" y="1129575"/>
+            <a:ext cx="7988968" cy="646331"/>
+          </a:xfrm>
+          <a:prstGeom prst="rect">
+            <a:avLst/>
+          </a:prstGeom>
+        </p:spPr>
+        <p:txBody>
+          <a:bodyPr wrap="square">
+            <a:spAutoFit/>
+          </a:bodyPr>
+          <a:lstStyle/>
+          <a:p>
+            <a:r>
+              <a:rPr lang="en-US" altLang="ko-KR" sz="1800" dirty="0"/>
+              <a:t>http://openapi.molit.go.kr:8081/OpenAPI_ToolInstallPackage/service/rest/RTMSOBJSvc/getRTMSDataSvcAptTrade?</a:t>
+            </a:r>
+            <a:r>
+              <a:rPr lang="ko-KR" altLang="en-US" sz="1800" dirty="0"/>
+              <a:t> </a:t>
+            </a:r>
+          </a:p>
+        </p:txBody>
+      </p:sp>
+      <p:graphicFrame>
+        <p:nvGraphicFramePr>
+          <p:cNvPr id="6" name="표 5"/>
+          <p:cNvGraphicFramePr>
+            <a:graphicFrameLocks noGrp="1"/>
+          </p:cNvGraphicFramePr>
+          <p:nvPr>
+            <p:extLst>
+              <p:ext uri="{D42A27DB-BD31-4B8C-83A1-F6EECF244321}">
+                <p14:modId xmlns:p14="http://schemas.microsoft.com/office/powerpoint/2010/main" val="1508728325"/>
+              </p:ext>
+            </p:extLst>
+          </p:nvPr>
+        </p:nvGraphicFramePr>
+        <p:xfrm>
+          <a:off x="595313" y="1797332"/>
+          <a:ext cx="7772400" cy="365760"/>
+        </p:xfrm>
+        <a:graphic>
+          <a:graphicData uri="http://schemas.openxmlformats.org/drawingml/2006/table">
+            <a:tbl>
+              <a:tblPr/>
+              <a:tblGrid>
+                <a:gridCol w="1943100">
+                  <a:extLst>
+                    <a:ext uri="{9D8B030D-6E8A-4147-A177-3AD203B41FA5}">
+                      <a16:colId xmlns:a16="http://schemas.microsoft.com/office/drawing/2014/main" val="2818930202"/>
+                    </a:ext>
+                  </a:extLst>
+                </a:gridCol>
+                <a:gridCol w="1943100">
+                  <a:extLst>
+                    <a:ext uri="{9D8B030D-6E8A-4147-A177-3AD203B41FA5}">
+                      <a16:colId xmlns:a16="http://schemas.microsoft.com/office/drawing/2014/main" val="1970696340"/>
+                    </a:ext>
+                  </a:extLst>
+                </a:gridCol>
+                <a:gridCol w="1943100">
+                  <a:extLst>
+                    <a:ext uri="{9D8B030D-6E8A-4147-A177-3AD203B41FA5}">
+                      <a16:colId xmlns:a16="http://schemas.microsoft.com/office/drawing/2014/main" val="1619219055"/>
+                    </a:ext>
+                  </a:extLst>
+                </a:gridCol>
+                <a:gridCol w="1943100">
+                  <a:extLst>
+                    <a:ext uri="{9D8B030D-6E8A-4147-A177-3AD203B41FA5}">
+                      <a16:colId xmlns:a16="http://schemas.microsoft.com/office/drawing/2014/main" val="2794654254"/>
+                    </a:ext>
+                  </a:extLst>
+                </a:gridCol>
+              </a:tblGrid>
+              <a:tr h="0">
+                <a:tc>
+                  <a:txBody>
+                    <a:bodyPr/>
+                    <a:lstStyle/>
+                    <a:p>
+                      <a:r>
+                        <a:rPr lang="ko-KR" altLang="en-US" dirty="0" err="1"/>
+                        <a:t>데이터포맷</a:t>
+                      </a:r>
+                      <a:endParaRPr lang="ko-KR" altLang="en-US" dirty="0"/>
+                    </a:p>
+                  </a:txBody>
+                  <a:tcPr anchor="ctr">
+                    <a:lnL>
+                      <a:noFill/>
+                    </a:lnL>
+                    <a:lnR>
+                      <a:noFill/>
+                    </a:lnR>
+                    <a:lnT>
+                      <a:noFill/>
+                    </a:lnT>
+                    <a:lnB>
+                      <a:noFill/>
+                    </a:lnB>
+                  </a:tcPr>
+                </a:tc>
+                <a:tc>
+                  <a:txBody>
+                    <a:bodyPr/>
+                    <a:lstStyle/>
+                    <a:p>
+                      <a:r>
+                        <a:rPr lang="en-US" dirty="0"/>
+                        <a:t>XML </a:t>
+                      </a:r>
+                    </a:p>
+                  </a:txBody>
+                  <a:tcPr anchor="ctr">
+                    <a:lnL>
+                      <a:noFill/>
+                    </a:lnL>
+                    <a:lnR>
+                      <a:noFill/>
+                    </a:lnR>
+                    <a:lnT>
+                      <a:noFill/>
+                    </a:lnT>
+                    <a:lnB>
+                      <a:noFill/>
+                    </a:lnB>
+                  </a:tcPr>
+                </a:tc>
+                <a:tc>
+                  <a:txBody>
+                    <a:bodyPr/>
+                    <a:lstStyle/>
+                    <a:p>
+                      <a:r>
+                        <a:rPr lang="en-US" dirty="0"/>
+                        <a:t>API </a:t>
+                      </a:r>
+                      <a:r>
+                        <a:rPr lang="ko-KR" altLang="en-US" dirty="0"/>
+                        <a:t>유형</a:t>
+                      </a:r>
+                    </a:p>
+                  </a:txBody>
+                  <a:tcPr anchor="ctr">
+                    <a:lnL>
+                      <a:noFill/>
+                    </a:lnL>
+                    <a:lnR>
+                      <a:noFill/>
+                    </a:lnR>
+                    <a:lnT>
+                      <a:noFill/>
+                    </a:lnT>
+                    <a:lnB>
+                      <a:noFill/>
+                    </a:lnB>
+                  </a:tcPr>
+                </a:tc>
+                <a:tc>
+                  <a:txBody>
+                    <a:bodyPr/>
+                    <a:lstStyle/>
+                    <a:p>
+                      <a:r>
+                        <a:rPr lang="en-US" dirty="0"/>
+                        <a:t>REST </a:t>
+                      </a:r>
+                    </a:p>
+                  </a:txBody>
+                  <a:tcPr anchor="ctr">
+                    <a:lnL>
+                      <a:noFill/>
+                    </a:lnL>
+                    <a:lnR>
+                      <a:noFill/>
+                    </a:lnR>
+                    <a:lnT>
+                      <a:noFill/>
+                    </a:lnT>
+                    <a:lnB>
+                      <a:noFill/>
+                    </a:lnB>
+                  </a:tcPr>
+                </a:tc>
+                <a:extLst>
+                  <a:ext uri="{0D108BD9-81ED-4DB2-BD59-A6C34878D82A}">
+                    <a16:rowId xmlns:a16="http://schemas.microsoft.com/office/drawing/2014/main" val="2804642738"/>
+                  </a:ext>
+                </a:extLst>
+              </a:tr>
+            </a:tbl>
+          </a:graphicData>
+        </a:graphic>
+      </p:graphicFrame>
+      <p:pic>
+        <p:nvPicPr>
+          <p:cNvPr id="7" name="그림 6"/>
+          <p:cNvPicPr>
+            <a:picLocks noChangeAspect="1"/>
+          </p:cNvPicPr>
+          <p:nvPr/>
+        </p:nvPicPr>
+        <p:blipFill>
+          <a:blip r:embed="rId3"/>
+          <a:stretch>
+            <a:fillRect/>
+          </a:stretch>
+        </p:blipFill>
+        <p:spPr>
+          <a:xfrm>
+            <a:off x="389830" y="2184519"/>
+            <a:ext cx="4428697" cy="2894856"/>
+          </a:xfrm>
+          <a:prstGeom prst="rect">
+            <a:avLst/>
+          </a:prstGeom>
+          <a:ln>
+            <a:solidFill>
+              <a:schemeClr val="tx1"/>
+            </a:solidFill>
+          </a:ln>
+        </p:spPr>
+      </p:pic>
+      <p:pic>
+        <p:nvPicPr>
+          <p:cNvPr id="9" name="그림 8"/>
+          <p:cNvPicPr>
+            <a:picLocks noChangeAspect="1"/>
+          </p:cNvPicPr>
+          <p:nvPr/>
+        </p:nvPicPr>
+        <p:blipFill>
+          <a:blip r:embed="rId4"/>
+          <a:stretch>
+            <a:fillRect/>
+          </a:stretch>
+        </p:blipFill>
+        <p:spPr>
+          <a:xfrm>
+            <a:off x="1759618" y="4435317"/>
+            <a:ext cx="6915150" cy="1562100"/>
+          </a:xfrm>
+          <a:prstGeom prst="rect">
+            <a:avLst/>
+          </a:prstGeom>
+          <a:ln>
+            <a:solidFill>
+              <a:schemeClr val="tx1"/>
+            </a:solidFill>
+          </a:ln>
+        </p:spPr>
+      </p:pic>
     </p:spTree>
     <p:extLst>
       <p:ext uri="{BB962C8B-B14F-4D97-AF65-F5344CB8AC3E}">
-        <p14:creationId xmlns:p14="http://schemas.microsoft.com/office/powerpoint/2010/main" val="2476555233"/>
+        <p14:creationId xmlns:p14="http://schemas.microsoft.com/office/powerpoint/2010/main" val="202942638"/>
       </p:ext>
     </p:extLst>
   </p:cSld>
@@ -11511,6 +11826,421 @@
       </p:sp>
       <p:sp>
         <p:nvSpPr>
+          <p:cNvPr id="25603" name="Rectangle 33"/>
+          <p:cNvSpPr>
+            <a:spLocks noChangeArrowheads="1"/>
+          </p:cNvSpPr>
+          <p:nvPr/>
+        </p:nvSpPr>
+        <p:spPr bwMode="auto">
+          <a:xfrm>
+            <a:off x="266700" y="1270491"/>
+            <a:ext cx="8572500" cy="4681047"/>
+          </a:xfrm>
+          <a:prstGeom prst="rect">
+            <a:avLst/>
+          </a:prstGeom>
+          <a:noFill/>
+          <a:ln>
+            <a:noFill/>
+          </a:ln>
+          <a:extLst>
+            <a:ext uri="{909E8E84-426E-40DD-AFC4-6F175D3DCCD1}">
+              <a14:hiddenFill xmlns:a14="http://schemas.microsoft.com/office/drawing/2010/main">
+                <a:solidFill>
+                  <a:srgbClr val="FFFFFF"/>
+                </a:solidFill>
+              </a14:hiddenFill>
+            </a:ext>
+            <a:ext uri="{91240B29-F687-4F45-9708-019B960494DF}">
+              <a14:hiddenLine xmlns:a14="http://schemas.microsoft.com/office/drawing/2010/main" w="9525">
+                <a:solidFill>
+                  <a:srgbClr val="000000"/>
+                </a:solidFill>
+                <a:miter lim="800000"/>
+                <a:headEnd/>
+                <a:tailEnd/>
+              </a14:hiddenLine>
+            </a:ext>
+          </a:extLst>
+        </p:spPr>
+        <p:txBody>
+          <a:bodyPr/>
+          <a:lstStyle>
+            <a:lvl1pPr marL="342900" indent="-342900" latinLnBrk="1">
+              <a:spcBef>
+                <a:spcPct val="20000"/>
+              </a:spcBef>
+              <a:buChar char="•"/>
+              <a:defRPr kumimoji="1" sz="3200">
+                <a:solidFill>
+                  <a:schemeClr val="tx1"/>
+                </a:solidFill>
+                <a:latin typeface="Times New Roman" panose="02020603050405020304" pitchFamily="18" charset="0"/>
+                <a:ea typeface="굴림" panose="020B0600000101010101" pitchFamily="50" charset="-127"/>
+              </a:defRPr>
+            </a:lvl1pPr>
+            <a:lvl2pPr marL="742950" indent="-285750" latinLnBrk="1">
+              <a:spcBef>
+                <a:spcPct val="20000"/>
+              </a:spcBef>
+              <a:buChar char="–"/>
+              <a:defRPr kumimoji="1" sz="2800">
+                <a:solidFill>
+                  <a:schemeClr val="tx1"/>
+                </a:solidFill>
+                <a:latin typeface="Times New Roman" panose="02020603050405020304" pitchFamily="18" charset="0"/>
+                <a:ea typeface="굴림" panose="020B0600000101010101" pitchFamily="50" charset="-127"/>
+              </a:defRPr>
+            </a:lvl2pPr>
+            <a:lvl3pPr marL="1143000" indent="-228600" latinLnBrk="1">
+              <a:spcBef>
+                <a:spcPct val="20000"/>
+              </a:spcBef>
+              <a:buChar char="•"/>
+              <a:defRPr kumimoji="1" sz="2400">
+                <a:solidFill>
+                  <a:schemeClr val="tx1"/>
+                </a:solidFill>
+                <a:latin typeface="Times New Roman" panose="02020603050405020304" pitchFamily="18" charset="0"/>
+                <a:ea typeface="굴림" panose="020B0600000101010101" pitchFamily="50" charset="-127"/>
+              </a:defRPr>
+            </a:lvl3pPr>
+            <a:lvl4pPr marL="1600200" indent="-228600" latinLnBrk="1">
+              <a:spcBef>
+                <a:spcPct val="20000"/>
+              </a:spcBef>
+              <a:buChar char="–"/>
+              <a:defRPr kumimoji="1" sz="2000">
+                <a:solidFill>
+                  <a:schemeClr val="tx1"/>
+                </a:solidFill>
+                <a:latin typeface="Times New Roman" panose="02020603050405020304" pitchFamily="18" charset="0"/>
+                <a:ea typeface="굴림" panose="020B0600000101010101" pitchFamily="50" charset="-127"/>
+              </a:defRPr>
+            </a:lvl4pPr>
+            <a:lvl5pPr marL="2057400" indent="-228600" latinLnBrk="1">
+              <a:spcBef>
+                <a:spcPct val="20000"/>
+              </a:spcBef>
+              <a:buChar char="»"/>
+              <a:defRPr kumimoji="1" sz="2000">
+                <a:solidFill>
+                  <a:schemeClr val="tx1"/>
+                </a:solidFill>
+                <a:latin typeface="Times New Roman" panose="02020603050405020304" pitchFamily="18" charset="0"/>
+                <a:ea typeface="굴림" panose="020B0600000101010101" pitchFamily="50" charset="-127"/>
+              </a:defRPr>
+            </a:lvl5pPr>
+            <a:lvl6pPr marL="2514600" indent="-228600" eaLnBrk="0" fontAlgn="base" hangingPunct="0">
+              <a:spcBef>
+                <a:spcPct val="20000"/>
+              </a:spcBef>
+              <a:spcAft>
+                <a:spcPct val="0"/>
+              </a:spcAft>
+              <a:buChar char="»"/>
+              <a:defRPr kumimoji="1" sz="2000">
+                <a:solidFill>
+                  <a:schemeClr val="tx1"/>
+                </a:solidFill>
+                <a:latin typeface="Times New Roman" panose="02020603050405020304" pitchFamily="18" charset="0"/>
+                <a:ea typeface="굴림" panose="020B0600000101010101" pitchFamily="50" charset="-127"/>
+              </a:defRPr>
+            </a:lvl6pPr>
+            <a:lvl7pPr marL="2971800" indent="-228600" eaLnBrk="0" fontAlgn="base" hangingPunct="0">
+              <a:spcBef>
+                <a:spcPct val="20000"/>
+              </a:spcBef>
+              <a:spcAft>
+                <a:spcPct val="0"/>
+              </a:spcAft>
+              <a:buChar char="»"/>
+              <a:defRPr kumimoji="1" sz="2000">
+                <a:solidFill>
+                  <a:schemeClr val="tx1"/>
+                </a:solidFill>
+                <a:latin typeface="Times New Roman" panose="02020603050405020304" pitchFamily="18" charset="0"/>
+                <a:ea typeface="굴림" panose="020B0600000101010101" pitchFamily="50" charset="-127"/>
+              </a:defRPr>
+            </a:lvl7pPr>
+            <a:lvl8pPr marL="3429000" indent="-228600" eaLnBrk="0" fontAlgn="base" hangingPunct="0">
+              <a:spcBef>
+                <a:spcPct val="20000"/>
+              </a:spcBef>
+              <a:spcAft>
+                <a:spcPct val="0"/>
+              </a:spcAft>
+              <a:buChar char="»"/>
+              <a:defRPr kumimoji="1" sz="2000">
+                <a:solidFill>
+                  <a:schemeClr val="tx1"/>
+                </a:solidFill>
+                <a:latin typeface="Times New Roman" panose="02020603050405020304" pitchFamily="18" charset="0"/>
+                <a:ea typeface="굴림" panose="020B0600000101010101" pitchFamily="50" charset="-127"/>
+              </a:defRPr>
+            </a:lvl8pPr>
+            <a:lvl9pPr marL="3886200" indent="-228600" eaLnBrk="0" fontAlgn="base" hangingPunct="0">
+              <a:spcBef>
+                <a:spcPct val="20000"/>
+              </a:spcBef>
+              <a:spcAft>
+                <a:spcPct val="0"/>
+              </a:spcAft>
+              <a:buChar char="»"/>
+              <a:defRPr kumimoji="1" sz="2000">
+                <a:solidFill>
+                  <a:schemeClr val="tx1"/>
+                </a:solidFill>
+                <a:latin typeface="Times New Roman" panose="02020603050405020304" pitchFamily="18" charset="0"/>
+                <a:ea typeface="굴림" panose="020B0600000101010101" pitchFamily="50" charset="-127"/>
+              </a:defRPr>
+            </a:lvl9pPr>
+          </a:lstStyle>
+          <a:p>
+            <a:pPr eaLnBrk="1" hangingPunct="1">
+              <a:buFont typeface="Wingdings" panose="05000000000000000000" pitchFamily="2" charset="2"/>
+              <a:buChar char="§"/>
+            </a:pPr>
+            <a:r>
+              <a:rPr lang="ko-KR" altLang="en-US" sz="2000" b="1" dirty="0">
+                <a:solidFill>
+                  <a:schemeClr val="accent2"/>
+                </a:solidFill>
+              </a:rPr>
+              <a:t>종로구 </a:t>
+            </a:r>
+            <a:r>
+              <a:rPr lang="en-US" altLang="ko-KR" sz="2000" b="1" dirty="0">
+                <a:solidFill>
+                  <a:schemeClr val="accent2"/>
+                </a:solidFill>
+              </a:rPr>
+              <a:t>2017</a:t>
+            </a:r>
+            <a:r>
+              <a:rPr lang="ko-KR" altLang="en-US" sz="2000" b="1" dirty="0">
+                <a:solidFill>
+                  <a:schemeClr val="accent2"/>
+                </a:solidFill>
+              </a:rPr>
+              <a:t>년</a:t>
+            </a:r>
+            <a:r>
+              <a:rPr lang="en-US" altLang="ko-KR" sz="2000" b="1" dirty="0">
+                <a:solidFill>
+                  <a:schemeClr val="accent2"/>
+                </a:solidFill>
+              </a:rPr>
+              <a:t>12</a:t>
+            </a:r>
+            <a:r>
+              <a:rPr lang="ko-KR" altLang="en-US" sz="2000" b="1" dirty="0">
+                <a:solidFill>
+                  <a:schemeClr val="accent2"/>
+                </a:solidFill>
+              </a:rPr>
+              <a:t>월 아파트 매매 </a:t>
+            </a:r>
+            <a:r>
+              <a:rPr lang="ko-KR" altLang="en-US" sz="2000" b="1" dirty="0" err="1">
+                <a:solidFill>
+                  <a:schemeClr val="accent2"/>
+                </a:solidFill>
+              </a:rPr>
+              <a:t>실거래자료</a:t>
+            </a:r>
+            <a:endParaRPr lang="en-US" altLang="ko-KR" sz="2000" b="1" dirty="0">
+              <a:solidFill>
+                <a:schemeClr val="accent2"/>
+              </a:solidFill>
+            </a:endParaRPr>
+          </a:p>
+          <a:p>
+            <a:pPr eaLnBrk="1" hangingPunct="1">
+              <a:buFont typeface="Wingdings" panose="05000000000000000000" pitchFamily="2" charset="2"/>
+              <a:buChar char="§"/>
+            </a:pPr>
+            <a:r>
+              <a:rPr lang="en-US" altLang="ko-KR" sz="1800" dirty="0"/>
+              <a:t>http://openapi.molit.go.kr:8081/OpenAPI_ToolInstallPackage/service/rest/RTMSOBJSvc/</a:t>
+            </a:r>
+            <a:r>
+              <a:rPr lang="en-US" altLang="ko-KR" sz="1800" dirty="0">
+                <a:solidFill>
+                  <a:srgbClr val="FF0000"/>
+                </a:solidFill>
+              </a:rPr>
+              <a:t>getRTMSDataSvcAptTrade?</a:t>
+            </a:r>
+            <a:r>
+              <a:rPr lang="en-US" altLang="ko-KR" sz="1800" dirty="0">
+                <a:solidFill>
+                  <a:schemeClr val="accent2"/>
+                </a:solidFill>
+              </a:rPr>
+              <a:t>serviceKey</a:t>
+            </a:r>
+            <a:r>
+              <a:rPr lang="en-US" altLang="ko-KR" sz="1800" dirty="0"/>
+              <a:t>=sea100UMmw23Xycs33F1EQnumONR%2F9ElxBLzkilU9Yr1oT4TrCot8Y2p0jyuJP72x9rG9D8CN5yuEs6AS2sAiw%3D%3D</a:t>
+            </a:r>
+            <a:r>
+              <a:rPr lang="en-US" altLang="ko-KR" sz="1800" dirty="0">
+                <a:solidFill>
+                  <a:schemeClr val="accent2"/>
+                </a:solidFill>
+              </a:rPr>
+              <a:t>&amp;LAWD_CD=11110&amp;DEAL_YMD=201712</a:t>
+            </a:r>
+            <a:endParaRPr lang="ko-KR" altLang="en-US" sz="1800" dirty="0">
+              <a:solidFill>
+                <a:schemeClr val="accent2"/>
+              </a:solidFill>
+            </a:endParaRPr>
+          </a:p>
+          <a:p>
+            <a:pPr eaLnBrk="1" hangingPunct="1">
+              <a:buFont typeface="Wingdings" panose="05000000000000000000" pitchFamily="2" charset="2"/>
+              <a:buChar char="§"/>
+            </a:pPr>
+            <a:endParaRPr lang="en-US" altLang="ko-KR" sz="2000" b="1" dirty="0">
+              <a:solidFill>
+                <a:schemeClr val="accent2"/>
+              </a:solidFill>
+            </a:endParaRPr>
+          </a:p>
+          <a:p>
+            <a:pPr eaLnBrk="1" hangingPunct="1">
+              <a:buFont typeface="Wingdings" panose="05000000000000000000" pitchFamily="2" charset="2"/>
+              <a:buChar char="§"/>
+            </a:pPr>
+            <a:endParaRPr lang="en-US" altLang="ko-KR" sz="2000" b="1" dirty="0">
+              <a:solidFill>
+                <a:schemeClr val="accent2"/>
+              </a:solidFill>
+            </a:endParaRPr>
+          </a:p>
+          <a:p>
+            <a:pPr eaLnBrk="1" hangingPunct="1">
+              <a:buFont typeface="Wingdings" panose="05000000000000000000" pitchFamily="2" charset="2"/>
+              <a:buChar char="§"/>
+            </a:pPr>
+            <a:r>
+              <a:rPr lang="ko-KR" altLang="en-US" sz="2000" b="1" dirty="0">
+                <a:solidFill>
+                  <a:schemeClr val="accent2"/>
+                </a:solidFill>
+              </a:rPr>
+              <a:t>종로구 </a:t>
+            </a:r>
+            <a:r>
+              <a:rPr lang="en-US" altLang="ko-KR" sz="2000" b="1" dirty="0">
+                <a:solidFill>
+                  <a:schemeClr val="accent2"/>
+                </a:solidFill>
+              </a:rPr>
+              <a:t>2017</a:t>
+            </a:r>
+            <a:r>
+              <a:rPr lang="ko-KR" altLang="en-US" sz="2000" b="1" dirty="0">
+                <a:solidFill>
+                  <a:schemeClr val="accent2"/>
+                </a:solidFill>
+              </a:rPr>
+              <a:t>년</a:t>
+            </a:r>
+            <a:r>
+              <a:rPr lang="en-US" altLang="ko-KR" sz="2000" b="1" dirty="0">
+                <a:solidFill>
+                  <a:schemeClr val="accent2"/>
+                </a:solidFill>
+              </a:rPr>
+              <a:t>12</a:t>
+            </a:r>
+            <a:r>
+              <a:rPr lang="ko-KR" altLang="en-US" sz="2000" b="1" dirty="0">
+                <a:solidFill>
+                  <a:schemeClr val="accent2"/>
+                </a:solidFill>
+              </a:rPr>
+              <a:t>월 연립주택 매매 </a:t>
+            </a:r>
+            <a:r>
+              <a:rPr lang="ko-KR" altLang="en-US" sz="2000" b="1" dirty="0" err="1">
+                <a:solidFill>
+                  <a:schemeClr val="accent2"/>
+                </a:solidFill>
+              </a:rPr>
+              <a:t>실거래자료</a:t>
+            </a:r>
+            <a:endParaRPr lang="en-US" altLang="ko-KR" sz="2000" b="1" dirty="0">
+              <a:solidFill>
+                <a:schemeClr val="accent2"/>
+              </a:solidFill>
+            </a:endParaRPr>
+          </a:p>
+          <a:p>
+            <a:pPr eaLnBrk="1" hangingPunct="1">
+              <a:buFont typeface="Wingdings" panose="05000000000000000000" pitchFamily="2" charset="2"/>
+              <a:buChar char="§"/>
+            </a:pPr>
+            <a:r>
+              <a:rPr lang="en-US" altLang="ko-KR" sz="1800" dirty="0"/>
+              <a:t>http://openapi.molit.go.kr:8081/OpenAPI_ToolInstallPackage/service/rest/RTMSOBJSvc/</a:t>
+            </a:r>
+            <a:r>
+              <a:rPr lang="en-US" altLang="ko-KR" sz="1800" dirty="0">
+                <a:solidFill>
+                  <a:srgbClr val="FF0000"/>
+                </a:solidFill>
+              </a:rPr>
+              <a:t>getRTMSDataSvcRHTrade?</a:t>
+            </a:r>
+            <a:r>
+              <a:rPr lang="en-US" altLang="ko-KR" sz="1800" dirty="0">
+                <a:solidFill>
+                  <a:schemeClr val="accent2"/>
+                </a:solidFill>
+              </a:rPr>
+              <a:t>serviceKey</a:t>
+            </a:r>
+            <a:r>
+              <a:rPr lang="en-US" altLang="ko-KR" sz="1800" dirty="0"/>
+              <a:t>=sea100UMmw23Xycs33F1EQnumONR%2F9ElxBLzkilU9Yr1oT4TrCot8Y2p0jyuJP72x9rG9D8CN5yuEs6AS2sAiw%3D%3D</a:t>
+            </a:r>
+            <a:r>
+              <a:rPr lang="en-US" altLang="ko-KR" sz="1800" dirty="0">
+                <a:solidFill>
+                  <a:schemeClr val="accent2"/>
+                </a:solidFill>
+              </a:rPr>
+              <a:t>&amp;LAWD_CD=11110&amp;DEAL_YMD=201712</a:t>
+            </a:r>
+            <a:endParaRPr lang="ko-KR" altLang="en-US" sz="1800" dirty="0">
+              <a:solidFill>
+                <a:schemeClr val="accent2"/>
+              </a:solidFill>
+            </a:endParaRPr>
+          </a:p>
+          <a:p>
+            <a:pPr eaLnBrk="1" hangingPunct="1">
+              <a:buFont typeface="Wingdings" panose="05000000000000000000" pitchFamily="2" charset="2"/>
+              <a:buChar char="§"/>
+            </a:pPr>
+            <a:endParaRPr lang="en-US" altLang="ko-KR" sz="1600" dirty="0"/>
+          </a:p>
+          <a:p>
+            <a:pPr eaLnBrk="1" hangingPunct="1">
+              <a:buFont typeface="Wingdings" panose="05000000000000000000" pitchFamily="2" charset="2"/>
+              <a:buChar char="§"/>
+            </a:pPr>
+            <a:endParaRPr lang="en-US" altLang="ko-KR" sz="2000" dirty="0"/>
+          </a:p>
+        </p:txBody>
+      </p:sp>
+      <p:sp>
+        <p:nvSpPr>
           <p:cNvPr id="8" name="슬라이드 번호 개체 틀 7"/>
           <p:cNvSpPr>
             <a:spLocks noGrp="1"/>
@@ -11649,6 +12379,411 @@
                 <a:defRPr/>
               </a:pPr>
               <a:t>11</a:t>
+            </a:fld>
+            <a:endParaRPr lang="en-US" altLang="ko-KR" sz="1400" dirty="0"/>
+          </a:p>
+        </p:txBody>
+      </p:sp>
+      <p:sp>
+        <p:nvSpPr>
+          <p:cNvPr id="25606" name="TextBox 4"/>
+          <p:cNvSpPr txBox="1">
+            <a:spLocks noChangeArrowheads="1"/>
+          </p:cNvSpPr>
+          <p:nvPr/>
+        </p:nvSpPr>
+        <p:spPr bwMode="auto">
+          <a:xfrm>
+            <a:off x="4295775" y="1155700"/>
+            <a:ext cx="185738" cy="461963"/>
+          </a:xfrm>
+          <a:prstGeom prst="rect">
+            <a:avLst/>
+          </a:prstGeom>
+          <a:noFill/>
+          <a:ln>
+            <a:noFill/>
+          </a:ln>
+          <a:extLst>
+            <a:ext uri="{909E8E84-426E-40DD-AFC4-6F175D3DCCD1}">
+              <a14:hiddenFill xmlns:a14="http://schemas.microsoft.com/office/drawing/2010/main">
+                <a:solidFill>
+                  <a:srgbClr val="FFFFFF"/>
+                </a:solidFill>
+              </a14:hiddenFill>
+            </a:ext>
+            <a:ext uri="{91240B29-F687-4F45-9708-019B960494DF}">
+              <a14:hiddenLine xmlns:a14="http://schemas.microsoft.com/office/drawing/2010/main" w="9525">
+                <a:solidFill>
+                  <a:srgbClr val="000000"/>
+                </a:solidFill>
+                <a:miter lim="800000"/>
+                <a:headEnd/>
+                <a:tailEnd/>
+              </a14:hiddenLine>
+            </a:ext>
+          </a:extLst>
+        </p:spPr>
+        <p:txBody>
+          <a:bodyPr wrap="none">
+            <a:spAutoFit/>
+          </a:bodyPr>
+          <a:lstStyle>
+            <a:lvl1pPr latinLnBrk="1">
+              <a:spcBef>
+                <a:spcPct val="20000"/>
+              </a:spcBef>
+              <a:buChar char="•"/>
+              <a:defRPr kumimoji="1" sz="3200">
+                <a:solidFill>
+                  <a:schemeClr val="tx1"/>
+                </a:solidFill>
+                <a:latin typeface="Times New Roman" panose="02020603050405020304" pitchFamily="18" charset="0"/>
+                <a:ea typeface="굴림" panose="020B0600000101010101" pitchFamily="50" charset="-127"/>
+              </a:defRPr>
+            </a:lvl1pPr>
+            <a:lvl2pPr marL="742950" indent="-285750" latinLnBrk="1">
+              <a:spcBef>
+                <a:spcPct val="20000"/>
+              </a:spcBef>
+              <a:buChar char="–"/>
+              <a:defRPr kumimoji="1" sz="2800">
+                <a:solidFill>
+                  <a:schemeClr val="tx1"/>
+                </a:solidFill>
+                <a:latin typeface="Times New Roman" panose="02020603050405020304" pitchFamily="18" charset="0"/>
+                <a:ea typeface="굴림" panose="020B0600000101010101" pitchFamily="50" charset="-127"/>
+              </a:defRPr>
+            </a:lvl2pPr>
+            <a:lvl3pPr marL="1143000" indent="-228600" latinLnBrk="1">
+              <a:spcBef>
+                <a:spcPct val="20000"/>
+              </a:spcBef>
+              <a:buChar char="•"/>
+              <a:defRPr kumimoji="1" sz="2400">
+                <a:solidFill>
+                  <a:schemeClr val="tx1"/>
+                </a:solidFill>
+                <a:latin typeface="Times New Roman" panose="02020603050405020304" pitchFamily="18" charset="0"/>
+                <a:ea typeface="굴림" panose="020B0600000101010101" pitchFamily="50" charset="-127"/>
+              </a:defRPr>
+            </a:lvl3pPr>
+            <a:lvl4pPr marL="1600200" indent="-228600" latinLnBrk="1">
+              <a:spcBef>
+                <a:spcPct val="20000"/>
+              </a:spcBef>
+              <a:buChar char="–"/>
+              <a:defRPr kumimoji="1" sz="2000">
+                <a:solidFill>
+                  <a:schemeClr val="tx1"/>
+                </a:solidFill>
+                <a:latin typeface="Times New Roman" panose="02020603050405020304" pitchFamily="18" charset="0"/>
+                <a:ea typeface="굴림" panose="020B0600000101010101" pitchFamily="50" charset="-127"/>
+              </a:defRPr>
+            </a:lvl4pPr>
+            <a:lvl5pPr marL="2057400" indent="-228600" latinLnBrk="1">
+              <a:spcBef>
+                <a:spcPct val="20000"/>
+              </a:spcBef>
+              <a:buChar char="»"/>
+              <a:defRPr kumimoji="1" sz="2000">
+                <a:solidFill>
+                  <a:schemeClr val="tx1"/>
+                </a:solidFill>
+                <a:latin typeface="Times New Roman" panose="02020603050405020304" pitchFamily="18" charset="0"/>
+                <a:ea typeface="굴림" panose="020B0600000101010101" pitchFamily="50" charset="-127"/>
+              </a:defRPr>
+            </a:lvl5pPr>
+            <a:lvl6pPr marL="2514600" indent="-228600" eaLnBrk="0" fontAlgn="base" hangingPunct="0">
+              <a:spcBef>
+                <a:spcPct val="20000"/>
+              </a:spcBef>
+              <a:spcAft>
+                <a:spcPct val="0"/>
+              </a:spcAft>
+              <a:buChar char="»"/>
+              <a:defRPr kumimoji="1" sz="2000">
+                <a:solidFill>
+                  <a:schemeClr val="tx1"/>
+                </a:solidFill>
+                <a:latin typeface="Times New Roman" panose="02020603050405020304" pitchFamily="18" charset="0"/>
+                <a:ea typeface="굴림" panose="020B0600000101010101" pitchFamily="50" charset="-127"/>
+              </a:defRPr>
+            </a:lvl6pPr>
+            <a:lvl7pPr marL="2971800" indent="-228600" eaLnBrk="0" fontAlgn="base" hangingPunct="0">
+              <a:spcBef>
+                <a:spcPct val="20000"/>
+              </a:spcBef>
+              <a:spcAft>
+                <a:spcPct val="0"/>
+              </a:spcAft>
+              <a:buChar char="»"/>
+              <a:defRPr kumimoji="1" sz="2000">
+                <a:solidFill>
+                  <a:schemeClr val="tx1"/>
+                </a:solidFill>
+                <a:latin typeface="Times New Roman" panose="02020603050405020304" pitchFamily="18" charset="0"/>
+                <a:ea typeface="굴림" panose="020B0600000101010101" pitchFamily="50" charset="-127"/>
+              </a:defRPr>
+            </a:lvl7pPr>
+            <a:lvl8pPr marL="3429000" indent="-228600" eaLnBrk="0" fontAlgn="base" hangingPunct="0">
+              <a:spcBef>
+                <a:spcPct val="20000"/>
+              </a:spcBef>
+              <a:spcAft>
+                <a:spcPct val="0"/>
+              </a:spcAft>
+              <a:buChar char="»"/>
+              <a:defRPr kumimoji="1" sz="2000">
+                <a:solidFill>
+                  <a:schemeClr val="tx1"/>
+                </a:solidFill>
+                <a:latin typeface="Times New Roman" panose="02020603050405020304" pitchFamily="18" charset="0"/>
+                <a:ea typeface="굴림" panose="020B0600000101010101" pitchFamily="50" charset="-127"/>
+              </a:defRPr>
+            </a:lvl8pPr>
+            <a:lvl9pPr marL="3886200" indent="-228600" eaLnBrk="0" fontAlgn="base" hangingPunct="0">
+              <a:spcBef>
+                <a:spcPct val="20000"/>
+              </a:spcBef>
+              <a:spcAft>
+                <a:spcPct val="0"/>
+              </a:spcAft>
+              <a:buChar char="»"/>
+              <a:defRPr kumimoji="1" sz="2000">
+                <a:solidFill>
+                  <a:schemeClr val="tx1"/>
+                </a:solidFill>
+                <a:latin typeface="Times New Roman" panose="02020603050405020304" pitchFamily="18" charset="0"/>
+                <a:ea typeface="굴림" panose="020B0600000101010101" pitchFamily="50" charset="-127"/>
+              </a:defRPr>
+            </a:lvl9pPr>
+          </a:lstStyle>
+          <a:p>
+            <a:pPr latinLnBrk="0">
+              <a:spcBef>
+                <a:spcPct val="0"/>
+              </a:spcBef>
+              <a:buFontTx/>
+              <a:buNone/>
+            </a:pPr>
+            <a:endParaRPr kumimoji="0" lang="ko-KR" altLang="en-US" sz="2400"/>
+          </a:p>
+        </p:txBody>
+      </p:sp>
+    </p:spTree>
+    <p:extLst>
+      <p:ext uri="{BB962C8B-B14F-4D97-AF65-F5344CB8AC3E}">
+        <p14:creationId xmlns:p14="http://schemas.microsoft.com/office/powerpoint/2010/main" val="2476555233"/>
+      </p:ext>
+    </p:extLst>
+  </p:cSld>
+  <p:clrMapOvr>
+    <a:masterClrMapping/>
+  </p:clrMapOvr>
+</p:sld>
+</file>
+
+<file path=ppt/slides/slide12.xml><?xml version="1.0" encoding="utf-8"?>
+<p:sld xmlns:a="http://schemas.openxmlformats.org/drawingml/2006/main" xmlns:r="http://schemas.openxmlformats.org/officeDocument/2006/relationships" xmlns:p="http://schemas.openxmlformats.org/presentationml/2006/main">
+  <p:cSld>
+    <p:spTree>
+      <p:nvGrpSpPr>
+        <p:cNvPr id="1" name=""/>
+        <p:cNvGrpSpPr/>
+        <p:nvPr/>
+      </p:nvGrpSpPr>
+      <p:grpSpPr>
+        <a:xfrm>
+          <a:off x="0" y="0"/>
+          <a:ext cx="0" cy="0"/>
+          <a:chOff x="0" y="0"/>
+          <a:chExt cx="0" cy="0"/>
+        </a:xfrm>
+      </p:grpSpPr>
+      <p:sp>
+        <p:nvSpPr>
+          <p:cNvPr id="337922" name="Rectangle 2" descr="흰색 대리석"/>
+          <p:cNvSpPr>
+            <a:spLocks noGrp="1" noChangeArrowheads="1"/>
+          </p:cNvSpPr>
+          <p:nvPr>
+            <p:ph type="title"/>
+          </p:nvPr>
+        </p:nvSpPr>
+        <p:spPr>
+          <a:xfrm>
+            <a:off x="153988" y="157163"/>
+            <a:ext cx="7772400" cy="457200"/>
+          </a:xfrm>
+        </p:spPr>
+        <p:txBody>
+          <a:bodyPr/>
+          <a:lstStyle/>
+          <a:p>
+            <a:pPr eaLnBrk="1" hangingPunct="1">
+              <a:defRPr/>
+            </a:pPr>
+            <a:r>
+              <a:rPr lang="ko-KR" altLang="en-US" dirty="0" err="1"/>
+              <a:t>공공데이터</a:t>
+            </a:r>
+            <a:r>
+              <a:rPr lang="ko-KR" altLang="en-US" dirty="0"/>
+              <a:t> 포털 </a:t>
+            </a:r>
+            <a:r>
+              <a:rPr lang="en-US" altLang="ko-KR" dirty="0"/>
+              <a:t>(data.go.kr) </a:t>
+            </a:r>
+            <a:r>
+              <a:rPr lang="ko-KR" altLang="en-US" dirty="0"/>
+              <a:t>부동산 정보</a:t>
+            </a:r>
+            <a:endParaRPr lang="en-US" altLang="ko-KR" dirty="0"/>
+          </a:p>
+        </p:txBody>
+      </p:sp>
+      <p:sp>
+        <p:nvSpPr>
+          <p:cNvPr id="8" name="슬라이드 번호 개체 틀 7"/>
+          <p:cNvSpPr>
+            <a:spLocks noGrp="1"/>
+          </p:cNvSpPr>
+          <p:nvPr>
+            <p:ph type="sldNum" sz="quarter" idx="10"/>
+          </p:nvPr>
+        </p:nvSpPr>
+        <p:spPr/>
+        <p:txBody>
+          <a:bodyPr/>
+          <a:lstStyle>
+            <a:lvl1pPr eaLnBrk="0" hangingPunct="0">
+              <a:defRPr kumimoji="1" sz="2400">
+                <a:solidFill>
+                  <a:schemeClr val="tx1"/>
+                </a:solidFill>
+                <a:latin typeface="Times New Roman" panose="02020603050405020304" pitchFamily="18" charset="0"/>
+                <a:ea typeface="굴림" panose="020B0600000101010101" pitchFamily="50" charset="-127"/>
+              </a:defRPr>
+            </a:lvl1pPr>
+            <a:lvl2pPr marL="742950" indent="-285750" eaLnBrk="0" hangingPunct="0">
+              <a:defRPr kumimoji="1" sz="2400">
+                <a:solidFill>
+                  <a:schemeClr val="tx1"/>
+                </a:solidFill>
+                <a:latin typeface="Times New Roman" panose="02020603050405020304" pitchFamily="18" charset="0"/>
+                <a:ea typeface="굴림" panose="020B0600000101010101" pitchFamily="50" charset="-127"/>
+              </a:defRPr>
+            </a:lvl2pPr>
+            <a:lvl3pPr marL="1143000" indent="-228600" eaLnBrk="0" hangingPunct="0">
+              <a:defRPr kumimoji="1" sz="2400">
+                <a:solidFill>
+                  <a:schemeClr val="tx1"/>
+                </a:solidFill>
+                <a:latin typeface="Times New Roman" panose="02020603050405020304" pitchFamily="18" charset="0"/>
+                <a:ea typeface="굴림" panose="020B0600000101010101" pitchFamily="50" charset="-127"/>
+              </a:defRPr>
+            </a:lvl3pPr>
+            <a:lvl4pPr marL="1600200" indent="-228600" eaLnBrk="0" hangingPunct="0">
+              <a:defRPr kumimoji="1" sz="2400">
+                <a:solidFill>
+                  <a:schemeClr val="tx1"/>
+                </a:solidFill>
+                <a:latin typeface="Times New Roman" panose="02020603050405020304" pitchFamily="18" charset="0"/>
+                <a:ea typeface="굴림" panose="020B0600000101010101" pitchFamily="50" charset="-127"/>
+              </a:defRPr>
+            </a:lvl4pPr>
+            <a:lvl5pPr marL="2057400" indent="-228600" eaLnBrk="0" hangingPunct="0">
+              <a:defRPr kumimoji="1" sz="2400">
+                <a:solidFill>
+                  <a:schemeClr val="tx1"/>
+                </a:solidFill>
+                <a:latin typeface="Times New Roman" panose="02020603050405020304" pitchFamily="18" charset="0"/>
+                <a:ea typeface="굴림" panose="020B0600000101010101" pitchFamily="50" charset="-127"/>
+              </a:defRPr>
+            </a:lvl5pPr>
+            <a:lvl6pPr marL="2514600" indent="-228600" eaLnBrk="0" fontAlgn="base" hangingPunct="0">
+              <a:spcBef>
+                <a:spcPct val="0"/>
+              </a:spcBef>
+              <a:spcAft>
+                <a:spcPct val="0"/>
+              </a:spcAft>
+              <a:defRPr kumimoji="1" sz="2400">
+                <a:solidFill>
+                  <a:schemeClr val="tx1"/>
+                </a:solidFill>
+                <a:latin typeface="Times New Roman" panose="02020603050405020304" pitchFamily="18" charset="0"/>
+                <a:ea typeface="굴림" panose="020B0600000101010101" pitchFamily="50" charset="-127"/>
+              </a:defRPr>
+            </a:lvl6pPr>
+            <a:lvl7pPr marL="2971800" indent="-228600" eaLnBrk="0" fontAlgn="base" hangingPunct="0">
+              <a:spcBef>
+                <a:spcPct val="0"/>
+              </a:spcBef>
+              <a:spcAft>
+                <a:spcPct val="0"/>
+              </a:spcAft>
+              <a:defRPr kumimoji="1" sz="2400">
+                <a:solidFill>
+                  <a:schemeClr val="tx1"/>
+                </a:solidFill>
+                <a:latin typeface="Times New Roman" panose="02020603050405020304" pitchFamily="18" charset="0"/>
+                <a:ea typeface="굴림" panose="020B0600000101010101" pitchFamily="50" charset="-127"/>
+              </a:defRPr>
+            </a:lvl7pPr>
+            <a:lvl8pPr marL="3429000" indent="-228600" eaLnBrk="0" fontAlgn="base" hangingPunct="0">
+              <a:spcBef>
+                <a:spcPct val="0"/>
+              </a:spcBef>
+              <a:spcAft>
+                <a:spcPct val="0"/>
+              </a:spcAft>
+              <a:defRPr kumimoji="1" sz="2400">
+                <a:solidFill>
+                  <a:schemeClr val="tx1"/>
+                </a:solidFill>
+                <a:latin typeface="Times New Roman" panose="02020603050405020304" pitchFamily="18" charset="0"/>
+                <a:ea typeface="굴림" panose="020B0600000101010101" pitchFamily="50" charset="-127"/>
+              </a:defRPr>
+            </a:lvl8pPr>
+            <a:lvl9pPr marL="3886200" indent="-228600" eaLnBrk="0" fontAlgn="base" hangingPunct="0">
+              <a:spcBef>
+                <a:spcPct val="0"/>
+              </a:spcBef>
+              <a:spcAft>
+                <a:spcPct val="0"/>
+              </a:spcAft>
+              <a:defRPr kumimoji="1" sz="2400">
+                <a:solidFill>
+                  <a:schemeClr val="tx1"/>
+                </a:solidFill>
+                <a:latin typeface="Times New Roman" panose="02020603050405020304" pitchFamily="18" charset="0"/>
+                <a:ea typeface="굴림" panose="020B0600000101010101" pitchFamily="50" charset="-127"/>
+              </a:defRPr>
+            </a:lvl9pPr>
+          </a:lstStyle>
+          <a:p>
+            <a:pPr eaLnBrk="1" hangingPunct="1">
+              <a:defRPr/>
+            </a:pPr>
+            <a:r>
+              <a:rPr lang="en-US" altLang="ko-KR" sz="1200" dirty="0"/>
+              <a:t> 25-</a:t>
+            </a:r>
+            <a:fld id="{E543E660-5BD7-4DE8-B2D5-3B53773227AF}" type="slidenum">
+              <a:rPr lang="en-US" altLang="ko-KR" sz="1200" smtClean="0">
+                <a:effectLst>
+                  <a:outerShdw blurRad="38100" dist="38100" dir="2700000" algn="tl">
+                    <a:srgbClr val="C0C0C0"/>
+                  </a:outerShdw>
+                </a:effectLst>
+              </a:rPr>
+              <a:pPr eaLnBrk="1" hangingPunct="1">
+                <a:defRPr/>
+              </a:pPr>
+              <a:t>12</a:t>
             </a:fld>
             <a:endParaRPr lang="en-US" altLang="ko-KR" sz="1400" dirty="0"/>
           </a:p>
@@ -12215,7 +13350,7 @@
 </p:sld>
 </file>
 
-<file path=ppt/slides/slide12.xml><?xml version="1.0" encoding="utf-8"?>
+<file path=ppt/slides/slide13.xml><?xml version="1.0" encoding="utf-8"?>
 <p:sld xmlns:a="http://schemas.openxmlformats.org/drawingml/2006/main" xmlns:r="http://schemas.openxmlformats.org/officeDocument/2006/relationships" xmlns:p="http://schemas.openxmlformats.org/presentationml/2006/main">
   <p:cSld>
     <p:spTree>
@@ -12414,7 +13549,7 @@
               <a:pPr eaLnBrk="1" hangingPunct="1">
                 <a:defRPr/>
               </a:pPr>
-              <a:t>12</a:t>
+              <a:t>13</a:t>
             </a:fld>
             <a:endParaRPr lang="en-US" altLang="ko-KR" sz="1400" dirty="0"/>
           </a:p>
@@ -12611,7 +13746,7 @@
 </p:sld>
 </file>
 
-<file path=ppt/slides/slide13.xml><?xml version="1.0" encoding="utf-8"?>
+<file path=ppt/slides/slide14.xml><?xml version="1.0" encoding="utf-8"?>
 <p:sld xmlns:a="http://schemas.openxmlformats.org/drawingml/2006/main" xmlns:r="http://schemas.openxmlformats.org/officeDocument/2006/relationships" xmlns:p="http://schemas.openxmlformats.org/presentationml/2006/main">
   <p:cSld>
     <p:spTree>
@@ -13020,7 +14155,7 @@
               <a:pPr eaLnBrk="1" hangingPunct="1">
                 <a:defRPr/>
               </a:pPr>
-              <a:t>13</a:t>
+              <a:t>14</a:t>
             </a:fld>
             <a:endParaRPr lang="en-US" altLang="ko-KR" sz="1400" dirty="0"/>
           </a:p>
@@ -13469,7 +14604,7 @@
 </p:sld>
 </file>
 
-<file path=ppt/slides/slide14.xml><?xml version="1.0" encoding="utf-8"?>
+<file path=ppt/slides/slide15.xml><?xml version="1.0" encoding="utf-8"?>
 <p:sld xmlns:a="http://schemas.openxmlformats.org/drawingml/2006/main" xmlns:r="http://schemas.openxmlformats.org/officeDocument/2006/relationships" xmlns:p="http://schemas.openxmlformats.org/presentationml/2006/main">
   <p:cSld>
     <p:spTree>
@@ -13878,7 +15013,7 @@
               <a:pPr eaLnBrk="1" hangingPunct="1">
                 <a:defRPr/>
               </a:pPr>
-              <a:t>14</a:t>
+              <a:t>15</a:t>
             </a:fld>
             <a:endParaRPr lang="en-US" altLang="ko-KR" sz="1400" dirty="0"/>
           </a:p>
@@ -14343,7 +15478,7 @@
 </p:sld>
 </file>
 
-<file path=ppt/slides/slide15.xml><?xml version="1.0" encoding="utf-8"?>
+<file path=ppt/slides/slide16.xml><?xml version="1.0" encoding="utf-8"?>
 <p:sld xmlns:a="http://schemas.openxmlformats.org/drawingml/2006/main" xmlns:r="http://schemas.openxmlformats.org/officeDocument/2006/relationships" xmlns:p="http://schemas.openxmlformats.org/presentationml/2006/main">
   <p:cSld>
     <p:spTree>
@@ -14837,7 +15972,7 @@
               <a:pPr eaLnBrk="1" hangingPunct="1">
                 <a:defRPr/>
               </a:pPr>
-              <a:t>15</a:t>
+              <a:t>16</a:t>
             </a:fld>
             <a:endParaRPr lang="en-US" altLang="ko-KR" sz="1400" dirty="0"/>
           </a:p>
@@ -14977,7 +16112,7 @@
 </p:sld>
 </file>
 
-<file path=ppt/slides/slide16.xml><?xml version="1.0" encoding="utf-8"?>
+<file path=ppt/slides/slide17.xml><?xml version="1.0" encoding="utf-8"?>
 <p:sld xmlns:a="http://schemas.openxmlformats.org/drawingml/2006/main" xmlns:r="http://schemas.openxmlformats.org/officeDocument/2006/relationships" xmlns:p="http://schemas.openxmlformats.org/presentationml/2006/main">
   <p:cSld>
     <p:spTree>
@@ -15474,7 +16609,7 @@
               <a:pPr eaLnBrk="1" hangingPunct="1">
                 <a:defRPr/>
               </a:pPr>
-              <a:t>16</a:t>
+              <a:t>17</a:t>
             </a:fld>
             <a:endParaRPr lang="en-US" altLang="ko-KR" sz="1400" dirty="0"/>
           </a:p>
@@ -18321,7 +19456,7 @@
 </p:sld>
 </file>
 
-<file path=ppt/slides/slide17.xml><?xml version="1.0" encoding="utf-8"?>
+<file path=ppt/slides/slide18.xml><?xml version="1.0" encoding="utf-8"?>
 <p:sld xmlns:a="http://schemas.openxmlformats.org/drawingml/2006/main" xmlns:r="http://schemas.openxmlformats.org/officeDocument/2006/relationships" xmlns:p="http://schemas.openxmlformats.org/presentationml/2006/main">
   <p:cSld>
     <p:spTree>
@@ -18768,7 +19903,7 @@
               <a:pPr eaLnBrk="1" hangingPunct="1">
                 <a:defRPr/>
               </a:pPr>
-              <a:t>17</a:t>
+              <a:t>18</a:t>
             </a:fld>
             <a:endParaRPr lang="en-US" altLang="ko-KR" sz="1400" dirty="0"/>
           </a:p>
@@ -19116,7 +20251,7 @@
 </p:sld>
 </file>
 
-<file path=ppt/slides/slide18.xml><?xml version="1.0" encoding="utf-8"?>
+<file path=ppt/slides/slide19.xml><?xml version="1.0" encoding="utf-8"?>
 <p:sld xmlns:a="http://schemas.openxmlformats.org/drawingml/2006/main" xmlns:r="http://schemas.openxmlformats.org/officeDocument/2006/relationships" xmlns:p="http://schemas.openxmlformats.org/presentationml/2006/main">
   <p:cSld>
     <p:spTree>
@@ -19618,7 +20753,7 @@
               <a:pPr eaLnBrk="1" hangingPunct="1">
                 <a:defRPr/>
               </a:pPr>
-              <a:t>18</a:t>
+              <a:t>19</a:t>
             </a:fld>
             <a:endParaRPr lang="en-US" altLang="ko-KR" sz="1400" dirty="0"/>
           </a:p>
@@ -21456,7 +22591,7 @@
 </p:sld>
 </file>
 
-<file path=ppt/slides/slide19.xml><?xml version="1.0" encoding="utf-8"?>
+<file path=ppt/slides/slide2.xml><?xml version="1.0" encoding="utf-8"?>
 <p:sld xmlns:a="http://schemas.openxmlformats.org/drawingml/2006/main" xmlns:r="http://schemas.openxmlformats.org/officeDocument/2006/relationships" xmlns:p="http://schemas.openxmlformats.org/presentationml/2006/main">
   <p:cSld>
     <p:spTree>
@@ -21498,6 +22633,504 @@
             </a:pPr>
             <a:r>
               <a:rPr lang="ko-KR" altLang="en-US" dirty="0"/>
+              <a:t>목차</a:t>
+            </a:r>
+            <a:endParaRPr lang="en-US" altLang="ko-KR" dirty="0"/>
+          </a:p>
+        </p:txBody>
+      </p:sp>
+      <p:sp>
+        <p:nvSpPr>
+          <p:cNvPr id="15363" name="Rectangle 33"/>
+          <p:cNvSpPr>
+            <a:spLocks noChangeArrowheads="1"/>
+          </p:cNvSpPr>
+          <p:nvPr/>
+        </p:nvSpPr>
+        <p:spPr bwMode="auto">
+          <a:xfrm>
+            <a:off x="266700" y="803275"/>
+            <a:ext cx="8572500" cy="5148263"/>
+          </a:xfrm>
+          <a:prstGeom prst="rect">
+            <a:avLst/>
+          </a:prstGeom>
+          <a:noFill/>
+          <a:ln>
+            <a:noFill/>
+          </a:ln>
+          <a:extLst>
+            <a:ext uri="{909E8E84-426E-40DD-AFC4-6F175D3DCCD1}">
+              <a14:hiddenFill xmlns:a14="http://schemas.microsoft.com/office/drawing/2010/main">
+                <a:solidFill>
+                  <a:srgbClr val="FFFFFF"/>
+                </a:solidFill>
+              </a14:hiddenFill>
+            </a:ext>
+            <a:ext uri="{91240B29-F687-4F45-9708-019B960494DF}">
+              <a14:hiddenLine xmlns:a14="http://schemas.microsoft.com/office/drawing/2010/main" w="9525">
+                <a:solidFill>
+                  <a:srgbClr val="000000"/>
+                </a:solidFill>
+                <a:miter lim="800000"/>
+                <a:headEnd/>
+                <a:tailEnd/>
+              </a14:hiddenLine>
+            </a:ext>
+          </a:extLst>
+        </p:spPr>
+        <p:txBody>
+          <a:bodyPr/>
+          <a:lstStyle>
+            <a:lvl1pPr marL="342900" indent="-342900" latinLnBrk="1">
+              <a:spcBef>
+                <a:spcPct val="20000"/>
+              </a:spcBef>
+              <a:buChar char="•"/>
+              <a:defRPr kumimoji="1" sz="3200">
+                <a:solidFill>
+                  <a:schemeClr val="tx1"/>
+                </a:solidFill>
+                <a:latin typeface="Times New Roman" panose="02020603050405020304" pitchFamily="18" charset="0"/>
+                <a:ea typeface="굴림" panose="020B0600000101010101" pitchFamily="50" charset="-127"/>
+              </a:defRPr>
+            </a:lvl1pPr>
+            <a:lvl2pPr marL="742950" indent="-285750" latinLnBrk="1">
+              <a:spcBef>
+                <a:spcPct val="20000"/>
+              </a:spcBef>
+              <a:buChar char="–"/>
+              <a:defRPr kumimoji="1" sz="2800">
+                <a:solidFill>
+                  <a:schemeClr val="tx1"/>
+                </a:solidFill>
+                <a:latin typeface="Times New Roman" panose="02020603050405020304" pitchFamily="18" charset="0"/>
+                <a:ea typeface="굴림" panose="020B0600000101010101" pitchFamily="50" charset="-127"/>
+              </a:defRPr>
+            </a:lvl2pPr>
+            <a:lvl3pPr marL="1143000" indent="-228600" latinLnBrk="1">
+              <a:spcBef>
+                <a:spcPct val="20000"/>
+              </a:spcBef>
+              <a:buChar char="•"/>
+              <a:defRPr kumimoji="1" sz="2400">
+                <a:solidFill>
+                  <a:schemeClr val="tx1"/>
+                </a:solidFill>
+                <a:latin typeface="Times New Roman" panose="02020603050405020304" pitchFamily="18" charset="0"/>
+                <a:ea typeface="굴림" panose="020B0600000101010101" pitchFamily="50" charset="-127"/>
+              </a:defRPr>
+            </a:lvl3pPr>
+            <a:lvl4pPr marL="1600200" indent="-228600" latinLnBrk="1">
+              <a:spcBef>
+                <a:spcPct val="20000"/>
+              </a:spcBef>
+              <a:buChar char="–"/>
+              <a:defRPr kumimoji="1" sz="2000">
+                <a:solidFill>
+                  <a:schemeClr val="tx1"/>
+                </a:solidFill>
+                <a:latin typeface="Times New Roman" panose="02020603050405020304" pitchFamily="18" charset="0"/>
+                <a:ea typeface="굴림" panose="020B0600000101010101" pitchFamily="50" charset="-127"/>
+              </a:defRPr>
+            </a:lvl4pPr>
+            <a:lvl5pPr marL="2057400" indent="-228600" latinLnBrk="1">
+              <a:spcBef>
+                <a:spcPct val="20000"/>
+              </a:spcBef>
+              <a:buChar char="»"/>
+              <a:defRPr kumimoji="1" sz="2000">
+                <a:solidFill>
+                  <a:schemeClr val="tx1"/>
+                </a:solidFill>
+                <a:latin typeface="Times New Roman" panose="02020603050405020304" pitchFamily="18" charset="0"/>
+                <a:ea typeface="굴림" panose="020B0600000101010101" pitchFamily="50" charset="-127"/>
+              </a:defRPr>
+            </a:lvl5pPr>
+            <a:lvl6pPr marL="2514600" indent="-228600" eaLnBrk="0" fontAlgn="base" hangingPunct="0">
+              <a:spcBef>
+                <a:spcPct val="20000"/>
+              </a:spcBef>
+              <a:spcAft>
+                <a:spcPct val="0"/>
+              </a:spcAft>
+              <a:buChar char="»"/>
+              <a:defRPr kumimoji="1" sz="2000">
+                <a:solidFill>
+                  <a:schemeClr val="tx1"/>
+                </a:solidFill>
+                <a:latin typeface="Times New Roman" panose="02020603050405020304" pitchFamily="18" charset="0"/>
+                <a:ea typeface="굴림" panose="020B0600000101010101" pitchFamily="50" charset="-127"/>
+              </a:defRPr>
+            </a:lvl6pPr>
+            <a:lvl7pPr marL="2971800" indent="-228600" eaLnBrk="0" fontAlgn="base" hangingPunct="0">
+              <a:spcBef>
+                <a:spcPct val="20000"/>
+              </a:spcBef>
+              <a:spcAft>
+                <a:spcPct val="0"/>
+              </a:spcAft>
+              <a:buChar char="»"/>
+              <a:defRPr kumimoji="1" sz="2000">
+                <a:solidFill>
+                  <a:schemeClr val="tx1"/>
+                </a:solidFill>
+                <a:latin typeface="Times New Roman" panose="02020603050405020304" pitchFamily="18" charset="0"/>
+                <a:ea typeface="굴림" panose="020B0600000101010101" pitchFamily="50" charset="-127"/>
+              </a:defRPr>
+            </a:lvl7pPr>
+            <a:lvl8pPr marL="3429000" indent="-228600" eaLnBrk="0" fontAlgn="base" hangingPunct="0">
+              <a:spcBef>
+                <a:spcPct val="20000"/>
+              </a:spcBef>
+              <a:spcAft>
+                <a:spcPct val="0"/>
+              </a:spcAft>
+              <a:buChar char="»"/>
+              <a:defRPr kumimoji="1" sz="2000">
+                <a:solidFill>
+                  <a:schemeClr val="tx1"/>
+                </a:solidFill>
+                <a:latin typeface="Times New Roman" panose="02020603050405020304" pitchFamily="18" charset="0"/>
+                <a:ea typeface="굴림" panose="020B0600000101010101" pitchFamily="50" charset="-127"/>
+              </a:defRPr>
+            </a:lvl8pPr>
+            <a:lvl9pPr marL="3886200" indent="-228600" eaLnBrk="0" fontAlgn="base" hangingPunct="0">
+              <a:spcBef>
+                <a:spcPct val="20000"/>
+              </a:spcBef>
+              <a:spcAft>
+                <a:spcPct val="0"/>
+              </a:spcAft>
+              <a:buChar char="»"/>
+              <a:defRPr kumimoji="1" sz="2000">
+                <a:solidFill>
+                  <a:schemeClr val="tx1"/>
+                </a:solidFill>
+                <a:latin typeface="Times New Roman" panose="02020603050405020304" pitchFamily="18" charset="0"/>
+                <a:ea typeface="굴림" panose="020B0600000101010101" pitchFamily="50" charset="-127"/>
+              </a:defRPr>
+            </a:lvl9pPr>
+          </a:lstStyle>
+          <a:p>
+            <a:pPr eaLnBrk="1" hangingPunct="1">
+              <a:buFont typeface="Wingdings" panose="05000000000000000000" pitchFamily="2" charset="2"/>
+              <a:buChar char="§"/>
+            </a:pPr>
+            <a:r>
+              <a:rPr lang="ko-KR" altLang="en-US" sz="2000" dirty="0" err="1"/>
+              <a:t>텔레그램</a:t>
+            </a:r>
+            <a:r>
+              <a:rPr lang="ko-KR" altLang="en-US" sz="2000" dirty="0"/>
+              <a:t> </a:t>
+            </a:r>
+            <a:r>
+              <a:rPr lang="ko-KR" altLang="en-US" sz="2000" dirty="0" err="1"/>
+              <a:t>챗</a:t>
+            </a:r>
+            <a:r>
+              <a:rPr lang="ko-KR" altLang="en-US" sz="2000" dirty="0"/>
+              <a:t> 봇</a:t>
+            </a:r>
+            <a:r>
+              <a:rPr lang="en-US" altLang="ko-KR" sz="2000" dirty="0"/>
+              <a:t>: </a:t>
+            </a:r>
+            <a:r>
+              <a:rPr lang="en-US" altLang="ko-KR" sz="2000" dirty="0" err="1"/>
+              <a:t>telepot</a:t>
+            </a:r>
+            <a:endParaRPr lang="en-US" altLang="ko-KR" sz="2000" dirty="0"/>
+          </a:p>
+          <a:p>
+            <a:pPr eaLnBrk="1" hangingPunct="1">
+              <a:buFont typeface="Wingdings" panose="05000000000000000000" pitchFamily="2" charset="2"/>
+              <a:buChar char="§"/>
+            </a:pPr>
+            <a:r>
+              <a:rPr lang="ko-KR" altLang="en-US" sz="2000" dirty="0" err="1"/>
+              <a:t>공공데이터</a:t>
+            </a:r>
+            <a:r>
+              <a:rPr lang="ko-KR" altLang="en-US" sz="2000" dirty="0"/>
+              <a:t> </a:t>
+            </a:r>
+            <a:r>
+              <a:rPr lang="en-US" altLang="ko-KR" sz="2000" dirty="0"/>
+              <a:t>(data.go.kr) </a:t>
+            </a:r>
+            <a:r>
+              <a:rPr lang="ko-KR" altLang="en-US" sz="2000" dirty="0"/>
+              <a:t>아파트매매 </a:t>
+            </a:r>
+            <a:r>
+              <a:rPr lang="ko-KR" altLang="en-US" sz="2000" dirty="0" err="1"/>
+              <a:t>실거래자료</a:t>
+            </a:r>
+            <a:endParaRPr lang="en-US" altLang="ko-KR" sz="2000" dirty="0"/>
+          </a:p>
+          <a:p>
+            <a:pPr eaLnBrk="1" hangingPunct="1">
+              <a:buFont typeface="Wingdings" panose="05000000000000000000" pitchFamily="2" charset="2"/>
+              <a:buChar char="§"/>
+            </a:pPr>
+            <a:r>
+              <a:rPr lang="en-US" altLang="ko-KR" sz="2000" dirty="0" err="1"/>
+              <a:t>BeautifulSoup</a:t>
+            </a:r>
+            <a:r>
+              <a:rPr lang="en-US" altLang="ko-KR" sz="2000" dirty="0"/>
+              <a:t>: HTML </a:t>
+            </a:r>
+            <a:r>
+              <a:rPr lang="ko-KR" altLang="en-US" sz="2000" dirty="0"/>
+              <a:t>혹은 </a:t>
+            </a:r>
+            <a:r>
+              <a:rPr lang="en-US" altLang="ko-KR" sz="2000" dirty="0"/>
+              <a:t>XML </a:t>
+            </a:r>
+            <a:r>
+              <a:rPr lang="ko-KR" altLang="en-US" sz="2000" dirty="0" err="1"/>
+              <a:t>파싱</a:t>
+            </a:r>
+            <a:endParaRPr lang="en-US" altLang="ko-KR" sz="2000" dirty="0"/>
+          </a:p>
+          <a:p>
+            <a:pPr eaLnBrk="1" hangingPunct="1">
+              <a:buFont typeface="Wingdings" panose="05000000000000000000" pitchFamily="2" charset="2"/>
+              <a:buChar char="§"/>
+            </a:pPr>
+            <a:r>
+              <a:rPr lang="en-US" altLang="ko-KR" sz="2000" dirty="0"/>
+              <a:t>sqlite3 </a:t>
+            </a:r>
+            <a:r>
+              <a:rPr lang="ko-KR" altLang="en-US" sz="2000" dirty="0"/>
+              <a:t>데이터베이스</a:t>
+            </a:r>
+            <a:endParaRPr lang="en-US" altLang="ko-KR" sz="2000" dirty="0"/>
+          </a:p>
+          <a:p>
+            <a:pPr eaLnBrk="1" hangingPunct="1">
+              <a:buFont typeface="Wingdings" panose="05000000000000000000" pitchFamily="2" charset="2"/>
+              <a:buChar char="§"/>
+            </a:pPr>
+            <a:r>
+              <a:rPr lang="en-US" altLang="ko-KR" sz="2000" dirty="0"/>
+              <a:t>html5lib : HTML </a:t>
+            </a:r>
+            <a:r>
+              <a:rPr lang="ko-KR" altLang="en-US" sz="2000" dirty="0"/>
+              <a:t>파서</a:t>
+            </a:r>
+            <a:endParaRPr lang="en-US" altLang="ko-KR" sz="2000" dirty="0"/>
+          </a:p>
+          <a:p>
+            <a:pPr eaLnBrk="1" hangingPunct="1">
+              <a:buFont typeface="Wingdings" panose="05000000000000000000" pitchFamily="2" charset="2"/>
+              <a:buChar char="§"/>
+            </a:pPr>
+            <a:endParaRPr lang="en-US" altLang="ko-KR" sz="2000" dirty="0"/>
+          </a:p>
+        </p:txBody>
+      </p:sp>
+      <p:sp>
+        <p:nvSpPr>
+          <p:cNvPr id="8" name="슬라이드 번호 개체 틀 7"/>
+          <p:cNvSpPr>
+            <a:spLocks noGrp="1"/>
+          </p:cNvSpPr>
+          <p:nvPr>
+            <p:ph type="sldNum" sz="quarter" idx="10"/>
+          </p:nvPr>
+        </p:nvSpPr>
+        <p:spPr/>
+        <p:txBody>
+          <a:bodyPr/>
+          <a:lstStyle>
+            <a:lvl1pPr eaLnBrk="0" hangingPunct="0">
+              <a:defRPr kumimoji="1" sz="2400">
+                <a:solidFill>
+                  <a:schemeClr val="tx1"/>
+                </a:solidFill>
+                <a:latin typeface="Times New Roman" panose="02020603050405020304" pitchFamily="18" charset="0"/>
+                <a:ea typeface="굴림" panose="020B0600000101010101" pitchFamily="50" charset="-127"/>
+              </a:defRPr>
+            </a:lvl1pPr>
+            <a:lvl2pPr marL="742950" indent="-285750" eaLnBrk="0" hangingPunct="0">
+              <a:defRPr kumimoji="1" sz="2400">
+                <a:solidFill>
+                  <a:schemeClr val="tx1"/>
+                </a:solidFill>
+                <a:latin typeface="Times New Roman" panose="02020603050405020304" pitchFamily="18" charset="0"/>
+                <a:ea typeface="굴림" panose="020B0600000101010101" pitchFamily="50" charset="-127"/>
+              </a:defRPr>
+            </a:lvl2pPr>
+            <a:lvl3pPr marL="1143000" indent="-228600" eaLnBrk="0" hangingPunct="0">
+              <a:defRPr kumimoji="1" sz="2400">
+                <a:solidFill>
+                  <a:schemeClr val="tx1"/>
+                </a:solidFill>
+                <a:latin typeface="Times New Roman" panose="02020603050405020304" pitchFamily="18" charset="0"/>
+                <a:ea typeface="굴림" panose="020B0600000101010101" pitchFamily="50" charset="-127"/>
+              </a:defRPr>
+            </a:lvl3pPr>
+            <a:lvl4pPr marL="1600200" indent="-228600" eaLnBrk="0" hangingPunct="0">
+              <a:defRPr kumimoji="1" sz="2400">
+                <a:solidFill>
+                  <a:schemeClr val="tx1"/>
+                </a:solidFill>
+                <a:latin typeface="Times New Roman" panose="02020603050405020304" pitchFamily="18" charset="0"/>
+                <a:ea typeface="굴림" panose="020B0600000101010101" pitchFamily="50" charset="-127"/>
+              </a:defRPr>
+            </a:lvl4pPr>
+            <a:lvl5pPr marL="2057400" indent="-228600" eaLnBrk="0" hangingPunct="0">
+              <a:defRPr kumimoji="1" sz="2400">
+                <a:solidFill>
+                  <a:schemeClr val="tx1"/>
+                </a:solidFill>
+                <a:latin typeface="Times New Roman" panose="02020603050405020304" pitchFamily="18" charset="0"/>
+                <a:ea typeface="굴림" panose="020B0600000101010101" pitchFamily="50" charset="-127"/>
+              </a:defRPr>
+            </a:lvl5pPr>
+            <a:lvl6pPr marL="2514600" indent="-228600" eaLnBrk="0" fontAlgn="base" hangingPunct="0">
+              <a:spcBef>
+                <a:spcPct val="0"/>
+              </a:spcBef>
+              <a:spcAft>
+                <a:spcPct val="0"/>
+              </a:spcAft>
+              <a:defRPr kumimoji="1" sz="2400">
+                <a:solidFill>
+                  <a:schemeClr val="tx1"/>
+                </a:solidFill>
+                <a:latin typeface="Times New Roman" panose="02020603050405020304" pitchFamily="18" charset="0"/>
+                <a:ea typeface="굴림" panose="020B0600000101010101" pitchFamily="50" charset="-127"/>
+              </a:defRPr>
+            </a:lvl6pPr>
+            <a:lvl7pPr marL="2971800" indent="-228600" eaLnBrk="0" fontAlgn="base" hangingPunct="0">
+              <a:spcBef>
+                <a:spcPct val="0"/>
+              </a:spcBef>
+              <a:spcAft>
+                <a:spcPct val="0"/>
+              </a:spcAft>
+              <a:defRPr kumimoji="1" sz="2400">
+                <a:solidFill>
+                  <a:schemeClr val="tx1"/>
+                </a:solidFill>
+                <a:latin typeface="Times New Roman" panose="02020603050405020304" pitchFamily="18" charset="0"/>
+                <a:ea typeface="굴림" panose="020B0600000101010101" pitchFamily="50" charset="-127"/>
+              </a:defRPr>
+            </a:lvl7pPr>
+            <a:lvl8pPr marL="3429000" indent="-228600" eaLnBrk="0" fontAlgn="base" hangingPunct="0">
+              <a:spcBef>
+                <a:spcPct val="0"/>
+              </a:spcBef>
+              <a:spcAft>
+                <a:spcPct val="0"/>
+              </a:spcAft>
+              <a:defRPr kumimoji="1" sz="2400">
+                <a:solidFill>
+                  <a:schemeClr val="tx1"/>
+                </a:solidFill>
+                <a:latin typeface="Times New Roman" panose="02020603050405020304" pitchFamily="18" charset="0"/>
+                <a:ea typeface="굴림" panose="020B0600000101010101" pitchFamily="50" charset="-127"/>
+              </a:defRPr>
+            </a:lvl8pPr>
+            <a:lvl9pPr marL="3886200" indent="-228600" eaLnBrk="0" fontAlgn="base" hangingPunct="0">
+              <a:spcBef>
+                <a:spcPct val="0"/>
+              </a:spcBef>
+              <a:spcAft>
+                <a:spcPct val="0"/>
+              </a:spcAft>
+              <a:defRPr kumimoji="1" sz="2400">
+                <a:solidFill>
+                  <a:schemeClr val="tx1"/>
+                </a:solidFill>
+                <a:latin typeface="Times New Roman" panose="02020603050405020304" pitchFamily="18" charset="0"/>
+                <a:ea typeface="굴림" panose="020B0600000101010101" pitchFamily="50" charset="-127"/>
+              </a:defRPr>
+            </a:lvl9pPr>
+          </a:lstStyle>
+          <a:p>
+            <a:pPr eaLnBrk="1" hangingPunct="1">
+              <a:defRPr/>
+            </a:pPr>
+            <a:r>
+              <a:rPr lang="en-US" altLang="ko-KR" sz="1200" dirty="0"/>
+              <a:t> 25-</a:t>
+            </a:r>
+            <a:fld id="{3E4DFC2C-2F6B-47AF-B0FF-2D91E1CBA2C7}" type="slidenum">
+              <a:rPr lang="en-US" altLang="ko-KR" sz="1200" smtClean="0">
+                <a:effectLst>
+                  <a:outerShdw blurRad="38100" dist="38100" dir="2700000" algn="tl">
+                    <a:srgbClr val="C0C0C0"/>
+                  </a:outerShdw>
+                </a:effectLst>
+              </a:rPr>
+              <a:pPr eaLnBrk="1" hangingPunct="1">
+                <a:defRPr/>
+              </a:pPr>
+              <a:t>2</a:t>
+            </a:fld>
+            <a:endParaRPr lang="en-US" altLang="ko-KR" sz="1400" dirty="0"/>
+          </a:p>
+        </p:txBody>
+      </p:sp>
+    </p:spTree>
+  </p:cSld>
+  <p:clrMapOvr>
+    <a:masterClrMapping/>
+  </p:clrMapOvr>
+</p:sld>
+</file>
+
+<file path=ppt/slides/slide20.xml><?xml version="1.0" encoding="utf-8"?>
+<p:sld xmlns:a="http://schemas.openxmlformats.org/drawingml/2006/main" xmlns:r="http://schemas.openxmlformats.org/officeDocument/2006/relationships" xmlns:p="http://schemas.openxmlformats.org/presentationml/2006/main">
+  <p:cSld>
+    <p:spTree>
+      <p:nvGrpSpPr>
+        <p:cNvPr id="1" name=""/>
+        <p:cNvGrpSpPr/>
+        <p:nvPr/>
+      </p:nvGrpSpPr>
+      <p:grpSpPr>
+        <a:xfrm>
+          <a:off x="0" y="0"/>
+          <a:ext cx="0" cy="0"/>
+          <a:chOff x="0" y="0"/>
+          <a:chExt cx="0" cy="0"/>
+        </a:xfrm>
+      </p:grpSpPr>
+      <p:sp>
+        <p:nvSpPr>
+          <p:cNvPr id="337922" name="Rectangle 2" descr="흰색 대리석"/>
+          <p:cNvSpPr>
+            <a:spLocks noGrp="1" noChangeArrowheads="1"/>
+          </p:cNvSpPr>
+          <p:nvPr>
+            <p:ph type="title"/>
+          </p:nvPr>
+        </p:nvSpPr>
+        <p:spPr>
+          <a:xfrm>
+            <a:off x="153988" y="157163"/>
+            <a:ext cx="7772400" cy="457200"/>
+          </a:xfrm>
+        </p:spPr>
+        <p:txBody>
+          <a:bodyPr/>
+          <a:lstStyle/>
+          <a:p>
+            <a:pPr eaLnBrk="1" hangingPunct="1">
+              <a:defRPr/>
+            </a:pPr>
+            <a:r>
+              <a:rPr lang="ko-KR" altLang="en-US" dirty="0"/>
               <a:t>부동산 </a:t>
             </a:r>
             <a:r>
@@ -21943,7 +23576,7 @@
               <a:pPr eaLnBrk="1" hangingPunct="1">
                 <a:defRPr/>
               </a:pPr>
-              <a:t>19</a:t>
+              <a:t>20</a:t>
             </a:fld>
             <a:endParaRPr lang="en-US" altLang="ko-KR" sz="1400" dirty="0"/>
           </a:p>
@@ -23473,7 +25106,7 @@
 </p:sld>
 </file>
 
-<file path=ppt/slides/slide2.xml><?xml version="1.0" encoding="utf-8"?>
+<file path=ppt/slides/slide21.xml><?xml version="1.0" encoding="utf-8"?>
 <p:sld xmlns:a="http://schemas.openxmlformats.org/drawingml/2006/main" xmlns:r="http://schemas.openxmlformats.org/officeDocument/2006/relationships" xmlns:p="http://schemas.openxmlformats.org/presentationml/2006/main">
   <p:cSld>
     <p:spTree>
@@ -23515,504 +25148,6 @@
             </a:pPr>
             <a:r>
               <a:rPr lang="ko-KR" altLang="en-US" dirty="0"/>
-              <a:t>목차</a:t>
-            </a:r>
-            <a:endParaRPr lang="en-US" altLang="ko-KR" dirty="0"/>
-          </a:p>
-        </p:txBody>
-      </p:sp>
-      <p:sp>
-        <p:nvSpPr>
-          <p:cNvPr id="15363" name="Rectangle 33"/>
-          <p:cNvSpPr>
-            <a:spLocks noChangeArrowheads="1"/>
-          </p:cNvSpPr>
-          <p:nvPr/>
-        </p:nvSpPr>
-        <p:spPr bwMode="auto">
-          <a:xfrm>
-            <a:off x="266700" y="803275"/>
-            <a:ext cx="8572500" cy="5148263"/>
-          </a:xfrm>
-          <a:prstGeom prst="rect">
-            <a:avLst/>
-          </a:prstGeom>
-          <a:noFill/>
-          <a:ln>
-            <a:noFill/>
-          </a:ln>
-          <a:extLst>
-            <a:ext uri="{909E8E84-426E-40DD-AFC4-6F175D3DCCD1}">
-              <a14:hiddenFill xmlns:a14="http://schemas.microsoft.com/office/drawing/2010/main">
-                <a:solidFill>
-                  <a:srgbClr val="FFFFFF"/>
-                </a:solidFill>
-              </a14:hiddenFill>
-            </a:ext>
-            <a:ext uri="{91240B29-F687-4F45-9708-019B960494DF}">
-              <a14:hiddenLine xmlns:a14="http://schemas.microsoft.com/office/drawing/2010/main" w="9525">
-                <a:solidFill>
-                  <a:srgbClr val="000000"/>
-                </a:solidFill>
-                <a:miter lim="800000"/>
-                <a:headEnd/>
-                <a:tailEnd/>
-              </a14:hiddenLine>
-            </a:ext>
-          </a:extLst>
-        </p:spPr>
-        <p:txBody>
-          <a:bodyPr/>
-          <a:lstStyle>
-            <a:lvl1pPr marL="342900" indent="-342900" latinLnBrk="1">
-              <a:spcBef>
-                <a:spcPct val="20000"/>
-              </a:spcBef>
-              <a:buChar char="•"/>
-              <a:defRPr kumimoji="1" sz="3200">
-                <a:solidFill>
-                  <a:schemeClr val="tx1"/>
-                </a:solidFill>
-                <a:latin typeface="Times New Roman" panose="02020603050405020304" pitchFamily="18" charset="0"/>
-                <a:ea typeface="굴림" panose="020B0600000101010101" pitchFamily="50" charset="-127"/>
-              </a:defRPr>
-            </a:lvl1pPr>
-            <a:lvl2pPr marL="742950" indent="-285750" latinLnBrk="1">
-              <a:spcBef>
-                <a:spcPct val="20000"/>
-              </a:spcBef>
-              <a:buChar char="–"/>
-              <a:defRPr kumimoji="1" sz="2800">
-                <a:solidFill>
-                  <a:schemeClr val="tx1"/>
-                </a:solidFill>
-                <a:latin typeface="Times New Roman" panose="02020603050405020304" pitchFamily="18" charset="0"/>
-                <a:ea typeface="굴림" panose="020B0600000101010101" pitchFamily="50" charset="-127"/>
-              </a:defRPr>
-            </a:lvl2pPr>
-            <a:lvl3pPr marL="1143000" indent="-228600" latinLnBrk="1">
-              <a:spcBef>
-                <a:spcPct val="20000"/>
-              </a:spcBef>
-              <a:buChar char="•"/>
-              <a:defRPr kumimoji="1" sz="2400">
-                <a:solidFill>
-                  <a:schemeClr val="tx1"/>
-                </a:solidFill>
-                <a:latin typeface="Times New Roman" panose="02020603050405020304" pitchFamily="18" charset="0"/>
-                <a:ea typeface="굴림" panose="020B0600000101010101" pitchFamily="50" charset="-127"/>
-              </a:defRPr>
-            </a:lvl3pPr>
-            <a:lvl4pPr marL="1600200" indent="-228600" latinLnBrk="1">
-              <a:spcBef>
-                <a:spcPct val="20000"/>
-              </a:spcBef>
-              <a:buChar char="–"/>
-              <a:defRPr kumimoji="1" sz="2000">
-                <a:solidFill>
-                  <a:schemeClr val="tx1"/>
-                </a:solidFill>
-                <a:latin typeface="Times New Roman" panose="02020603050405020304" pitchFamily="18" charset="0"/>
-                <a:ea typeface="굴림" panose="020B0600000101010101" pitchFamily="50" charset="-127"/>
-              </a:defRPr>
-            </a:lvl4pPr>
-            <a:lvl5pPr marL="2057400" indent="-228600" latinLnBrk="1">
-              <a:spcBef>
-                <a:spcPct val="20000"/>
-              </a:spcBef>
-              <a:buChar char="»"/>
-              <a:defRPr kumimoji="1" sz="2000">
-                <a:solidFill>
-                  <a:schemeClr val="tx1"/>
-                </a:solidFill>
-                <a:latin typeface="Times New Roman" panose="02020603050405020304" pitchFamily="18" charset="0"/>
-                <a:ea typeface="굴림" panose="020B0600000101010101" pitchFamily="50" charset="-127"/>
-              </a:defRPr>
-            </a:lvl5pPr>
-            <a:lvl6pPr marL="2514600" indent="-228600" eaLnBrk="0" fontAlgn="base" hangingPunct="0">
-              <a:spcBef>
-                <a:spcPct val="20000"/>
-              </a:spcBef>
-              <a:spcAft>
-                <a:spcPct val="0"/>
-              </a:spcAft>
-              <a:buChar char="»"/>
-              <a:defRPr kumimoji="1" sz="2000">
-                <a:solidFill>
-                  <a:schemeClr val="tx1"/>
-                </a:solidFill>
-                <a:latin typeface="Times New Roman" panose="02020603050405020304" pitchFamily="18" charset="0"/>
-                <a:ea typeface="굴림" panose="020B0600000101010101" pitchFamily="50" charset="-127"/>
-              </a:defRPr>
-            </a:lvl6pPr>
-            <a:lvl7pPr marL="2971800" indent="-228600" eaLnBrk="0" fontAlgn="base" hangingPunct="0">
-              <a:spcBef>
-                <a:spcPct val="20000"/>
-              </a:spcBef>
-              <a:spcAft>
-                <a:spcPct val="0"/>
-              </a:spcAft>
-              <a:buChar char="»"/>
-              <a:defRPr kumimoji="1" sz="2000">
-                <a:solidFill>
-                  <a:schemeClr val="tx1"/>
-                </a:solidFill>
-                <a:latin typeface="Times New Roman" panose="02020603050405020304" pitchFamily="18" charset="0"/>
-                <a:ea typeface="굴림" panose="020B0600000101010101" pitchFamily="50" charset="-127"/>
-              </a:defRPr>
-            </a:lvl7pPr>
-            <a:lvl8pPr marL="3429000" indent="-228600" eaLnBrk="0" fontAlgn="base" hangingPunct="0">
-              <a:spcBef>
-                <a:spcPct val="20000"/>
-              </a:spcBef>
-              <a:spcAft>
-                <a:spcPct val="0"/>
-              </a:spcAft>
-              <a:buChar char="»"/>
-              <a:defRPr kumimoji="1" sz="2000">
-                <a:solidFill>
-                  <a:schemeClr val="tx1"/>
-                </a:solidFill>
-                <a:latin typeface="Times New Roman" panose="02020603050405020304" pitchFamily="18" charset="0"/>
-                <a:ea typeface="굴림" panose="020B0600000101010101" pitchFamily="50" charset="-127"/>
-              </a:defRPr>
-            </a:lvl8pPr>
-            <a:lvl9pPr marL="3886200" indent="-228600" eaLnBrk="0" fontAlgn="base" hangingPunct="0">
-              <a:spcBef>
-                <a:spcPct val="20000"/>
-              </a:spcBef>
-              <a:spcAft>
-                <a:spcPct val="0"/>
-              </a:spcAft>
-              <a:buChar char="»"/>
-              <a:defRPr kumimoji="1" sz="2000">
-                <a:solidFill>
-                  <a:schemeClr val="tx1"/>
-                </a:solidFill>
-                <a:latin typeface="Times New Roman" panose="02020603050405020304" pitchFamily="18" charset="0"/>
-                <a:ea typeface="굴림" panose="020B0600000101010101" pitchFamily="50" charset="-127"/>
-              </a:defRPr>
-            </a:lvl9pPr>
-          </a:lstStyle>
-          <a:p>
-            <a:pPr eaLnBrk="1" hangingPunct="1">
-              <a:buFont typeface="Wingdings" panose="05000000000000000000" pitchFamily="2" charset="2"/>
-              <a:buChar char="§"/>
-            </a:pPr>
-            <a:r>
-              <a:rPr lang="ko-KR" altLang="en-US" sz="2000" dirty="0" err="1"/>
-              <a:t>텔레그램</a:t>
-            </a:r>
-            <a:r>
-              <a:rPr lang="ko-KR" altLang="en-US" sz="2000" dirty="0"/>
-              <a:t> </a:t>
-            </a:r>
-            <a:r>
-              <a:rPr lang="ko-KR" altLang="en-US" sz="2000" dirty="0" err="1"/>
-              <a:t>챗</a:t>
-            </a:r>
-            <a:r>
-              <a:rPr lang="ko-KR" altLang="en-US" sz="2000" dirty="0"/>
-              <a:t> 봇</a:t>
-            </a:r>
-            <a:r>
-              <a:rPr lang="en-US" altLang="ko-KR" sz="2000" dirty="0"/>
-              <a:t>: </a:t>
-            </a:r>
-            <a:r>
-              <a:rPr lang="en-US" altLang="ko-KR" sz="2000" dirty="0" err="1"/>
-              <a:t>telepot</a:t>
-            </a:r>
-            <a:endParaRPr lang="en-US" altLang="ko-KR" sz="2000" dirty="0"/>
-          </a:p>
-          <a:p>
-            <a:pPr eaLnBrk="1" hangingPunct="1">
-              <a:buFont typeface="Wingdings" panose="05000000000000000000" pitchFamily="2" charset="2"/>
-              <a:buChar char="§"/>
-            </a:pPr>
-            <a:r>
-              <a:rPr lang="ko-KR" altLang="en-US" sz="2000" dirty="0" err="1"/>
-              <a:t>공공데이터</a:t>
-            </a:r>
-            <a:r>
-              <a:rPr lang="ko-KR" altLang="en-US" sz="2000" dirty="0"/>
-              <a:t> </a:t>
-            </a:r>
-            <a:r>
-              <a:rPr lang="en-US" altLang="ko-KR" sz="2000" dirty="0"/>
-              <a:t>(data.go.kr) </a:t>
-            </a:r>
-            <a:r>
-              <a:rPr lang="ko-KR" altLang="en-US" sz="2000" dirty="0"/>
-              <a:t>아파트매매 </a:t>
-            </a:r>
-            <a:r>
-              <a:rPr lang="ko-KR" altLang="en-US" sz="2000" dirty="0" err="1"/>
-              <a:t>실거래자료</a:t>
-            </a:r>
-            <a:endParaRPr lang="en-US" altLang="ko-KR" sz="2000" dirty="0"/>
-          </a:p>
-          <a:p>
-            <a:pPr eaLnBrk="1" hangingPunct="1">
-              <a:buFont typeface="Wingdings" panose="05000000000000000000" pitchFamily="2" charset="2"/>
-              <a:buChar char="§"/>
-            </a:pPr>
-            <a:r>
-              <a:rPr lang="en-US" altLang="ko-KR" sz="2000" dirty="0" err="1"/>
-              <a:t>BeautifulSoup</a:t>
-            </a:r>
-            <a:r>
-              <a:rPr lang="en-US" altLang="ko-KR" sz="2000" dirty="0"/>
-              <a:t>: HTML </a:t>
-            </a:r>
-            <a:r>
-              <a:rPr lang="ko-KR" altLang="en-US" sz="2000" dirty="0"/>
-              <a:t>혹은 </a:t>
-            </a:r>
-            <a:r>
-              <a:rPr lang="en-US" altLang="ko-KR" sz="2000" dirty="0"/>
-              <a:t>XML </a:t>
-            </a:r>
-            <a:r>
-              <a:rPr lang="ko-KR" altLang="en-US" sz="2000" dirty="0" err="1"/>
-              <a:t>파싱</a:t>
-            </a:r>
-            <a:endParaRPr lang="en-US" altLang="ko-KR" sz="2000" dirty="0"/>
-          </a:p>
-          <a:p>
-            <a:pPr eaLnBrk="1" hangingPunct="1">
-              <a:buFont typeface="Wingdings" panose="05000000000000000000" pitchFamily="2" charset="2"/>
-              <a:buChar char="§"/>
-            </a:pPr>
-            <a:r>
-              <a:rPr lang="en-US" altLang="ko-KR" sz="2000" dirty="0"/>
-              <a:t>sqlite3 </a:t>
-            </a:r>
-            <a:r>
-              <a:rPr lang="ko-KR" altLang="en-US" sz="2000" dirty="0"/>
-              <a:t>데이터베이스</a:t>
-            </a:r>
-            <a:endParaRPr lang="en-US" altLang="ko-KR" sz="2000" dirty="0"/>
-          </a:p>
-          <a:p>
-            <a:pPr eaLnBrk="1" hangingPunct="1">
-              <a:buFont typeface="Wingdings" panose="05000000000000000000" pitchFamily="2" charset="2"/>
-              <a:buChar char="§"/>
-            </a:pPr>
-            <a:r>
-              <a:rPr lang="en-US" altLang="ko-KR" sz="2000" dirty="0"/>
-              <a:t>html5lib : HTML </a:t>
-            </a:r>
-            <a:r>
-              <a:rPr lang="ko-KR" altLang="en-US" sz="2000" dirty="0"/>
-              <a:t>파서</a:t>
-            </a:r>
-            <a:endParaRPr lang="en-US" altLang="ko-KR" sz="2000" dirty="0"/>
-          </a:p>
-          <a:p>
-            <a:pPr eaLnBrk="1" hangingPunct="1">
-              <a:buFont typeface="Wingdings" panose="05000000000000000000" pitchFamily="2" charset="2"/>
-              <a:buChar char="§"/>
-            </a:pPr>
-            <a:endParaRPr lang="en-US" altLang="ko-KR" sz="2000" dirty="0"/>
-          </a:p>
-        </p:txBody>
-      </p:sp>
-      <p:sp>
-        <p:nvSpPr>
-          <p:cNvPr id="8" name="슬라이드 번호 개체 틀 7"/>
-          <p:cNvSpPr>
-            <a:spLocks noGrp="1"/>
-          </p:cNvSpPr>
-          <p:nvPr>
-            <p:ph type="sldNum" sz="quarter" idx="10"/>
-          </p:nvPr>
-        </p:nvSpPr>
-        <p:spPr/>
-        <p:txBody>
-          <a:bodyPr/>
-          <a:lstStyle>
-            <a:lvl1pPr eaLnBrk="0" hangingPunct="0">
-              <a:defRPr kumimoji="1" sz="2400">
-                <a:solidFill>
-                  <a:schemeClr val="tx1"/>
-                </a:solidFill>
-                <a:latin typeface="Times New Roman" panose="02020603050405020304" pitchFamily="18" charset="0"/>
-                <a:ea typeface="굴림" panose="020B0600000101010101" pitchFamily="50" charset="-127"/>
-              </a:defRPr>
-            </a:lvl1pPr>
-            <a:lvl2pPr marL="742950" indent="-285750" eaLnBrk="0" hangingPunct="0">
-              <a:defRPr kumimoji="1" sz="2400">
-                <a:solidFill>
-                  <a:schemeClr val="tx1"/>
-                </a:solidFill>
-                <a:latin typeface="Times New Roman" panose="02020603050405020304" pitchFamily="18" charset="0"/>
-                <a:ea typeface="굴림" panose="020B0600000101010101" pitchFamily="50" charset="-127"/>
-              </a:defRPr>
-            </a:lvl2pPr>
-            <a:lvl3pPr marL="1143000" indent="-228600" eaLnBrk="0" hangingPunct="0">
-              <a:defRPr kumimoji="1" sz="2400">
-                <a:solidFill>
-                  <a:schemeClr val="tx1"/>
-                </a:solidFill>
-                <a:latin typeface="Times New Roman" panose="02020603050405020304" pitchFamily="18" charset="0"/>
-                <a:ea typeface="굴림" panose="020B0600000101010101" pitchFamily="50" charset="-127"/>
-              </a:defRPr>
-            </a:lvl3pPr>
-            <a:lvl4pPr marL="1600200" indent="-228600" eaLnBrk="0" hangingPunct="0">
-              <a:defRPr kumimoji="1" sz="2400">
-                <a:solidFill>
-                  <a:schemeClr val="tx1"/>
-                </a:solidFill>
-                <a:latin typeface="Times New Roman" panose="02020603050405020304" pitchFamily="18" charset="0"/>
-                <a:ea typeface="굴림" panose="020B0600000101010101" pitchFamily="50" charset="-127"/>
-              </a:defRPr>
-            </a:lvl4pPr>
-            <a:lvl5pPr marL="2057400" indent="-228600" eaLnBrk="0" hangingPunct="0">
-              <a:defRPr kumimoji="1" sz="2400">
-                <a:solidFill>
-                  <a:schemeClr val="tx1"/>
-                </a:solidFill>
-                <a:latin typeface="Times New Roman" panose="02020603050405020304" pitchFamily="18" charset="0"/>
-                <a:ea typeface="굴림" panose="020B0600000101010101" pitchFamily="50" charset="-127"/>
-              </a:defRPr>
-            </a:lvl5pPr>
-            <a:lvl6pPr marL="2514600" indent="-228600" eaLnBrk="0" fontAlgn="base" hangingPunct="0">
-              <a:spcBef>
-                <a:spcPct val="0"/>
-              </a:spcBef>
-              <a:spcAft>
-                <a:spcPct val="0"/>
-              </a:spcAft>
-              <a:defRPr kumimoji="1" sz="2400">
-                <a:solidFill>
-                  <a:schemeClr val="tx1"/>
-                </a:solidFill>
-                <a:latin typeface="Times New Roman" panose="02020603050405020304" pitchFamily="18" charset="0"/>
-                <a:ea typeface="굴림" panose="020B0600000101010101" pitchFamily="50" charset="-127"/>
-              </a:defRPr>
-            </a:lvl6pPr>
-            <a:lvl7pPr marL="2971800" indent="-228600" eaLnBrk="0" fontAlgn="base" hangingPunct="0">
-              <a:spcBef>
-                <a:spcPct val="0"/>
-              </a:spcBef>
-              <a:spcAft>
-                <a:spcPct val="0"/>
-              </a:spcAft>
-              <a:defRPr kumimoji="1" sz="2400">
-                <a:solidFill>
-                  <a:schemeClr val="tx1"/>
-                </a:solidFill>
-                <a:latin typeface="Times New Roman" panose="02020603050405020304" pitchFamily="18" charset="0"/>
-                <a:ea typeface="굴림" panose="020B0600000101010101" pitchFamily="50" charset="-127"/>
-              </a:defRPr>
-            </a:lvl7pPr>
-            <a:lvl8pPr marL="3429000" indent="-228600" eaLnBrk="0" fontAlgn="base" hangingPunct="0">
-              <a:spcBef>
-                <a:spcPct val="0"/>
-              </a:spcBef>
-              <a:spcAft>
-                <a:spcPct val="0"/>
-              </a:spcAft>
-              <a:defRPr kumimoji="1" sz="2400">
-                <a:solidFill>
-                  <a:schemeClr val="tx1"/>
-                </a:solidFill>
-                <a:latin typeface="Times New Roman" panose="02020603050405020304" pitchFamily="18" charset="0"/>
-                <a:ea typeface="굴림" panose="020B0600000101010101" pitchFamily="50" charset="-127"/>
-              </a:defRPr>
-            </a:lvl8pPr>
-            <a:lvl9pPr marL="3886200" indent="-228600" eaLnBrk="0" fontAlgn="base" hangingPunct="0">
-              <a:spcBef>
-                <a:spcPct val="0"/>
-              </a:spcBef>
-              <a:spcAft>
-                <a:spcPct val="0"/>
-              </a:spcAft>
-              <a:defRPr kumimoji="1" sz="2400">
-                <a:solidFill>
-                  <a:schemeClr val="tx1"/>
-                </a:solidFill>
-                <a:latin typeface="Times New Roman" panose="02020603050405020304" pitchFamily="18" charset="0"/>
-                <a:ea typeface="굴림" panose="020B0600000101010101" pitchFamily="50" charset="-127"/>
-              </a:defRPr>
-            </a:lvl9pPr>
-          </a:lstStyle>
-          <a:p>
-            <a:pPr eaLnBrk="1" hangingPunct="1">
-              <a:defRPr/>
-            </a:pPr>
-            <a:r>
-              <a:rPr lang="en-US" altLang="ko-KR" sz="1200" dirty="0"/>
-              <a:t> 25-</a:t>
-            </a:r>
-            <a:fld id="{3E4DFC2C-2F6B-47AF-B0FF-2D91E1CBA2C7}" type="slidenum">
-              <a:rPr lang="en-US" altLang="ko-KR" sz="1200" smtClean="0">
-                <a:effectLst>
-                  <a:outerShdw blurRad="38100" dist="38100" dir="2700000" algn="tl">
-                    <a:srgbClr val="C0C0C0"/>
-                  </a:outerShdw>
-                </a:effectLst>
-              </a:rPr>
-              <a:pPr eaLnBrk="1" hangingPunct="1">
-                <a:defRPr/>
-              </a:pPr>
-              <a:t>2</a:t>
-            </a:fld>
-            <a:endParaRPr lang="en-US" altLang="ko-KR" sz="1400" dirty="0"/>
-          </a:p>
-        </p:txBody>
-      </p:sp>
-    </p:spTree>
-  </p:cSld>
-  <p:clrMapOvr>
-    <a:masterClrMapping/>
-  </p:clrMapOvr>
-</p:sld>
-</file>
-
-<file path=ppt/slides/slide20.xml><?xml version="1.0" encoding="utf-8"?>
-<p:sld xmlns:a="http://schemas.openxmlformats.org/drawingml/2006/main" xmlns:r="http://schemas.openxmlformats.org/officeDocument/2006/relationships" xmlns:p="http://schemas.openxmlformats.org/presentationml/2006/main">
-  <p:cSld>
-    <p:spTree>
-      <p:nvGrpSpPr>
-        <p:cNvPr id="1" name=""/>
-        <p:cNvGrpSpPr/>
-        <p:nvPr/>
-      </p:nvGrpSpPr>
-      <p:grpSpPr>
-        <a:xfrm>
-          <a:off x="0" y="0"/>
-          <a:ext cx="0" cy="0"/>
-          <a:chOff x="0" y="0"/>
-          <a:chExt cx="0" cy="0"/>
-        </a:xfrm>
-      </p:grpSpPr>
-      <p:sp>
-        <p:nvSpPr>
-          <p:cNvPr id="337922" name="Rectangle 2" descr="흰색 대리석"/>
-          <p:cNvSpPr>
-            <a:spLocks noGrp="1" noChangeArrowheads="1"/>
-          </p:cNvSpPr>
-          <p:nvPr>
-            <p:ph type="title"/>
-          </p:nvPr>
-        </p:nvSpPr>
-        <p:spPr>
-          <a:xfrm>
-            <a:off x="153988" y="157163"/>
-            <a:ext cx="7772400" cy="457200"/>
-          </a:xfrm>
-        </p:spPr>
-        <p:txBody>
-          <a:bodyPr/>
-          <a:lstStyle/>
-          <a:p>
-            <a:pPr eaLnBrk="1" hangingPunct="1">
-              <a:defRPr/>
-            </a:pPr>
-            <a:r>
-              <a:rPr lang="ko-KR" altLang="en-US" dirty="0"/>
               <a:t>부동산 </a:t>
             </a:r>
             <a:r>
@@ -24535,7 +25670,7 @@
               <a:pPr eaLnBrk="1" hangingPunct="1">
                 <a:defRPr/>
               </a:pPr>
-              <a:t>20</a:t>
+              <a:t>21</a:t>
             </a:fld>
             <a:endParaRPr lang="en-US" altLang="ko-KR" sz="1400" dirty="0"/>
           </a:p>
@@ -26045,6 +27180,16 @@
               <a:t>            </a:t>
             </a:r>
             <a:r>
+              <a:rPr kumimoji="0" lang="en-US" altLang="ko-KR" sz="1400" dirty="0">
+                <a:solidFill>
+                  <a:srgbClr val="000000"/>
+                </a:solidFill>
+                <a:latin typeface="굴림체" panose="020B0609000101010101" pitchFamily="49" charset="-127"/>
+                <a:ea typeface="굴림체" panose="020B0609000101010101" pitchFamily="49" charset="-127"/>
+              </a:rPr>
+              <a:t>#</a:t>
+            </a:r>
+            <a:r>
               <a:rPr kumimoji="0" lang="ko-KR" altLang="ko-KR" sz="1400" dirty="0" err="1">
                 <a:solidFill>
                   <a:srgbClr val="000000"/>
@@ -26601,6 +27746,683 @@
                 </a:solidFill>
                 <a:latin typeface="굴림체" panose="020B0609000101010101" pitchFamily="49" charset="-127"/>
                 <a:ea typeface="굴림체" panose="020B0609000101010101" pitchFamily="49" charset="-127"/>
+              </a:rPr>
+              <a:t>’</a:t>
+            </a:r>
+            <a:endParaRPr kumimoji="0" lang="en-US" altLang="ko-KR" sz="1400" b="1" dirty="0">
+              <a:solidFill>
+                <a:srgbClr val="008080"/>
+              </a:solidFill>
+              <a:latin typeface="굴림체" panose="020B0609000101010101" pitchFamily="49" charset="-127"/>
+              <a:ea typeface="굴림체" panose="020B0609000101010101" pitchFamily="49" charset="-127"/>
+            </a:endParaRPr>
+          </a:p>
+          <a:p>
+            <a:r>
+              <a:rPr kumimoji="0" lang="en-US" altLang="ko-KR" sz="1400" b="1" dirty="0">
+                <a:solidFill>
+                  <a:srgbClr val="008080"/>
+                </a:solidFill>
+                <a:latin typeface="굴림체" panose="020B0609000101010101" pitchFamily="49" charset="-127"/>
+                <a:ea typeface="굴림체" panose="020B0609000101010101" pitchFamily="49" charset="-127"/>
+              </a:rPr>
+              <a:t>	  </a:t>
+            </a:r>
+            <a:r>
+              <a:rPr kumimoji="0" lang="ko-KR" altLang="ko-KR" sz="1400" b="0" i="0" u="none" strike="noStrike" cap="none" normalizeH="0" baseline="0" dirty="0" err="1">
+                <a:ln>
+                  <a:noFill/>
+                </a:ln>
+                <a:solidFill>
+                  <a:srgbClr val="FF0000"/>
+                </a:solidFill>
+                <a:effectLst/>
+                <a:latin typeface="Arial Unicode MS"/>
+                <a:ea typeface="JetBrains Mono"/>
+              </a:rPr>
+              <a:t>row</a:t>
+            </a:r>
+            <a:r>
+              <a:rPr kumimoji="0" lang="ko-KR" altLang="ko-KR" sz="1400" b="0" i="0" u="none" strike="noStrike" cap="none" normalizeH="0" baseline="0" dirty="0">
+                <a:ln>
+                  <a:noFill/>
+                </a:ln>
+                <a:solidFill>
+                  <a:srgbClr val="FF0000"/>
+                </a:solidFill>
+                <a:effectLst/>
+                <a:latin typeface="Arial Unicode MS"/>
+                <a:ea typeface="JetBrains Mono"/>
+              </a:rPr>
+              <a:t> = </a:t>
+            </a:r>
+            <a:r>
+              <a:rPr kumimoji="0" lang="ko-KR" altLang="ko-KR" sz="1400" b="0" i="0" u="none" strike="noStrike" cap="none" normalizeH="0" baseline="0" dirty="0" err="1">
+                <a:ln>
+                  <a:noFill/>
+                </a:ln>
+                <a:solidFill>
+                  <a:srgbClr val="FF0000"/>
+                </a:solidFill>
+                <a:effectLst/>
+                <a:latin typeface="Arial Unicode MS"/>
+                <a:ea typeface="JetBrains Mono"/>
+              </a:rPr>
+              <a:t>parsed</a:t>
+            </a:r>
+            <a:r>
+              <a:rPr kumimoji="0" lang="ko-KR" altLang="ko-KR" sz="1400" b="0" i="0" u="none" strike="noStrike" cap="none" normalizeH="0" baseline="0" dirty="0">
+                <a:ln>
+                  <a:noFill/>
+                </a:ln>
+                <a:solidFill>
+                  <a:srgbClr val="FF0000"/>
+                </a:solidFill>
+                <a:effectLst/>
+                <a:latin typeface="Arial Unicode MS"/>
+                <a:ea typeface="JetBrains Mono"/>
+              </a:rPr>
+              <a:t>[</a:t>
+            </a:r>
+            <a:r>
+              <a:rPr kumimoji="0" lang="ko-KR" altLang="ko-KR" sz="1400" b="1" i="0" u="none" strike="noStrike" cap="none" normalizeH="0" baseline="0" dirty="0">
+                <a:ln>
+                  <a:noFill/>
+                </a:ln>
+                <a:solidFill>
+                  <a:srgbClr val="FF0000"/>
+                </a:solidFill>
+                <a:effectLst/>
+                <a:latin typeface="Arial Unicode MS"/>
+                <a:ea typeface="JetBrains Mono"/>
+              </a:rPr>
+              <a:t>6</a:t>
+            </a:r>
+            <a:r>
+              <a:rPr kumimoji="0" lang="ko-KR" altLang="ko-KR" sz="1400" b="0" i="0" u="none" strike="noStrike" cap="none" normalizeH="0" baseline="0" dirty="0">
+                <a:ln>
+                  <a:noFill/>
+                </a:ln>
+                <a:solidFill>
+                  <a:srgbClr val="FF0000"/>
+                </a:solidFill>
+                <a:effectLst/>
+                <a:latin typeface="Arial Unicode MS"/>
+                <a:ea typeface="JetBrains Mono"/>
+              </a:rPr>
+              <a:t>]+'</a:t>
+            </a:r>
+            <a:r>
+              <a:rPr kumimoji="0" lang="en-US" altLang="ko-KR" sz="1400" b="0" i="0" u="none" strike="noStrike" cap="none" normalizeH="0" baseline="0" dirty="0">
+                <a:ln>
+                  <a:noFill/>
+                </a:ln>
+                <a:solidFill>
+                  <a:srgbClr val="FF0000"/>
+                </a:solidFill>
+                <a:effectLst/>
+                <a:latin typeface="Arial Unicode MS"/>
+                <a:ea typeface="JetBrains Mono"/>
+              </a:rPr>
+              <a:t>,</a:t>
+            </a:r>
+            <a:r>
+              <a:rPr kumimoji="0" lang="ko-KR" altLang="ko-KR" sz="1400" b="0" i="0" u="none" strike="noStrike" cap="none" normalizeH="0" baseline="0" dirty="0">
+                <a:ln>
+                  <a:noFill/>
+                </a:ln>
+                <a:solidFill>
+                  <a:srgbClr val="FF0000"/>
+                </a:solidFill>
+                <a:effectLst/>
+                <a:latin typeface="Arial Unicode MS"/>
+                <a:ea typeface="JetBrains Mono"/>
+              </a:rPr>
+              <a:t> '+</a:t>
+            </a:r>
+            <a:r>
+              <a:rPr kumimoji="0" lang="ko-KR" altLang="ko-KR" sz="1400" b="0" i="0" u="none" strike="noStrike" cap="none" normalizeH="0" baseline="0" dirty="0" err="1">
+                <a:ln>
+                  <a:noFill/>
+                </a:ln>
+                <a:solidFill>
+                  <a:srgbClr val="FF0000"/>
+                </a:solidFill>
+                <a:effectLst/>
+                <a:latin typeface="Arial Unicode MS"/>
+                <a:ea typeface="JetBrains Mono"/>
+              </a:rPr>
+              <a:t>parsed</a:t>
+            </a:r>
+            <a:r>
+              <a:rPr kumimoji="0" lang="ko-KR" altLang="ko-KR" sz="1400" b="0" i="0" u="none" strike="noStrike" cap="none" normalizeH="0" baseline="0" dirty="0">
+                <a:ln>
+                  <a:noFill/>
+                </a:ln>
+                <a:solidFill>
+                  <a:srgbClr val="FF0000"/>
+                </a:solidFill>
+                <a:effectLst/>
+                <a:latin typeface="Arial Unicode MS"/>
+                <a:ea typeface="JetBrains Mono"/>
+              </a:rPr>
+              <a:t>[</a:t>
+            </a:r>
+            <a:r>
+              <a:rPr kumimoji="0" lang="ko-KR" altLang="ko-KR" sz="1400" b="1" i="0" u="none" strike="noStrike" cap="none" normalizeH="0" baseline="0" dirty="0">
+                <a:ln>
+                  <a:noFill/>
+                </a:ln>
+                <a:solidFill>
+                  <a:srgbClr val="FF0000"/>
+                </a:solidFill>
+                <a:effectLst/>
+                <a:latin typeface="Arial Unicode MS"/>
+                <a:ea typeface="JetBrains Mono"/>
+              </a:rPr>
+              <a:t>14</a:t>
+            </a:r>
+            <a:r>
+              <a:rPr kumimoji="0" lang="ko-KR" altLang="ko-KR" sz="1400" b="0" i="0" u="none" strike="noStrike" cap="none" normalizeH="0" baseline="0" dirty="0">
+                <a:ln>
+                  <a:noFill/>
+                </a:ln>
+                <a:solidFill>
+                  <a:srgbClr val="FF0000"/>
+                </a:solidFill>
+                <a:effectLst/>
+                <a:latin typeface="Arial Unicode MS"/>
+                <a:ea typeface="JetBrains Mono"/>
+              </a:rPr>
+              <a:t>]+' '+</a:t>
+            </a:r>
+            <a:r>
+              <a:rPr kumimoji="0" lang="ko-KR" altLang="ko-KR" sz="1400" b="0" i="0" u="none" strike="noStrike" cap="none" normalizeH="0" baseline="0" dirty="0" err="1">
+                <a:ln>
+                  <a:noFill/>
+                </a:ln>
+                <a:solidFill>
+                  <a:srgbClr val="FF0000"/>
+                </a:solidFill>
+                <a:effectLst/>
+                <a:latin typeface="Arial Unicode MS"/>
+                <a:ea typeface="JetBrains Mono"/>
+              </a:rPr>
+              <a:t>parsed</a:t>
+            </a:r>
+            <a:r>
+              <a:rPr kumimoji="0" lang="ko-KR" altLang="ko-KR" sz="1400" b="0" i="0" u="none" strike="noStrike" cap="none" normalizeH="0" baseline="0" dirty="0">
+                <a:ln>
+                  <a:noFill/>
+                </a:ln>
+                <a:solidFill>
+                  <a:srgbClr val="FF0000"/>
+                </a:solidFill>
+                <a:effectLst/>
+                <a:latin typeface="Arial Unicode MS"/>
+                <a:ea typeface="JetBrains Mono"/>
+              </a:rPr>
+              <a:t>[</a:t>
+            </a:r>
+            <a:r>
+              <a:rPr kumimoji="0" lang="ko-KR" altLang="ko-KR" sz="1400" b="1" i="0" u="none" strike="noStrike" cap="none" normalizeH="0" baseline="0" dirty="0">
+                <a:ln>
+                  <a:noFill/>
+                </a:ln>
+                <a:solidFill>
+                  <a:srgbClr val="FF0000"/>
+                </a:solidFill>
+                <a:effectLst/>
+                <a:latin typeface="Arial Unicode MS"/>
+                <a:ea typeface="JetBrains Mono"/>
+              </a:rPr>
+              <a:t>9</a:t>
+            </a:r>
+            <a:r>
+              <a:rPr kumimoji="0" lang="ko-KR" altLang="ko-KR" sz="1400" b="0" i="0" u="none" strike="noStrike" cap="none" normalizeH="0" baseline="0" dirty="0">
+                <a:ln>
+                  <a:noFill/>
+                </a:ln>
+                <a:solidFill>
+                  <a:srgbClr val="FF0000"/>
+                </a:solidFill>
+                <a:effectLst/>
+                <a:latin typeface="Arial Unicode MS"/>
+                <a:ea typeface="JetBrains Mono"/>
+              </a:rPr>
+              <a:t>]+' '+</a:t>
+            </a:r>
+            <a:r>
+              <a:rPr kumimoji="0" lang="ko-KR" altLang="ko-KR" sz="1400" b="0" i="0" u="none" strike="noStrike" cap="none" normalizeH="0" baseline="0" dirty="0" err="1">
+                <a:ln>
+                  <a:noFill/>
+                </a:ln>
+                <a:solidFill>
+                  <a:srgbClr val="FF0000"/>
+                </a:solidFill>
+                <a:effectLst/>
+                <a:latin typeface="Arial Unicode MS"/>
+                <a:ea typeface="JetBrains Mono"/>
+              </a:rPr>
+              <a:t>parsed</a:t>
+            </a:r>
+            <a:r>
+              <a:rPr kumimoji="0" lang="ko-KR" altLang="ko-KR" sz="1400" b="0" i="0" u="none" strike="noStrike" cap="none" normalizeH="0" baseline="0" dirty="0">
+                <a:ln>
+                  <a:noFill/>
+                </a:ln>
+                <a:solidFill>
+                  <a:srgbClr val="FF0000"/>
+                </a:solidFill>
+                <a:effectLst/>
+                <a:latin typeface="Arial Unicode MS"/>
+                <a:ea typeface="JetBrains Mono"/>
+              </a:rPr>
+              <a:t>[</a:t>
+            </a:r>
+            <a:r>
+              <a:rPr kumimoji="0" lang="ko-KR" altLang="ko-KR" sz="1400" b="1" i="0" u="none" strike="noStrike" cap="none" normalizeH="0" baseline="0" dirty="0">
+                <a:ln>
+                  <a:noFill/>
+                </a:ln>
+                <a:solidFill>
+                  <a:srgbClr val="FF0000"/>
+                </a:solidFill>
+                <a:effectLst/>
+                <a:latin typeface="Arial Unicode MS"/>
+                <a:ea typeface="JetBrains Mono"/>
+              </a:rPr>
+              <a:t>10</a:t>
+            </a:r>
+            <a:r>
+              <a:rPr kumimoji="0" lang="ko-KR" altLang="ko-KR" sz="1400" b="0" i="0" u="none" strike="noStrike" cap="none" normalizeH="0" baseline="0" dirty="0">
+                <a:ln>
+                  <a:noFill/>
+                </a:ln>
+                <a:solidFill>
+                  <a:srgbClr val="FF0000"/>
+                </a:solidFill>
+                <a:effectLst/>
+                <a:latin typeface="Arial Unicode MS"/>
+                <a:ea typeface="JetBrains Mono"/>
+              </a:rPr>
+              <a:t>]+' '+</a:t>
+            </a:r>
+            <a:r>
+              <a:rPr kumimoji="0" lang="ko-KR" altLang="ko-KR" sz="1400" b="0" i="0" u="none" strike="noStrike" cap="none" normalizeH="0" baseline="0" dirty="0" err="1">
+                <a:ln>
+                  <a:noFill/>
+                </a:ln>
+                <a:solidFill>
+                  <a:srgbClr val="FF0000"/>
+                </a:solidFill>
+                <a:effectLst/>
+                <a:latin typeface="Arial Unicode MS"/>
+                <a:ea typeface="JetBrains Mono"/>
+              </a:rPr>
+              <a:t>parsed</a:t>
+            </a:r>
+            <a:r>
+              <a:rPr kumimoji="0" lang="ko-KR" altLang="ko-KR" sz="1400" b="0" i="0" u="none" strike="noStrike" cap="none" normalizeH="0" baseline="0" dirty="0">
+                <a:ln>
+                  <a:noFill/>
+                </a:ln>
+                <a:solidFill>
+                  <a:srgbClr val="FF0000"/>
+                </a:solidFill>
+                <a:effectLst/>
+                <a:latin typeface="Arial Unicode MS"/>
+                <a:ea typeface="JetBrains Mono"/>
+              </a:rPr>
+              <a:t>[</a:t>
+            </a:r>
+            <a:r>
+              <a:rPr kumimoji="0" lang="ko-KR" altLang="ko-KR" sz="1400" b="1" i="0" u="none" strike="noStrike" cap="none" normalizeH="0" baseline="0" dirty="0">
+                <a:ln>
+                  <a:noFill/>
+                </a:ln>
+                <a:solidFill>
+                  <a:srgbClr val="FF0000"/>
+                </a:solidFill>
+                <a:effectLst/>
+                <a:latin typeface="Arial Unicode MS"/>
+                <a:ea typeface="JetBrains Mono"/>
+              </a:rPr>
+              <a:t>5</a:t>
+            </a:r>
+            <a:r>
+              <a:rPr kumimoji="0" lang="ko-KR" altLang="ko-KR" sz="1400" b="0" i="0" u="none" strike="noStrike" cap="none" normalizeH="0" baseline="0" dirty="0">
+                <a:ln>
+                  <a:noFill/>
+                </a:ln>
+                <a:solidFill>
+                  <a:srgbClr val="FF0000"/>
+                </a:solidFill>
+                <a:effectLst/>
+                <a:latin typeface="Arial Unicode MS"/>
+                <a:ea typeface="JetBrains Mono"/>
+              </a:rPr>
+              <a:t>]+'</a:t>
+            </a:r>
+            <a:r>
+              <a:rPr kumimoji="0" lang="ko-KR" altLang="en-US" sz="1400" b="0" i="0" u="none" strike="noStrike" cap="none" normalizeH="0" baseline="0" dirty="0">
+                <a:ln>
+                  <a:noFill/>
+                </a:ln>
+                <a:solidFill>
+                  <a:srgbClr val="FF0000"/>
+                </a:solidFill>
+                <a:effectLst/>
+                <a:latin typeface="Arial Unicode MS"/>
+                <a:ea typeface="JetBrains Mono"/>
+              </a:rPr>
+              <a:t>동</a:t>
+            </a:r>
+            <a:r>
+              <a:rPr kumimoji="0" lang="en-US" altLang="ko-KR" sz="1400" b="0" i="0" u="none" strike="noStrike" cap="none" normalizeH="0" baseline="0" dirty="0">
+                <a:ln>
+                  <a:noFill/>
+                </a:ln>
+                <a:solidFill>
+                  <a:srgbClr val="FF0000"/>
+                </a:solidFill>
+                <a:effectLst/>
+                <a:latin typeface="Arial Unicode MS"/>
+                <a:ea typeface="JetBrains Mono"/>
+              </a:rPr>
+              <a:t>,</a:t>
+            </a:r>
+            <a:r>
+              <a:rPr kumimoji="0" lang="ko-KR" altLang="ko-KR" sz="1400" b="0" i="0" u="none" strike="noStrike" cap="none" normalizeH="0" baseline="0" dirty="0">
+                <a:ln>
+                  <a:noFill/>
+                </a:ln>
+                <a:solidFill>
+                  <a:srgbClr val="FF0000"/>
+                </a:solidFill>
+                <a:effectLst/>
+                <a:latin typeface="Arial Unicode MS"/>
+                <a:ea typeface="JetBrains Mono"/>
+              </a:rPr>
+              <a:t> '+</a:t>
+            </a:r>
+            <a:r>
+              <a:rPr kumimoji="0" lang="ko-KR" altLang="ko-KR" sz="1400" b="0" i="0" u="none" strike="noStrike" cap="none" normalizeH="0" baseline="0" dirty="0" err="1">
+                <a:ln>
+                  <a:noFill/>
+                </a:ln>
+                <a:solidFill>
+                  <a:srgbClr val="FF0000"/>
+                </a:solidFill>
+                <a:effectLst/>
+                <a:latin typeface="Arial Unicode MS"/>
+                <a:ea typeface="JetBrains Mono"/>
+              </a:rPr>
+              <a:t>parsed</a:t>
+            </a:r>
+            <a:r>
+              <a:rPr kumimoji="0" lang="ko-KR" altLang="ko-KR" sz="1400" b="0" i="0" u="none" strike="noStrike" cap="none" normalizeH="0" baseline="0" dirty="0">
+                <a:ln>
+                  <a:noFill/>
+                </a:ln>
+                <a:solidFill>
+                  <a:srgbClr val="FF0000"/>
+                </a:solidFill>
+                <a:effectLst/>
+                <a:latin typeface="Arial Unicode MS"/>
+                <a:ea typeface="JetBrains Mono"/>
+              </a:rPr>
+              <a:t>[</a:t>
+            </a:r>
+            <a:r>
+              <a:rPr kumimoji="0" lang="ko-KR" altLang="ko-KR" sz="1400" b="1" i="0" u="none" strike="noStrike" cap="none" normalizeH="0" baseline="0" dirty="0">
+                <a:ln>
+                  <a:noFill/>
+                </a:ln>
+                <a:solidFill>
+                  <a:srgbClr val="FF0000"/>
+                </a:solidFill>
+                <a:effectLst/>
+                <a:latin typeface="Arial Unicode MS"/>
+                <a:ea typeface="JetBrains Mono"/>
+              </a:rPr>
+              <a:t>13</a:t>
+            </a:r>
+            <a:r>
+              <a:rPr kumimoji="0" lang="ko-KR" altLang="ko-KR" sz="1400" b="0" i="0" u="none" strike="noStrike" cap="none" normalizeH="0" baseline="0" dirty="0">
+                <a:ln>
+                  <a:noFill/>
+                </a:ln>
+                <a:solidFill>
+                  <a:srgbClr val="FF0000"/>
+                </a:solidFill>
+                <a:effectLst/>
+                <a:latin typeface="Arial Unicode MS"/>
+                <a:ea typeface="JetBrains Mono"/>
+              </a:rPr>
+              <a:t>]+'m², '+</a:t>
+            </a:r>
+            <a:r>
+              <a:rPr kumimoji="0" lang="ko-KR" altLang="ko-KR" sz="1400" b="0" i="0" u="none" strike="noStrike" cap="none" normalizeH="0" baseline="0" dirty="0" err="1">
+                <a:ln>
+                  <a:noFill/>
+                </a:ln>
+                <a:solidFill>
+                  <a:srgbClr val="FF0000"/>
+                </a:solidFill>
+                <a:effectLst/>
+                <a:latin typeface="Arial Unicode MS"/>
+                <a:ea typeface="JetBrains Mono"/>
+              </a:rPr>
+              <a:t>parsed</a:t>
+            </a:r>
+            <a:r>
+              <a:rPr kumimoji="0" lang="ko-KR" altLang="ko-KR" sz="1400" b="0" i="0" u="none" strike="noStrike" cap="none" normalizeH="0" baseline="0" dirty="0">
+                <a:ln>
+                  <a:noFill/>
+                </a:ln>
+                <a:solidFill>
+                  <a:srgbClr val="FF0000"/>
+                </a:solidFill>
+                <a:effectLst/>
+                <a:latin typeface="Arial Unicode MS"/>
+                <a:ea typeface="JetBrains Mono"/>
+              </a:rPr>
+              <a:t>[</a:t>
+            </a:r>
+            <a:r>
+              <a:rPr kumimoji="0" lang="ko-KR" altLang="ko-KR" sz="1400" b="1" i="0" u="none" strike="noStrike" cap="none" normalizeH="0" baseline="0" dirty="0">
+                <a:ln>
+                  <a:noFill/>
+                </a:ln>
+                <a:solidFill>
+                  <a:srgbClr val="FF0000"/>
+                </a:solidFill>
+                <a:effectLst/>
+                <a:latin typeface="Arial Unicode MS"/>
+                <a:ea typeface="JetBrains Mono"/>
+              </a:rPr>
+              <a:t>17</a:t>
+            </a:r>
+            <a:r>
+              <a:rPr kumimoji="0" lang="ko-KR" altLang="ko-KR" sz="1400" b="0" i="0" u="none" strike="noStrike" cap="none" normalizeH="0" baseline="0" dirty="0">
+                <a:ln>
+                  <a:noFill/>
+                </a:ln>
+                <a:solidFill>
+                  <a:srgbClr val="FF0000"/>
+                </a:solidFill>
+                <a:effectLst/>
+                <a:latin typeface="Arial Unicode MS"/>
+                <a:ea typeface="JetBrains Mono"/>
+              </a:rPr>
+              <a:t>]+'</a:t>
+            </a:r>
+            <a:r>
+              <a:rPr kumimoji="0" lang="ko-KR" altLang="ko-KR" sz="1400" b="0" i="0" u="none" strike="noStrike" cap="none" normalizeH="0" baseline="0" dirty="0" err="1">
+                <a:ln>
+                  <a:noFill/>
+                </a:ln>
+                <a:solidFill>
+                  <a:srgbClr val="FF0000"/>
+                </a:solidFill>
+                <a:effectLst/>
+                <a:latin typeface="Arial Unicode MS"/>
+                <a:ea typeface="JetBrains Mono"/>
+              </a:rPr>
+              <a:t>F</a:t>
+            </a:r>
+            <a:r>
+              <a:rPr kumimoji="0" lang="ko-KR" altLang="ko-KR" sz="1400" b="0" i="0" u="none" strike="noStrike" cap="none" normalizeH="0" baseline="0" dirty="0">
+                <a:ln>
+                  <a:noFill/>
+                </a:ln>
+                <a:solidFill>
+                  <a:srgbClr val="FF0000"/>
+                </a:solidFill>
+                <a:effectLst/>
+                <a:latin typeface="Arial Unicode MS"/>
+                <a:ea typeface="JetBrains Mono"/>
+              </a:rPr>
+              <a:t>, '+</a:t>
+            </a:r>
+            <a:r>
+              <a:rPr kumimoji="0" lang="ko-KR" altLang="ko-KR" sz="1400" b="0" i="0" u="none" strike="noStrike" cap="none" normalizeH="0" baseline="0" dirty="0" err="1">
+                <a:ln>
+                  <a:noFill/>
+                </a:ln>
+                <a:solidFill>
+                  <a:srgbClr val="FF0000"/>
+                </a:solidFill>
+                <a:effectLst/>
+                <a:latin typeface="Arial Unicode MS"/>
+                <a:ea typeface="JetBrains Mono"/>
+              </a:rPr>
+              <a:t>parsed</a:t>
+            </a:r>
+            <a:r>
+              <a:rPr kumimoji="0" lang="ko-KR" altLang="ko-KR" sz="1400" b="0" i="0" u="none" strike="noStrike" cap="none" normalizeH="0" baseline="0" dirty="0">
+                <a:ln>
+                  <a:noFill/>
+                </a:ln>
+                <a:solidFill>
+                  <a:srgbClr val="FF0000"/>
+                </a:solidFill>
+                <a:effectLst/>
+                <a:latin typeface="Arial Unicode MS"/>
+                <a:ea typeface="JetBrains Mono"/>
+              </a:rPr>
+              <a:t>[</a:t>
+            </a:r>
+            <a:r>
+              <a:rPr kumimoji="0" lang="ko-KR" altLang="ko-KR" sz="1400" b="1" i="0" u="none" strike="noStrike" cap="none" normalizeH="0" baseline="0" dirty="0">
+                <a:ln>
+                  <a:noFill/>
+                </a:ln>
+                <a:solidFill>
+                  <a:srgbClr val="FF0000"/>
+                </a:solidFill>
+                <a:effectLst/>
+                <a:latin typeface="Arial Unicode MS"/>
+                <a:ea typeface="JetBrains Mono"/>
+              </a:rPr>
+              <a:t>1</a:t>
+            </a:r>
+            <a:r>
+              <a:rPr kumimoji="0" lang="ko-KR" altLang="ko-KR" sz="1400" b="0" i="0" u="none" strike="noStrike" cap="none" normalizeH="0" baseline="0" dirty="0">
+                <a:ln>
+                  <a:noFill/>
+                </a:ln>
+                <a:solidFill>
+                  <a:srgbClr val="FF0000"/>
+                </a:solidFill>
+                <a:effectLst/>
+                <a:latin typeface="Arial Unicode MS"/>
+                <a:ea typeface="JetBrains Mono"/>
+              </a:rPr>
+              <a:t>].</a:t>
+            </a:r>
+            <a:r>
+              <a:rPr kumimoji="0" lang="ko-KR" altLang="ko-KR" sz="1400" b="0" i="0" u="none" strike="noStrike" cap="none" normalizeH="0" baseline="0" dirty="0" err="1">
+                <a:ln>
+                  <a:noFill/>
+                </a:ln>
+                <a:solidFill>
+                  <a:srgbClr val="FF0000"/>
+                </a:solidFill>
+                <a:effectLst/>
+                <a:latin typeface="Arial Unicode MS"/>
+                <a:ea typeface="JetBrains Mono"/>
+              </a:rPr>
+              <a:t>strip</a:t>
+            </a:r>
+            <a:r>
+              <a:rPr kumimoji="0" lang="ko-KR" altLang="ko-KR" sz="1400" b="0" i="0" u="none" strike="noStrike" cap="none" normalizeH="0" baseline="0" dirty="0">
+                <a:ln>
+                  <a:noFill/>
+                </a:ln>
+                <a:solidFill>
+                  <a:srgbClr val="FF0000"/>
+                </a:solidFill>
+                <a:effectLst/>
+                <a:latin typeface="Arial Unicode MS"/>
+                <a:ea typeface="JetBrains Mono"/>
+              </a:rPr>
+              <a:t>()+'</a:t>
+            </a:r>
+            <a:r>
+              <a:rPr kumimoji="0" lang="ko-KR" altLang="ko-KR" sz="1400" b="0" i="0" u="none" strike="noStrike" cap="none" normalizeH="0" baseline="0" dirty="0">
+                <a:ln>
+                  <a:noFill/>
+                </a:ln>
+                <a:solidFill>
+                  <a:srgbClr val="FF0000"/>
+                </a:solidFill>
+                <a:effectLst/>
+                <a:latin typeface="맑은 고딕" panose="020B0503020000020004" pitchFamily="50" charset="-127"/>
+                <a:ea typeface="맑은 고딕" panose="020B0503020000020004" pitchFamily="50" charset="-127"/>
+              </a:rPr>
+              <a:t>만원</a:t>
+            </a:r>
+            <a:r>
+              <a:rPr kumimoji="0" lang="ko-KR" altLang="ko-KR" sz="1400" b="0" i="0" u="none" strike="noStrike" cap="none" normalizeH="0" baseline="0" dirty="0">
+                <a:ln>
+                  <a:noFill/>
+                </a:ln>
+                <a:solidFill>
+                  <a:srgbClr val="FF0000"/>
+                </a:solidFill>
+                <a:effectLst/>
+                <a:latin typeface="Arial Unicode MS"/>
+                <a:ea typeface="JetBrains Mono"/>
+              </a:rPr>
+              <a:t>\</a:t>
+            </a:r>
+            <a:r>
+              <a:rPr kumimoji="0" lang="ko-KR" altLang="ko-KR" sz="1400" b="0" i="0" u="none" strike="noStrike" cap="none" normalizeH="0" baseline="0" dirty="0" err="1">
+                <a:ln>
+                  <a:noFill/>
+                </a:ln>
+                <a:solidFill>
+                  <a:srgbClr val="FF0000"/>
+                </a:solidFill>
+                <a:effectLst/>
+                <a:latin typeface="Arial Unicode MS"/>
+                <a:ea typeface="JetBrains Mono"/>
+              </a:rPr>
+              <a:t>n</a:t>
+            </a:r>
+            <a:r>
+              <a:rPr kumimoji="0" lang="ko-KR" altLang="ko-KR" sz="1400" b="0" i="0" u="none" strike="noStrike" cap="none" normalizeH="0" baseline="0" dirty="0">
+                <a:ln>
+                  <a:noFill/>
+                </a:ln>
+                <a:solidFill>
+                  <a:srgbClr val="FF0000"/>
+                </a:solidFill>
+                <a:effectLst/>
+                <a:latin typeface="Arial Unicode MS"/>
+                <a:ea typeface="JetBrains Mono"/>
               </a:rPr>
               <a:t>'</a:t>
             </a:r>
@@ -26762,15 +28584,6 @@
               </a:rPr>
               <a:t>)</a:t>
             </a:r>
-            <a:br>
-              <a:rPr kumimoji="0" lang="ko-KR" altLang="ko-KR" sz="1400" dirty="0">
-                <a:solidFill>
-                  <a:srgbClr val="000000"/>
-                </a:solidFill>
-                <a:latin typeface="굴림체" panose="020B0609000101010101" pitchFamily="49" charset="-127"/>
-                <a:ea typeface="굴림체" panose="020B0609000101010101" pitchFamily="49" charset="-127"/>
-              </a:rPr>
-            </a:br>
             <a:br>
               <a:rPr kumimoji="0" lang="ko-KR" altLang="ko-KR" sz="1400" dirty="0">
                 <a:solidFill>
@@ -27396,7 +29209,7 @@
 </p:sld>
 </file>
 
-<file path=ppt/slides/slide21.xml><?xml version="1.0" encoding="utf-8"?>
+<file path=ppt/slides/slide22.xml><?xml version="1.0" encoding="utf-8"?>
 <p:sld xmlns:a="http://schemas.openxmlformats.org/drawingml/2006/main" xmlns:r="http://schemas.openxmlformats.org/officeDocument/2006/relationships" xmlns:p="http://schemas.openxmlformats.org/presentationml/2006/main">
   <p:cSld>
     <p:spTree>
@@ -27870,7 +29683,7 @@
               <a:pPr eaLnBrk="1" hangingPunct="1">
                 <a:defRPr/>
               </a:pPr>
-              <a:t>21</a:t>
+              <a:t>22</a:t>
             </a:fld>
             <a:endParaRPr lang="en-US" altLang="ko-KR" sz="1400" dirty="0"/>
           </a:p>
@@ -29288,7 +31101,7 @@
 </p:sld>
 </file>
 
-<file path=ppt/slides/slide22.xml><?xml version="1.0" encoding="utf-8"?>
+<file path=ppt/slides/slide23.xml><?xml version="1.0" encoding="utf-8"?>
 <p:sld xmlns:a="http://schemas.openxmlformats.org/drawingml/2006/main" xmlns:r="http://schemas.openxmlformats.org/officeDocument/2006/relationships" xmlns:p="http://schemas.openxmlformats.org/presentationml/2006/main">
   <p:cSld>
     <p:spTree>
@@ -29796,7 +31609,7 @@
               <a:pPr eaLnBrk="1" hangingPunct="1">
                 <a:defRPr/>
               </a:pPr>
-              <a:t>22</a:t>
+              <a:t>23</a:t>
             </a:fld>
             <a:endParaRPr lang="en-US" altLang="ko-KR" sz="1400" dirty="0"/>
           </a:p>
@@ -31971,7 +33784,7 @@
 </p:sld>
 </file>
 
-<file path=ppt/slides/slide23.xml><?xml version="1.0" encoding="utf-8"?>
+<file path=ppt/slides/slide24.xml><?xml version="1.0" encoding="utf-8"?>
 <p:sld xmlns:a="http://schemas.openxmlformats.org/drawingml/2006/main" xmlns:r="http://schemas.openxmlformats.org/officeDocument/2006/relationships" xmlns:p="http://schemas.openxmlformats.org/presentationml/2006/main">
   <p:cSld>
     <p:spTree>
@@ -32463,7 +34276,7 @@
               <a:pPr eaLnBrk="1" hangingPunct="1">
                 <a:defRPr/>
               </a:pPr>
-              <a:t>23</a:t>
+              <a:t>24</a:t>
             </a:fld>
             <a:endParaRPr lang="en-US" altLang="ko-KR" sz="1400" dirty="0"/>
           </a:p>
@@ -36121,45 +37934,6 @@
               <a:rPr lang="ko-KR" altLang="en-US" sz="2000" b="1" dirty="0"/>
               <a:t> 봇에서 사용자에게 메시지 전달</a:t>
             </a:r>
-            <a:endParaRPr lang="en-US" altLang="ko-KR" sz="2000" b="1" dirty="0"/>
-          </a:p>
-          <a:p>
-            <a:pPr lvl="1" eaLnBrk="1" hangingPunct="1">
-              <a:buFont typeface="Wingdings" panose="05000000000000000000" pitchFamily="2" charset="2"/>
-              <a:buChar char="§"/>
-            </a:pPr>
-            <a:r>
-              <a:rPr lang="ko-KR" altLang="en-US" sz="1600" b="1" dirty="0">
-                <a:solidFill>
-                  <a:schemeClr val="accent2"/>
-                </a:solidFill>
-              </a:rPr>
-              <a:t>사용자 </a:t>
-            </a:r>
-            <a:r>
-              <a:rPr lang="en-US" altLang="ko-KR" sz="1600" b="1" dirty="0" err="1">
-                <a:solidFill>
-                  <a:schemeClr val="accent2"/>
-                </a:solidFill>
-              </a:rPr>
-              <a:t>chat_ID</a:t>
-            </a:r>
-            <a:r>
-              <a:rPr lang="en-US" altLang="ko-KR" sz="1600" b="1" dirty="0">
-                <a:solidFill>
-                  <a:schemeClr val="accent2"/>
-                </a:solidFill>
-              </a:rPr>
-              <a:t> </a:t>
-            </a:r>
-            <a:r>
-              <a:rPr lang="ko-KR" altLang="en-US" sz="1600" b="1" dirty="0">
-                <a:solidFill>
-                  <a:schemeClr val="accent2"/>
-                </a:solidFill>
-              </a:rPr>
-              <a:t>필요</a:t>
-            </a:r>
             <a:endParaRPr lang="en-US" altLang="ko-KR" sz="1600" b="1" dirty="0">
               <a:solidFill>
                 <a:schemeClr val="accent2"/>
@@ -36167,10 +37941,109 @@
             </a:endParaRPr>
           </a:p>
           <a:p>
-            <a:pPr eaLnBrk="1" hangingPunct="1">
+            <a:pPr lvl="1" eaLnBrk="1" hangingPunct="1">
               <a:buFont typeface="Wingdings" panose="05000000000000000000" pitchFamily="2" charset="2"/>
               <a:buChar char="§"/>
             </a:pPr>
+            <a:r>
+              <a:rPr lang="ko-KR" altLang="en-US" sz="1600" b="1" dirty="0">
+                <a:solidFill>
+                  <a:schemeClr val="accent2"/>
+                </a:solidFill>
+              </a:rPr>
+              <a:t>생성한 봇에서 </a:t>
+            </a:r>
+            <a:r>
+              <a:rPr lang="en-US" altLang="ko-KR" sz="1600" b="1" dirty="0">
+                <a:solidFill>
+                  <a:schemeClr val="accent2"/>
+                </a:solidFill>
+              </a:rPr>
+              <a:t>‘</a:t>
+            </a:r>
+            <a:r>
+              <a:rPr lang="ko-KR" altLang="en-US" sz="1600" b="1" dirty="0">
+                <a:solidFill>
+                  <a:schemeClr val="accent2"/>
+                </a:solidFill>
+              </a:rPr>
+              <a:t>시작</a:t>
+            </a:r>
+            <a:r>
+              <a:rPr lang="en-US" altLang="ko-KR" sz="1600" b="1" dirty="0">
+                <a:solidFill>
+                  <a:schemeClr val="accent2"/>
+                </a:solidFill>
+              </a:rPr>
+              <a:t>’ </a:t>
+            </a:r>
+            <a:r>
+              <a:rPr lang="ko-KR" altLang="en-US" sz="1600" b="1" dirty="0">
+                <a:solidFill>
+                  <a:schemeClr val="accent2"/>
+                </a:solidFill>
+              </a:rPr>
+              <a:t>눌러야 메시지 보낼 수 있음</a:t>
+            </a:r>
+            <a:endParaRPr lang="en-US" altLang="ko-KR" sz="1600" b="1" dirty="0">
+              <a:solidFill>
+                <a:schemeClr val="accent2"/>
+              </a:solidFill>
+            </a:endParaRPr>
+          </a:p>
+          <a:p>
+            <a:pPr lvl="1" eaLnBrk="1" hangingPunct="1">
+              <a:buFont typeface="Wingdings" panose="05000000000000000000" pitchFamily="2" charset="2"/>
+              <a:buChar char="§"/>
+            </a:pPr>
+            <a:r>
+              <a:rPr lang="ko-KR" altLang="en-US" sz="1600" b="1" dirty="0">
+                <a:solidFill>
+                  <a:schemeClr val="accent2"/>
+                </a:solidFill>
+              </a:rPr>
+              <a:t>토큰과</a:t>
+            </a:r>
+            <a:r>
+              <a:rPr lang="en-US" altLang="ko-KR" sz="1600" b="1" dirty="0">
+                <a:solidFill>
+                  <a:schemeClr val="accent2"/>
+                </a:solidFill>
+              </a:rPr>
+              <a:t> @get_id_bot </a:t>
+            </a:r>
+            <a:r>
+              <a:rPr lang="ko-KR" altLang="en-US" sz="1600" b="1" dirty="0">
+                <a:solidFill>
+                  <a:schemeClr val="accent2"/>
+                </a:solidFill>
+              </a:rPr>
+              <a:t>검색 해서 사용자 </a:t>
+            </a:r>
+            <a:r>
+              <a:rPr lang="en-US" altLang="ko-KR" sz="1600" b="1" dirty="0" err="1">
+                <a:solidFill>
+                  <a:schemeClr val="accent2"/>
+                </a:solidFill>
+              </a:rPr>
+              <a:t>chat_ID</a:t>
+            </a:r>
+            <a:r>
+              <a:rPr lang="en-US" altLang="ko-KR" sz="1600" b="1" dirty="0">
+                <a:solidFill>
+                  <a:schemeClr val="accent2"/>
+                </a:solidFill>
+              </a:rPr>
+              <a:t> </a:t>
+            </a:r>
+            <a:r>
+              <a:rPr lang="ko-KR" altLang="en-US" sz="1600" b="1" dirty="0">
+                <a:solidFill>
+                  <a:schemeClr val="accent2"/>
+                </a:solidFill>
+              </a:rPr>
+              <a:t>필요</a:t>
+            </a:r>
             <a:endParaRPr lang="en-US" altLang="ko-KR" sz="1600" dirty="0"/>
           </a:p>
         </p:txBody>
@@ -37280,6 +39153,672 @@
               <a:buChar char="§"/>
             </a:pPr>
             <a:r>
+              <a:rPr lang="ko-KR" altLang="en-US" sz="2000" b="1" dirty="0">
+                <a:solidFill>
+                  <a:schemeClr val="accent2"/>
+                </a:solidFill>
+              </a:rPr>
+              <a:t>생성한 봇을 검색해서 </a:t>
+            </a:r>
+            <a:r>
+              <a:rPr lang="en-US" altLang="ko-KR" sz="2000" b="1" dirty="0">
+                <a:solidFill>
+                  <a:schemeClr val="accent2"/>
+                </a:solidFill>
+              </a:rPr>
+              <a:t>‘</a:t>
+            </a:r>
+            <a:r>
+              <a:rPr lang="ko-KR" altLang="en-US" sz="2000" b="1" dirty="0">
+                <a:solidFill>
+                  <a:schemeClr val="accent2"/>
+                </a:solidFill>
+              </a:rPr>
+              <a:t>시작</a:t>
+            </a:r>
+            <a:r>
+              <a:rPr lang="en-US" altLang="ko-KR" sz="2000" b="1" dirty="0">
+                <a:solidFill>
+                  <a:schemeClr val="accent2"/>
+                </a:solidFill>
+              </a:rPr>
+              <a:t>’ </a:t>
+            </a:r>
+            <a:r>
+              <a:rPr lang="ko-KR" altLang="en-US" sz="2000" b="1" dirty="0">
+                <a:solidFill>
+                  <a:schemeClr val="accent2"/>
+                </a:solidFill>
+              </a:rPr>
+              <a:t>을 누른다</a:t>
+            </a:r>
+            <a:endParaRPr lang="en-US" altLang="ko-KR" sz="1600" dirty="0"/>
+          </a:p>
+        </p:txBody>
+      </p:sp>
+      <p:sp>
+        <p:nvSpPr>
+          <p:cNvPr id="8" name="슬라이드 번호 개체 틀 7"/>
+          <p:cNvSpPr>
+            <a:spLocks noGrp="1"/>
+          </p:cNvSpPr>
+          <p:nvPr>
+            <p:ph type="sldNum" sz="quarter" idx="10"/>
+          </p:nvPr>
+        </p:nvSpPr>
+        <p:spPr/>
+        <p:txBody>
+          <a:bodyPr/>
+          <a:lstStyle>
+            <a:lvl1pPr eaLnBrk="0" hangingPunct="0">
+              <a:defRPr kumimoji="1" sz="2400">
+                <a:solidFill>
+                  <a:schemeClr val="tx1"/>
+                </a:solidFill>
+                <a:latin typeface="Times New Roman" panose="02020603050405020304" pitchFamily="18" charset="0"/>
+                <a:ea typeface="굴림" panose="020B0600000101010101" pitchFamily="50" charset="-127"/>
+              </a:defRPr>
+            </a:lvl1pPr>
+            <a:lvl2pPr marL="742950" indent="-285750" eaLnBrk="0" hangingPunct="0">
+              <a:defRPr kumimoji="1" sz="2400">
+                <a:solidFill>
+                  <a:schemeClr val="tx1"/>
+                </a:solidFill>
+                <a:latin typeface="Times New Roman" panose="02020603050405020304" pitchFamily="18" charset="0"/>
+                <a:ea typeface="굴림" panose="020B0600000101010101" pitchFamily="50" charset="-127"/>
+              </a:defRPr>
+            </a:lvl2pPr>
+            <a:lvl3pPr marL="1143000" indent="-228600" eaLnBrk="0" hangingPunct="0">
+              <a:defRPr kumimoji="1" sz="2400">
+                <a:solidFill>
+                  <a:schemeClr val="tx1"/>
+                </a:solidFill>
+                <a:latin typeface="Times New Roman" panose="02020603050405020304" pitchFamily="18" charset="0"/>
+                <a:ea typeface="굴림" panose="020B0600000101010101" pitchFamily="50" charset="-127"/>
+              </a:defRPr>
+            </a:lvl3pPr>
+            <a:lvl4pPr marL="1600200" indent="-228600" eaLnBrk="0" hangingPunct="0">
+              <a:defRPr kumimoji="1" sz="2400">
+                <a:solidFill>
+                  <a:schemeClr val="tx1"/>
+                </a:solidFill>
+                <a:latin typeface="Times New Roman" panose="02020603050405020304" pitchFamily="18" charset="0"/>
+                <a:ea typeface="굴림" panose="020B0600000101010101" pitchFamily="50" charset="-127"/>
+              </a:defRPr>
+            </a:lvl4pPr>
+            <a:lvl5pPr marL="2057400" indent="-228600" eaLnBrk="0" hangingPunct="0">
+              <a:defRPr kumimoji="1" sz="2400">
+                <a:solidFill>
+                  <a:schemeClr val="tx1"/>
+                </a:solidFill>
+                <a:latin typeface="Times New Roman" panose="02020603050405020304" pitchFamily="18" charset="0"/>
+                <a:ea typeface="굴림" panose="020B0600000101010101" pitchFamily="50" charset="-127"/>
+              </a:defRPr>
+            </a:lvl5pPr>
+            <a:lvl6pPr marL="2514600" indent="-228600" eaLnBrk="0" fontAlgn="base" hangingPunct="0">
+              <a:spcBef>
+                <a:spcPct val="0"/>
+              </a:spcBef>
+              <a:spcAft>
+                <a:spcPct val="0"/>
+              </a:spcAft>
+              <a:defRPr kumimoji="1" sz="2400">
+                <a:solidFill>
+                  <a:schemeClr val="tx1"/>
+                </a:solidFill>
+                <a:latin typeface="Times New Roman" panose="02020603050405020304" pitchFamily="18" charset="0"/>
+                <a:ea typeface="굴림" panose="020B0600000101010101" pitchFamily="50" charset="-127"/>
+              </a:defRPr>
+            </a:lvl6pPr>
+            <a:lvl7pPr marL="2971800" indent="-228600" eaLnBrk="0" fontAlgn="base" hangingPunct="0">
+              <a:spcBef>
+                <a:spcPct val="0"/>
+              </a:spcBef>
+              <a:spcAft>
+                <a:spcPct val="0"/>
+              </a:spcAft>
+              <a:defRPr kumimoji="1" sz="2400">
+                <a:solidFill>
+                  <a:schemeClr val="tx1"/>
+                </a:solidFill>
+                <a:latin typeface="Times New Roman" panose="02020603050405020304" pitchFamily="18" charset="0"/>
+                <a:ea typeface="굴림" panose="020B0600000101010101" pitchFamily="50" charset="-127"/>
+              </a:defRPr>
+            </a:lvl7pPr>
+            <a:lvl8pPr marL="3429000" indent="-228600" eaLnBrk="0" fontAlgn="base" hangingPunct="0">
+              <a:spcBef>
+                <a:spcPct val="0"/>
+              </a:spcBef>
+              <a:spcAft>
+                <a:spcPct val="0"/>
+              </a:spcAft>
+              <a:defRPr kumimoji="1" sz="2400">
+                <a:solidFill>
+                  <a:schemeClr val="tx1"/>
+                </a:solidFill>
+                <a:latin typeface="Times New Roman" panose="02020603050405020304" pitchFamily="18" charset="0"/>
+                <a:ea typeface="굴림" panose="020B0600000101010101" pitchFamily="50" charset="-127"/>
+              </a:defRPr>
+            </a:lvl8pPr>
+            <a:lvl9pPr marL="3886200" indent="-228600" eaLnBrk="0" fontAlgn="base" hangingPunct="0">
+              <a:spcBef>
+                <a:spcPct val="0"/>
+              </a:spcBef>
+              <a:spcAft>
+                <a:spcPct val="0"/>
+              </a:spcAft>
+              <a:defRPr kumimoji="1" sz="2400">
+                <a:solidFill>
+                  <a:schemeClr val="tx1"/>
+                </a:solidFill>
+                <a:latin typeface="Times New Roman" panose="02020603050405020304" pitchFamily="18" charset="0"/>
+                <a:ea typeface="굴림" panose="020B0600000101010101" pitchFamily="50" charset="-127"/>
+              </a:defRPr>
+            </a:lvl9pPr>
+          </a:lstStyle>
+          <a:p>
+            <a:pPr eaLnBrk="1" hangingPunct="1">
+              <a:defRPr/>
+            </a:pPr>
+            <a:r>
+              <a:rPr lang="en-US" altLang="ko-KR" sz="1200" dirty="0"/>
+              <a:t> 25-</a:t>
+            </a:r>
+            <a:fld id="{E543E660-5BD7-4DE8-B2D5-3B53773227AF}" type="slidenum">
+              <a:rPr lang="en-US" altLang="ko-KR" sz="1200" smtClean="0">
+                <a:effectLst>
+                  <a:outerShdw blurRad="38100" dist="38100" dir="2700000" algn="tl">
+                    <a:srgbClr val="C0C0C0"/>
+                  </a:outerShdw>
+                </a:effectLst>
+              </a:rPr>
+              <a:pPr eaLnBrk="1" hangingPunct="1">
+                <a:defRPr/>
+              </a:pPr>
+              <a:t>8</a:t>
+            </a:fld>
+            <a:endParaRPr lang="en-US" altLang="ko-KR" sz="1400" dirty="0"/>
+          </a:p>
+        </p:txBody>
+      </p:sp>
+      <p:sp>
+        <p:nvSpPr>
+          <p:cNvPr id="25606" name="TextBox 4"/>
+          <p:cNvSpPr txBox="1">
+            <a:spLocks noChangeArrowheads="1"/>
+          </p:cNvSpPr>
+          <p:nvPr/>
+        </p:nvSpPr>
+        <p:spPr bwMode="auto">
+          <a:xfrm>
+            <a:off x="4295775" y="1155700"/>
+            <a:ext cx="185738" cy="461963"/>
+          </a:xfrm>
+          <a:prstGeom prst="rect">
+            <a:avLst/>
+          </a:prstGeom>
+          <a:noFill/>
+          <a:ln>
+            <a:noFill/>
+          </a:ln>
+          <a:extLst>
+            <a:ext uri="{909E8E84-426E-40DD-AFC4-6F175D3DCCD1}">
+              <a14:hiddenFill xmlns:a14="http://schemas.microsoft.com/office/drawing/2010/main">
+                <a:solidFill>
+                  <a:srgbClr val="FFFFFF"/>
+                </a:solidFill>
+              </a14:hiddenFill>
+            </a:ext>
+            <a:ext uri="{91240B29-F687-4F45-9708-019B960494DF}">
+              <a14:hiddenLine xmlns:a14="http://schemas.microsoft.com/office/drawing/2010/main" w="9525">
+                <a:solidFill>
+                  <a:srgbClr val="000000"/>
+                </a:solidFill>
+                <a:miter lim="800000"/>
+                <a:headEnd/>
+                <a:tailEnd/>
+              </a14:hiddenLine>
+            </a:ext>
+          </a:extLst>
+        </p:spPr>
+        <p:txBody>
+          <a:bodyPr wrap="none">
+            <a:spAutoFit/>
+          </a:bodyPr>
+          <a:lstStyle>
+            <a:lvl1pPr latinLnBrk="1">
+              <a:spcBef>
+                <a:spcPct val="20000"/>
+              </a:spcBef>
+              <a:buChar char="•"/>
+              <a:defRPr kumimoji="1" sz="3200">
+                <a:solidFill>
+                  <a:schemeClr val="tx1"/>
+                </a:solidFill>
+                <a:latin typeface="Times New Roman" panose="02020603050405020304" pitchFamily="18" charset="0"/>
+                <a:ea typeface="굴림" panose="020B0600000101010101" pitchFamily="50" charset="-127"/>
+              </a:defRPr>
+            </a:lvl1pPr>
+            <a:lvl2pPr marL="742950" indent="-285750" latinLnBrk="1">
+              <a:spcBef>
+                <a:spcPct val="20000"/>
+              </a:spcBef>
+              <a:buChar char="–"/>
+              <a:defRPr kumimoji="1" sz="2800">
+                <a:solidFill>
+                  <a:schemeClr val="tx1"/>
+                </a:solidFill>
+                <a:latin typeface="Times New Roman" panose="02020603050405020304" pitchFamily="18" charset="0"/>
+                <a:ea typeface="굴림" panose="020B0600000101010101" pitchFamily="50" charset="-127"/>
+              </a:defRPr>
+            </a:lvl2pPr>
+            <a:lvl3pPr marL="1143000" indent="-228600" latinLnBrk="1">
+              <a:spcBef>
+                <a:spcPct val="20000"/>
+              </a:spcBef>
+              <a:buChar char="•"/>
+              <a:defRPr kumimoji="1" sz="2400">
+                <a:solidFill>
+                  <a:schemeClr val="tx1"/>
+                </a:solidFill>
+                <a:latin typeface="Times New Roman" panose="02020603050405020304" pitchFamily="18" charset="0"/>
+                <a:ea typeface="굴림" panose="020B0600000101010101" pitchFamily="50" charset="-127"/>
+              </a:defRPr>
+            </a:lvl3pPr>
+            <a:lvl4pPr marL="1600200" indent="-228600" latinLnBrk="1">
+              <a:spcBef>
+                <a:spcPct val="20000"/>
+              </a:spcBef>
+              <a:buChar char="–"/>
+              <a:defRPr kumimoji="1" sz="2000">
+                <a:solidFill>
+                  <a:schemeClr val="tx1"/>
+                </a:solidFill>
+                <a:latin typeface="Times New Roman" panose="02020603050405020304" pitchFamily="18" charset="0"/>
+                <a:ea typeface="굴림" panose="020B0600000101010101" pitchFamily="50" charset="-127"/>
+              </a:defRPr>
+            </a:lvl4pPr>
+            <a:lvl5pPr marL="2057400" indent="-228600" latinLnBrk="1">
+              <a:spcBef>
+                <a:spcPct val="20000"/>
+              </a:spcBef>
+              <a:buChar char="»"/>
+              <a:defRPr kumimoji="1" sz="2000">
+                <a:solidFill>
+                  <a:schemeClr val="tx1"/>
+                </a:solidFill>
+                <a:latin typeface="Times New Roman" panose="02020603050405020304" pitchFamily="18" charset="0"/>
+                <a:ea typeface="굴림" panose="020B0600000101010101" pitchFamily="50" charset="-127"/>
+              </a:defRPr>
+            </a:lvl5pPr>
+            <a:lvl6pPr marL="2514600" indent="-228600" eaLnBrk="0" fontAlgn="base" hangingPunct="0">
+              <a:spcBef>
+                <a:spcPct val="20000"/>
+              </a:spcBef>
+              <a:spcAft>
+                <a:spcPct val="0"/>
+              </a:spcAft>
+              <a:buChar char="»"/>
+              <a:defRPr kumimoji="1" sz="2000">
+                <a:solidFill>
+                  <a:schemeClr val="tx1"/>
+                </a:solidFill>
+                <a:latin typeface="Times New Roman" panose="02020603050405020304" pitchFamily="18" charset="0"/>
+                <a:ea typeface="굴림" panose="020B0600000101010101" pitchFamily="50" charset="-127"/>
+              </a:defRPr>
+            </a:lvl6pPr>
+            <a:lvl7pPr marL="2971800" indent="-228600" eaLnBrk="0" fontAlgn="base" hangingPunct="0">
+              <a:spcBef>
+                <a:spcPct val="20000"/>
+              </a:spcBef>
+              <a:spcAft>
+                <a:spcPct val="0"/>
+              </a:spcAft>
+              <a:buChar char="»"/>
+              <a:defRPr kumimoji="1" sz="2000">
+                <a:solidFill>
+                  <a:schemeClr val="tx1"/>
+                </a:solidFill>
+                <a:latin typeface="Times New Roman" panose="02020603050405020304" pitchFamily="18" charset="0"/>
+                <a:ea typeface="굴림" panose="020B0600000101010101" pitchFamily="50" charset="-127"/>
+              </a:defRPr>
+            </a:lvl7pPr>
+            <a:lvl8pPr marL="3429000" indent="-228600" eaLnBrk="0" fontAlgn="base" hangingPunct="0">
+              <a:spcBef>
+                <a:spcPct val="20000"/>
+              </a:spcBef>
+              <a:spcAft>
+                <a:spcPct val="0"/>
+              </a:spcAft>
+              <a:buChar char="»"/>
+              <a:defRPr kumimoji="1" sz="2000">
+                <a:solidFill>
+                  <a:schemeClr val="tx1"/>
+                </a:solidFill>
+                <a:latin typeface="Times New Roman" panose="02020603050405020304" pitchFamily="18" charset="0"/>
+                <a:ea typeface="굴림" panose="020B0600000101010101" pitchFamily="50" charset="-127"/>
+              </a:defRPr>
+            </a:lvl8pPr>
+            <a:lvl9pPr marL="3886200" indent="-228600" eaLnBrk="0" fontAlgn="base" hangingPunct="0">
+              <a:spcBef>
+                <a:spcPct val="20000"/>
+              </a:spcBef>
+              <a:spcAft>
+                <a:spcPct val="0"/>
+              </a:spcAft>
+              <a:buChar char="»"/>
+              <a:defRPr kumimoji="1" sz="2000">
+                <a:solidFill>
+                  <a:schemeClr val="tx1"/>
+                </a:solidFill>
+                <a:latin typeface="Times New Roman" panose="02020603050405020304" pitchFamily="18" charset="0"/>
+                <a:ea typeface="굴림" panose="020B0600000101010101" pitchFamily="50" charset="-127"/>
+              </a:defRPr>
+            </a:lvl9pPr>
+          </a:lstStyle>
+          <a:p>
+            <a:pPr latinLnBrk="0">
+              <a:spcBef>
+                <a:spcPct val="0"/>
+              </a:spcBef>
+              <a:buFontTx/>
+              <a:buNone/>
+            </a:pPr>
+            <a:endParaRPr kumimoji="0" lang="ko-KR" altLang="en-US" sz="2400"/>
+          </a:p>
+        </p:txBody>
+      </p:sp>
+      <p:pic>
+        <p:nvPicPr>
+          <p:cNvPr id="5" name="그림 4">
+            <a:extLst>
+              <a:ext uri="{FF2B5EF4-FFF2-40B4-BE49-F238E27FC236}">
+                <a16:creationId xmlns:a16="http://schemas.microsoft.com/office/drawing/2014/main" id="{CDCD3424-C402-FCA7-EBE4-33D1B298668D}"/>
+              </a:ext>
+            </a:extLst>
+          </p:cNvPr>
+          <p:cNvPicPr>
+            <a:picLocks noChangeAspect="1"/>
+          </p:cNvPicPr>
+          <p:nvPr/>
+        </p:nvPicPr>
+        <p:blipFill>
+          <a:blip r:embed="rId3"/>
+          <a:stretch>
+            <a:fillRect/>
+          </a:stretch>
+        </p:blipFill>
+        <p:spPr>
+          <a:xfrm>
+            <a:off x="1405880" y="1173303"/>
+            <a:ext cx="6151266" cy="4967147"/>
+          </a:xfrm>
+          <a:prstGeom prst="rect">
+            <a:avLst/>
+          </a:prstGeom>
+          <a:ln>
+            <a:solidFill>
+              <a:schemeClr val="tx1"/>
+            </a:solidFill>
+          </a:ln>
+        </p:spPr>
+      </p:pic>
+    </p:spTree>
+    <p:extLst>
+      <p:ext uri="{BB962C8B-B14F-4D97-AF65-F5344CB8AC3E}">
+        <p14:creationId xmlns:p14="http://schemas.microsoft.com/office/powerpoint/2010/main" val="594854638"/>
+      </p:ext>
+    </p:extLst>
+  </p:cSld>
+  <p:clrMapOvr>
+    <a:masterClrMapping/>
+  </p:clrMapOvr>
+</p:sld>
+</file>
+
+<file path=ppt/slides/slide9.xml><?xml version="1.0" encoding="utf-8"?>
+<p:sld xmlns:a="http://schemas.openxmlformats.org/drawingml/2006/main" xmlns:r="http://schemas.openxmlformats.org/officeDocument/2006/relationships" xmlns:p="http://schemas.openxmlformats.org/presentationml/2006/main">
+  <p:cSld>
+    <p:spTree>
+      <p:nvGrpSpPr>
+        <p:cNvPr id="1" name=""/>
+        <p:cNvGrpSpPr/>
+        <p:nvPr/>
+      </p:nvGrpSpPr>
+      <p:grpSpPr>
+        <a:xfrm>
+          <a:off x="0" y="0"/>
+          <a:ext cx="0" cy="0"/>
+          <a:chOff x="0" y="0"/>
+          <a:chExt cx="0" cy="0"/>
+        </a:xfrm>
+      </p:grpSpPr>
+      <p:sp>
+        <p:nvSpPr>
+          <p:cNvPr id="337922" name="Rectangle 2" descr="흰색 대리석"/>
+          <p:cNvSpPr>
+            <a:spLocks noGrp="1" noChangeArrowheads="1"/>
+          </p:cNvSpPr>
+          <p:nvPr>
+            <p:ph type="title"/>
+          </p:nvPr>
+        </p:nvSpPr>
+        <p:spPr>
+          <a:xfrm>
+            <a:off x="153988" y="157163"/>
+            <a:ext cx="7772400" cy="457200"/>
+          </a:xfrm>
+        </p:spPr>
+        <p:txBody>
+          <a:bodyPr/>
+          <a:lstStyle/>
+          <a:p>
+            <a:pPr eaLnBrk="1" hangingPunct="1">
+              <a:defRPr/>
+            </a:pPr>
+            <a:r>
+              <a:rPr lang="ko-KR" altLang="en-US" dirty="0" err="1"/>
+              <a:t>텔레그램</a:t>
+            </a:r>
+            <a:r>
+              <a:rPr lang="ko-KR" altLang="en-US" dirty="0"/>
+              <a:t> </a:t>
+            </a:r>
+            <a:r>
+              <a:rPr lang="en-US" altLang="ko-KR" dirty="0" err="1"/>
+              <a:t>Telepot</a:t>
+            </a:r>
+            <a:r>
+              <a:rPr lang="en-US" altLang="ko-KR" dirty="0"/>
+              <a:t> </a:t>
+            </a:r>
+            <a:r>
+              <a:rPr lang="ko-KR" altLang="en-US" dirty="0"/>
+              <a:t>모듈</a:t>
+            </a:r>
+            <a:endParaRPr lang="en-US" altLang="ko-KR" dirty="0"/>
+          </a:p>
+        </p:txBody>
+      </p:sp>
+      <p:sp>
+        <p:nvSpPr>
+          <p:cNvPr id="25603" name="Rectangle 33"/>
+          <p:cNvSpPr>
+            <a:spLocks noChangeArrowheads="1"/>
+          </p:cNvSpPr>
+          <p:nvPr/>
+        </p:nvSpPr>
+        <p:spPr bwMode="auto">
+          <a:xfrm>
+            <a:off x="266700" y="803275"/>
+            <a:ext cx="8572500" cy="5148263"/>
+          </a:xfrm>
+          <a:prstGeom prst="rect">
+            <a:avLst/>
+          </a:prstGeom>
+          <a:noFill/>
+          <a:ln>
+            <a:noFill/>
+          </a:ln>
+          <a:extLst>
+            <a:ext uri="{909E8E84-426E-40DD-AFC4-6F175D3DCCD1}">
+              <a14:hiddenFill xmlns:a14="http://schemas.microsoft.com/office/drawing/2010/main">
+                <a:solidFill>
+                  <a:srgbClr val="FFFFFF"/>
+                </a:solidFill>
+              </a14:hiddenFill>
+            </a:ext>
+            <a:ext uri="{91240B29-F687-4F45-9708-019B960494DF}">
+              <a14:hiddenLine xmlns:a14="http://schemas.microsoft.com/office/drawing/2010/main" w="9525">
+                <a:solidFill>
+                  <a:srgbClr val="000000"/>
+                </a:solidFill>
+                <a:miter lim="800000"/>
+                <a:headEnd/>
+                <a:tailEnd/>
+              </a14:hiddenLine>
+            </a:ext>
+          </a:extLst>
+        </p:spPr>
+        <p:txBody>
+          <a:bodyPr/>
+          <a:lstStyle>
+            <a:lvl1pPr marL="342900" indent="-342900" latinLnBrk="1">
+              <a:spcBef>
+                <a:spcPct val="20000"/>
+              </a:spcBef>
+              <a:buChar char="•"/>
+              <a:defRPr kumimoji="1" sz="3200">
+                <a:solidFill>
+                  <a:schemeClr val="tx1"/>
+                </a:solidFill>
+                <a:latin typeface="Times New Roman" panose="02020603050405020304" pitchFamily="18" charset="0"/>
+                <a:ea typeface="굴림" panose="020B0600000101010101" pitchFamily="50" charset="-127"/>
+              </a:defRPr>
+            </a:lvl1pPr>
+            <a:lvl2pPr marL="742950" indent="-285750" latinLnBrk="1">
+              <a:spcBef>
+                <a:spcPct val="20000"/>
+              </a:spcBef>
+              <a:buChar char="–"/>
+              <a:defRPr kumimoji="1" sz="2800">
+                <a:solidFill>
+                  <a:schemeClr val="tx1"/>
+                </a:solidFill>
+                <a:latin typeface="Times New Roman" panose="02020603050405020304" pitchFamily="18" charset="0"/>
+                <a:ea typeface="굴림" panose="020B0600000101010101" pitchFamily="50" charset="-127"/>
+              </a:defRPr>
+            </a:lvl2pPr>
+            <a:lvl3pPr marL="1143000" indent="-228600" latinLnBrk="1">
+              <a:spcBef>
+                <a:spcPct val="20000"/>
+              </a:spcBef>
+              <a:buChar char="•"/>
+              <a:defRPr kumimoji="1" sz="2400">
+                <a:solidFill>
+                  <a:schemeClr val="tx1"/>
+                </a:solidFill>
+                <a:latin typeface="Times New Roman" panose="02020603050405020304" pitchFamily="18" charset="0"/>
+                <a:ea typeface="굴림" panose="020B0600000101010101" pitchFamily="50" charset="-127"/>
+              </a:defRPr>
+            </a:lvl3pPr>
+            <a:lvl4pPr marL="1600200" indent="-228600" latinLnBrk="1">
+              <a:spcBef>
+                <a:spcPct val="20000"/>
+              </a:spcBef>
+              <a:buChar char="–"/>
+              <a:defRPr kumimoji="1" sz="2000">
+                <a:solidFill>
+                  <a:schemeClr val="tx1"/>
+                </a:solidFill>
+                <a:latin typeface="Times New Roman" panose="02020603050405020304" pitchFamily="18" charset="0"/>
+                <a:ea typeface="굴림" panose="020B0600000101010101" pitchFamily="50" charset="-127"/>
+              </a:defRPr>
+            </a:lvl4pPr>
+            <a:lvl5pPr marL="2057400" indent="-228600" latinLnBrk="1">
+              <a:spcBef>
+                <a:spcPct val="20000"/>
+              </a:spcBef>
+              <a:buChar char="»"/>
+              <a:defRPr kumimoji="1" sz="2000">
+                <a:solidFill>
+                  <a:schemeClr val="tx1"/>
+                </a:solidFill>
+                <a:latin typeface="Times New Roman" panose="02020603050405020304" pitchFamily="18" charset="0"/>
+                <a:ea typeface="굴림" panose="020B0600000101010101" pitchFamily="50" charset="-127"/>
+              </a:defRPr>
+            </a:lvl5pPr>
+            <a:lvl6pPr marL="2514600" indent="-228600" eaLnBrk="0" fontAlgn="base" hangingPunct="0">
+              <a:spcBef>
+                <a:spcPct val="20000"/>
+              </a:spcBef>
+              <a:spcAft>
+                <a:spcPct val="0"/>
+              </a:spcAft>
+              <a:buChar char="»"/>
+              <a:defRPr kumimoji="1" sz="2000">
+                <a:solidFill>
+                  <a:schemeClr val="tx1"/>
+                </a:solidFill>
+                <a:latin typeface="Times New Roman" panose="02020603050405020304" pitchFamily="18" charset="0"/>
+                <a:ea typeface="굴림" panose="020B0600000101010101" pitchFamily="50" charset="-127"/>
+              </a:defRPr>
+            </a:lvl6pPr>
+            <a:lvl7pPr marL="2971800" indent="-228600" eaLnBrk="0" fontAlgn="base" hangingPunct="0">
+              <a:spcBef>
+                <a:spcPct val="20000"/>
+              </a:spcBef>
+              <a:spcAft>
+                <a:spcPct val="0"/>
+              </a:spcAft>
+              <a:buChar char="»"/>
+              <a:defRPr kumimoji="1" sz="2000">
+                <a:solidFill>
+                  <a:schemeClr val="tx1"/>
+                </a:solidFill>
+                <a:latin typeface="Times New Roman" panose="02020603050405020304" pitchFamily="18" charset="0"/>
+                <a:ea typeface="굴림" panose="020B0600000101010101" pitchFamily="50" charset="-127"/>
+              </a:defRPr>
+            </a:lvl7pPr>
+            <a:lvl8pPr marL="3429000" indent="-228600" eaLnBrk="0" fontAlgn="base" hangingPunct="0">
+              <a:spcBef>
+                <a:spcPct val="20000"/>
+              </a:spcBef>
+              <a:spcAft>
+                <a:spcPct val="0"/>
+              </a:spcAft>
+              <a:buChar char="»"/>
+              <a:defRPr kumimoji="1" sz="2000">
+                <a:solidFill>
+                  <a:schemeClr val="tx1"/>
+                </a:solidFill>
+                <a:latin typeface="Times New Roman" panose="02020603050405020304" pitchFamily="18" charset="0"/>
+                <a:ea typeface="굴림" panose="020B0600000101010101" pitchFamily="50" charset="-127"/>
+              </a:defRPr>
+            </a:lvl8pPr>
+            <a:lvl9pPr marL="3886200" indent="-228600" eaLnBrk="0" fontAlgn="base" hangingPunct="0">
+              <a:spcBef>
+                <a:spcPct val="20000"/>
+              </a:spcBef>
+              <a:spcAft>
+                <a:spcPct val="0"/>
+              </a:spcAft>
+              <a:buChar char="»"/>
+              <a:defRPr kumimoji="1" sz="2000">
+                <a:solidFill>
+                  <a:schemeClr val="tx1"/>
+                </a:solidFill>
+                <a:latin typeface="Times New Roman" panose="02020603050405020304" pitchFamily="18" charset="0"/>
+                <a:ea typeface="굴림" panose="020B0600000101010101" pitchFamily="50" charset="-127"/>
+              </a:defRPr>
+            </a:lvl9pPr>
+          </a:lstStyle>
+          <a:p>
+            <a:pPr eaLnBrk="1" hangingPunct="1">
+              <a:buFont typeface="Wingdings" panose="05000000000000000000" pitchFamily="2" charset="2"/>
+              <a:buChar char="§"/>
+            </a:pPr>
+            <a:r>
               <a:rPr lang="ko-KR" altLang="en-US" sz="2000" b="1" dirty="0" err="1">
                 <a:solidFill>
                   <a:schemeClr val="accent2"/>
@@ -37497,7 +40036,7 @@
               <a:pPr eaLnBrk="1" hangingPunct="1">
                 <a:defRPr/>
               </a:pPr>
-              <a:t>8</a:t>
+              <a:t>9</a:t>
             </a:fld>
             <a:endParaRPr lang="en-US" altLang="ko-KR" sz="1400" dirty="0"/>
           </a:p>
@@ -37754,878 +40293,6 @@
     <p:extLst>
       <p:ext uri="{BB962C8B-B14F-4D97-AF65-F5344CB8AC3E}">
         <p14:creationId xmlns:p14="http://schemas.microsoft.com/office/powerpoint/2010/main" val="499608925"/>
-      </p:ext>
-    </p:extLst>
-  </p:cSld>
-  <p:clrMapOvr>
-    <a:masterClrMapping/>
-  </p:clrMapOvr>
-</p:sld>
-</file>
-
-<file path=ppt/slides/slide9.xml><?xml version="1.0" encoding="utf-8"?>
-<p:sld xmlns:a="http://schemas.openxmlformats.org/drawingml/2006/main" xmlns:r="http://schemas.openxmlformats.org/officeDocument/2006/relationships" xmlns:p="http://schemas.openxmlformats.org/presentationml/2006/main">
-  <p:cSld>
-    <p:spTree>
-      <p:nvGrpSpPr>
-        <p:cNvPr id="1" name=""/>
-        <p:cNvGrpSpPr/>
-        <p:nvPr/>
-      </p:nvGrpSpPr>
-      <p:grpSpPr>
-        <a:xfrm>
-          <a:off x="0" y="0"/>
-          <a:ext cx="0" cy="0"/>
-          <a:chOff x="0" y="0"/>
-          <a:chExt cx="0" cy="0"/>
-        </a:xfrm>
-      </p:grpSpPr>
-      <p:sp>
-        <p:nvSpPr>
-          <p:cNvPr id="337922" name="Rectangle 2" descr="흰색 대리석"/>
-          <p:cNvSpPr>
-            <a:spLocks noGrp="1" noChangeArrowheads="1"/>
-          </p:cNvSpPr>
-          <p:nvPr>
-            <p:ph type="title"/>
-          </p:nvPr>
-        </p:nvSpPr>
-        <p:spPr>
-          <a:xfrm>
-            <a:off x="153988" y="157163"/>
-            <a:ext cx="7772400" cy="457200"/>
-          </a:xfrm>
-        </p:spPr>
-        <p:txBody>
-          <a:bodyPr/>
-          <a:lstStyle/>
-          <a:p>
-            <a:pPr eaLnBrk="1" hangingPunct="1">
-              <a:defRPr/>
-            </a:pPr>
-            <a:r>
-              <a:rPr lang="ko-KR" altLang="en-US" dirty="0" err="1"/>
-              <a:t>공공데이터</a:t>
-            </a:r>
-            <a:r>
-              <a:rPr lang="ko-KR" altLang="en-US" dirty="0"/>
-              <a:t> 포털 </a:t>
-            </a:r>
-            <a:r>
-              <a:rPr lang="en-US" altLang="ko-KR" dirty="0"/>
-              <a:t>(data.go.kr) </a:t>
-            </a:r>
-            <a:r>
-              <a:rPr lang="ko-KR" altLang="en-US" dirty="0"/>
-              <a:t>부동산 정보</a:t>
-            </a:r>
-            <a:endParaRPr lang="en-US" altLang="ko-KR" dirty="0"/>
-          </a:p>
-        </p:txBody>
-      </p:sp>
-      <p:sp>
-        <p:nvSpPr>
-          <p:cNvPr id="25603" name="Rectangle 33"/>
-          <p:cNvSpPr>
-            <a:spLocks noChangeArrowheads="1"/>
-          </p:cNvSpPr>
-          <p:nvPr/>
-        </p:nvSpPr>
-        <p:spPr bwMode="auto">
-          <a:xfrm>
-            <a:off x="266700" y="803275"/>
-            <a:ext cx="8572500" cy="5148263"/>
-          </a:xfrm>
-          <a:prstGeom prst="rect">
-            <a:avLst/>
-          </a:prstGeom>
-          <a:noFill/>
-          <a:ln>
-            <a:noFill/>
-          </a:ln>
-          <a:extLst>
-            <a:ext uri="{909E8E84-426E-40DD-AFC4-6F175D3DCCD1}">
-              <a14:hiddenFill xmlns:a14="http://schemas.microsoft.com/office/drawing/2010/main">
-                <a:solidFill>
-                  <a:srgbClr val="FFFFFF"/>
-                </a:solidFill>
-              </a14:hiddenFill>
-            </a:ext>
-            <a:ext uri="{91240B29-F687-4F45-9708-019B960494DF}">
-              <a14:hiddenLine xmlns:a14="http://schemas.microsoft.com/office/drawing/2010/main" w="9525">
-                <a:solidFill>
-                  <a:srgbClr val="000000"/>
-                </a:solidFill>
-                <a:miter lim="800000"/>
-                <a:headEnd/>
-                <a:tailEnd/>
-              </a14:hiddenLine>
-            </a:ext>
-          </a:extLst>
-        </p:spPr>
-        <p:txBody>
-          <a:bodyPr/>
-          <a:lstStyle>
-            <a:lvl1pPr marL="342900" indent="-342900" latinLnBrk="1">
-              <a:spcBef>
-                <a:spcPct val="20000"/>
-              </a:spcBef>
-              <a:buChar char="•"/>
-              <a:defRPr kumimoji="1" sz="3200">
-                <a:solidFill>
-                  <a:schemeClr val="tx1"/>
-                </a:solidFill>
-                <a:latin typeface="Times New Roman" panose="02020603050405020304" pitchFamily="18" charset="0"/>
-                <a:ea typeface="굴림" panose="020B0600000101010101" pitchFamily="50" charset="-127"/>
-              </a:defRPr>
-            </a:lvl1pPr>
-            <a:lvl2pPr marL="742950" indent="-285750" latinLnBrk="1">
-              <a:spcBef>
-                <a:spcPct val="20000"/>
-              </a:spcBef>
-              <a:buChar char="–"/>
-              <a:defRPr kumimoji="1" sz="2800">
-                <a:solidFill>
-                  <a:schemeClr val="tx1"/>
-                </a:solidFill>
-                <a:latin typeface="Times New Roman" panose="02020603050405020304" pitchFamily="18" charset="0"/>
-                <a:ea typeface="굴림" panose="020B0600000101010101" pitchFamily="50" charset="-127"/>
-              </a:defRPr>
-            </a:lvl2pPr>
-            <a:lvl3pPr marL="1143000" indent="-228600" latinLnBrk="1">
-              <a:spcBef>
-                <a:spcPct val="20000"/>
-              </a:spcBef>
-              <a:buChar char="•"/>
-              <a:defRPr kumimoji="1" sz="2400">
-                <a:solidFill>
-                  <a:schemeClr val="tx1"/>
-                </a:solidFill>
-                <a:latin typeface="Times New Roman" panose="02020603050405020304" pitchFamily="18" charset="0"/>
-                <a:ea typeface="굴림" panose="020B0600000101010101" pitchFamily="50" charset="-127"/>
-              </a:defRPr>
-            </a:lvl3pPr>
-            <a:lvl4pPr marL="1600200" indent="-228600" latinLnBrk="1">
-              <a:spcBef>
-                <a:spcPct val="20000"/>
-              </a:spcBef>
-              <a:buChar char="–"/>
-              <a:defRPr kumimoji="1" sz="2000">
-                <a:solidFill>
-                  <a:schemeClr val="tx1"/>
-                </a:solidFill>
-                <a:latin typeface="Times New Roman" panose="02020603050405020304" pitchFamily="18" charset="0"/>
-                <a:ea typeface="굴림" panose="020B0600000101010101" pitchFamily="50" charset="-127"/>
-              </a:defRPr>
-            </a:lvl4pPr>
-            <a:lvl5pPr marL="2057400" indent="-228600" latinLnBrk="1">
-              <a:spcBef>
-                <a:spcPct val="20000"/>
-              </a:spcBef>
-              <a:buChar char="»"/>
-              <a:defRPr kumimoji="1" sz="2000">
-                <a:solidFill>
-                  <a:schemeClr val="tx1"/>
-                </a:solidFill>
-                <a:latin typeface="Times New Roman" panose="02020603050405020304" pitchFamily="18" charset="0"/>
-                <a:ea typeface="굴림" panose="020B0600000101010101" pitchFamily="50" charset="-127"/>
-              </a:defRPr>
-            </a:lvl5pPr>
-            <a:lvl6pPr marL="2514600" indent="-228600" eaLnBrk="0" fontAlgn="base" hangingPunct="0">
-              <a:spcBef>
-                <a:spcPct val="20000"/>
-              </a:spcBef>
-              <a:spcAft>
-                <a:spcPct val="0"/>
-              </a:spcAft>
-              <a:buChar char="»"/>
-              <a:defRPr kumimoji="1" sz="2000">
-                <a:solidFill>
-                  <a:schemeClr val="tx1"/>
-                </a:solidFill>
-                <a:latin typeface="Times New Roman" panose="02020603050405020304" pitchFamily="18" charset="0"/>
-                <a:ea typeface="굴림" panose="020B0600000101010101" pitchFamily="50" charset="-127"/>
-              </a:defRPr>
-            </a:lvl6pPr>
-            <a:lvl7pPr marL="2971800" indent="-228600" eaLnBrk="0" fontAlgn="base" hangingPunct="0">
-              <a:spcBef>
-                <a:spcPct val="20000"/>
-              </a:spcBef>
-              <a:spcAft>
-                <a:spcPct val="0"/>
-              </a:spcAft>
-              <a:buChar char="»"/>
-              <a:defRPr kumimoji="1" sz="2000">
-                <a:solidFill>
-                  <a:schemeClr val="tx1"/>
-                </a:solidFill>
-                <a:latin typeface="Times New Roman" panose="02020603050405020304" pitchFamily="18" charset="0"/>
-                <a:ea typeface="굴림" panose="020B0600000101010101" pitchFamily="50" charset="-127"/>
-              </a:defRPr>
-            </a:lvl7pPr>
-            <a:lvl8pPr marL="3429000" indent="-228600" eaLnBrk="0" fontAlgn="base" hangingPunct="0">
-              <a:spcBef>
-                <a:spcPct val="20000"/>
-              </a:spcBef>
-              <a:spcAft>
-                <a:spcPct val="0"/>
-              </a:spcAft>
-              <a:buChar char="»"/>
-              <a:defRPr kumimoji="1" sz="2000">
-                <a:solidFill>
-                  <a:schemeClr val="tx1"/>
-                </a:solidFill>
-                <a:latin typeface="Times New Roman" panose="02020603050405020304" pitchFamily="18" charset="0"/>
-                <a:ea typeface="굴림" panose="020B0600000101010101" pitchFamily="50" charset="-127"/>
-              </a:defRPr>
-            </a:lvl8pPr>
-            <a:lvl9pPr marL="3886200" indent="-228600" eaLnBrk="0" fontAlgn="base" hangingPunct="0">
-              <a:spcBef>
-                <a:spcPct val="20000"/>
-              </a:spcBef>
-              <a:spcAft>
-                <a:spcPct val="0"/>
-              </a:spcAft>
-              <a:buChar char="»"/>
-              <a:defRPr kumimoji="1" sz="2000">
-                <a:solidFill>
-                  <a:schemeClr val="tx1"/>
-                </a:solidFill>
-                <a:latin typeface="Times New Roman" panose="02020603050405020304" pitchFamily="18" charset="0"/>
-                <a:ea typeface="굴림" panose="020B0600000101010101" pitchFamily="50" charset="-127"/>
-              </a:defRPr>
-            </a:lvl9pPr>
-          </a:lstStyle>
-          <a:p>
-            <a:pPr eaLnBrk="1" hangingPunct="1">
-              <a:buFont typeface="Wingdings" panose="05000000000000000000" pitchFamily="2" charset="2"/>
-              <a:buChar char="§"/>
-            </a:pPr>
-            <a:r>
-              <a:rPr lang="ko-KR" altLang="en-US" sz="2000" b="1" dirty="0">
-                <a:solidFill>
-                  <a:schemeClr val="accent2"/>
-                </a:solidFill>
-              </a:rPr>
-              <a:t>아파트 매매 </a:t>
-            </a:r>
-            <a:r>
-              <a:rPr lang="ko-KR" altLang="en-US" sz="2000" b="1" dirty="0" err="1">
-                <a:solidFill>
-                  <a:schemeClr val="accent2"/>
-                </a:solidFill>
-              </a:rPr>
-              <a:t>실거래자료</a:t>
-            </a:r>
-            <a:endParaRPr lang="en-US" altLang="ko-KR" sz="1600" dirty="0"/>
-          </a:p>
-          <a:p>
-            <a:pPr eaLnBrk="1" hangingPunct="1">
-              <a:buFont typeface="Wingdings" panose="05000000000000000000" pitchFamily="2" charset="2"/>
-              <a:buChar char="§"/>
-            </a:pPr>
-            <a:endParaRPr lang="en-US" altLang="ko-KR" sz="2000" dirty="0"/>
-          </a:p>
-        </p:txBody>
-      </p:sp>
-      <p:sp>
-        <p:nvSpPr>
-          <p:cNvPr id="8" name="슬라이드 번호 개체 틀 7"/>
-          <p:cNvSpPr>
-            <a:spLocks noGrp="1"/>
-          </p:cNvSpPr>
-          <p:nvPr>
-            <p:ph type="sldNum" sz="quarter" idx="10"/>
-          </p:nvPr>
-        </p:nvSpPr>
-        <p:spPr/>
-        <p:txBody>
-          <a:bodyPr/>
-          <a:lstStyle>
-            <a:lvl1pPr eaLnBrk="0" hangingPunct="0">
-              <a:defRPr kumimoji="1" sz="2400">
-                <a:solidFill>
-                  <a:schemeClr val="tx1"/>
-                </a:solidFill>
-                <a:latin typeface="Times New Roman" panose="02020603050405020304" pitchFamily="18" charset="0"/>
-                <a:ea typeface="굴림" panose="020B0600000101010101" pitchFamily="50" charset="-127"/>
-              </a:defRPr>
-            </a:lvl1pPr>
-            <a:lvl2pPr marL="742950" indent="-285750" eaLnBrk="0" hangingPunct="0">
-              <a:defRPr kumimoji="1" sz="2400">
-                <a:solidFill>
-                  <a:schemeClr val="tx1"/>
-                </a:solidFill>
-                <a:latin typeface="Times New Roman" panose="02020603050405020304" pitchFamily="18" charset="0"/>
-                <a:ea typeface="굴림" panose="020B0600000101010101" pitchFamily="50" charset="-127"/>
-              </a:defRPr>
-            </a:lvl2pPr>
-            <a:lvl3pPr marL="1143000" indent="-228600" eaLnBrk="0" hangingPunct="0">
-              <a:defRPr kumimoji="1" sz="2400">
-                <a:solidFill>
-                  <a:schemeClr val="tx1"/>
-                </a:solidFill>
-                <a:latin typeface="Times New Roman" panose="02020603050405020304" pitchFamily="18" charset="0"/>
-                <a:ea typeface="굴림" panose="020B0600000101010101" pitchFamily="50" charset="-127"/>
-              </a:defRPr>
-            </a:lvl3pPr>
-            <a:lvl4pPr marL="1600200" indent="-228600" eaLnBrk="0" hangingPunct="0">
-              <a:defRPr kumimoji="1" sz="2400">
-                <a:solidFill>
-                  <a:schemeClr val="tx1"/>
-                </a:solidFill>
-                <a:latin typeface="Times New Roman" panose="02020603050405020304" pitchFamily="18" charset="0"/>
-                <a:ea typeface="굴림" panose="020B0600000101010101" pitchFamily="50" charset="-127"/>
-              </a:defRPr>
-            </a:lvl4pPr>
-            <a:lvl5pPr marL="2057400" indent="-228600" eaLnBrk="0" hangingPunct="0">
-              <a:defRPr kumimoji="1" sz="2400">
-                <a:solidFill>
-                  <a:schemeClr val="tx1"/>
-                </a:solidFill>
-                <a:latin typeface="Times New Roman" panose="02020603050405020304" pitchFamily="18" charset="0"/>
-                <a:ea typeface="굴림" panose="020B0600000101010101" pitchFamily="50" charset="-127"/>
-              </a:defRPr>
-            </a:lvl5pPr>
-            <a:lvl6pPr marL="2514600" indent="-228600" eaLnBrk="0" fontAlgn="base" hangingPunct="0">
-              <a:spcBef>
-                <a:spcPct val="0"/>
-              </a:spcBef>
-              <a:spcAft>
-                <a:spcPct val="0"/>
-              </a:spcAft>
-              <a:defRPr kumimoji="1" sz="2400">
-                <a:solidFill>
-                  <a:schemeClr val="tx1"/>
-                </a:solidFill>
-                <a:latin typeface="Times New Roman" panose="02020603050405020304" pitchFamily="18" charset="0"/>
-                <a:ea typeface="굴림" panose="020B0600000101010101" pitchFamily="50" charset="-127"/>
-              </a:defRPr>
-            </a:lvl6pPr>
-            <a:lvl7pPr marL="2971800" indent="-228600" eaLnBrk="0" fontAlgn="base" hangingPunct="0">
-              <a:spcBef>
-                <a:spcPct val="0"/>
-              </a:spcBef>
-              <a:spcAft>
-                <a:spcPct val="0"/>
-              </a:spcAft>
-              <a:defRPr kumimoji="1" sz="2400">
-                <a:solidFill>
-                  <a:schemeClr val="tx1"/>
-                </a:solidFill>
-                <a:latin typeface="Times New Roman" panose="02020603050405020304" pitchFamily="18" charset="0"/>
-                <a:ea typeface="굴림" panose="020B0600000101010101" pitchFamily="50" charset="-127"/>
-              </a:defRPr>
-            </a:lvl7pPr>
-            <a:lvl8pPr marL="3429000" indent="-228600" eaLnBrk="0" fontAlgn="base" hangingPunct="0">
-              <a:spcBef>
-                <a:spcPct val="0"/>
-              </a:spcBef>
-              <a:spcAft>
-                <a:spcPct val="0"/>
-              </a:spcAft>
-              <a:defRPr kumimoji="1" sz="2400">
-                <a:solidFill>
-                  <a:schemeClr val="tx1"/>
-                </a:solidFill>
-                <a:latin typeface="Times New Roman" panose="02020603050405020304" pitchFamily="18" charset="0"/>
-                <a:ea typeface="굴림" panose="020B0600000101010101" pitchFamily="50" charset="-127"/>
-              </a:defRPr>
-            </a:lvl8pPr>
-            <a:lvl9pPr marL="3886200" indent="-228600" eaLnBrk="0" fontAlgn="base" hangingPunct="0">
-              <a:spcBef>
-                <a:spcPct val="0"/>
-              </a:spcBef>
-              <a:spcAft>
-                <a:spcPct val="0"/>
-              </a:spcAft>
-              <a:defRPr kumimoji="1" sz="2400">
-                <a:solidFill>
-                  <a:schemeClr val="tx1"/>
-                </a:solidFill>
-                <a:latin typeface="Times New Roman" panose="02020603050405020304" pitchFamily="18" charset="0"/>
-                <a:ea typeface="굴림" panose="020B0600000101010101" pitchFamily="50" charset="-127"/>
-              </a:defRPr>
-            </a:lvl9pPr>
-          </a:lstStyle>
-          <a:p>
-            <a:pPr eaLnBrk="1" hangingPunct="1">
-              <a:defRPr/>
-            </a:pPr>
-            <a:r>
-              <a:rPr lang="en-US" altLang="ko-KR" sz="1200" dirty="0"/>
-              <a:t> 25-</a:t>
-            </a:r>
-            <a:fld id="{E543E660-5BD7-4DE8-B2D5-3B53773227AF}" type="slidenum">
-              <a:rPr lang="en-US" altLang="ko-KR" sz="1200" smtClean="0">
-                <a:effectLst>
-                  <a:outerShdw blurRad="38100" dist="38100" dir="2700000" algn="tl">
-                    <a:srgbClr val="C0C0C0"/>
-                  </a:outerShdw>
-                </a:effectLst>
-              </a:rPr>
-              <a:pPr eaLnBrk="1" hangingPunct="1">
-                <a:defRPr/>
-              </a:pPr>
-              <a:t>9</a:t>
-            </a:fld>
-            <a:endParaRPr lang="en-US" altLang="ko-KR" sz="1400" dirty="0"/>
-          </a:p>
-        </p:txBody>
-      </p:sp>
-      <p:sp>
-        <p:nvSpPr>
-          <p:cNvPr id="25606" name="TextBox 4"/>
-          <p:cNvSpPr txBox="1">
-            <a:spLocks noChangeArrowheads="1"/>
-          </p:cNvSpPr>
-          <p:nvPr/>
-        </p:nvSpPr>
-        <p:spPr bwMode="auto">
-          <a:xfrm>
-            <a:off x="4295775" y="1155700"/>
-            <a:ext cx="185738" cy="461963"/>
-          </a:xfrm>
-          <a:prstGeom prst="rect">
-            <a:avLst/>
-          </a:prstGeom>
-          <a:noFill/>
-          <a:ln>
-            <a:noFill/>
-          </a:ln>
-          <a:extLst>
-            <a:ext uri="{909E8E84-426E-40DD-AFC4-6F175D3DCCD1}">
-              <a14:hiddenFill xmlns:a14="http://schemas.microsoft.com/office/drawing/2010/main">
-                <a:solidFill>
-                  <a:srgbClr val="FFFFFF"/>
-                </a:solidFill>
-              </a14:hiddenFill>
-            </a:ext>
-            <a:ext uri="{91240B29-F687-4F45-9708-019B960494DF}">
-              <a14:hiddenLine xmlns:a14="http://schemas.microsoft.com/office/drawing/2010/main" w="9525">
-                <a:solidFill>
-                  <a:srgbClr val="000000"/>
-                </a:solidFill>
-                <a:miter lim="800000"/>
-                <a:headEnd/>
-                <a:tailEnd/>
-              </a14:hiddenLine>
-            </a:ext>
-          </a:extLst>
-        </p:spPr>
-        <p:txBody>
-          <a:bodyPr wrap="none">
-            <a:spAutoFit/>
-          </a:bodyPr>
-          <a:lstStyle>
-            <a:lvl1pPr latinLnBrk="1">
-              <a:spcBef>
-                <a:spcPct val="20000"/>
-              </a:spcBef>
-              <a:buChar char="•"/>
-              <a:defRPr kumimoji="1" sz="3200">
-                <a:solidFill>
-                  <a:schemeClr val="tx1"/>
-                </a:solidFill>
-                <a:latin typeface="Times New Roman" panose="02020603050405020304" pitchFamily="18" charset="0"/>
-                <a:ea typeface="굴림" panose="020B0600000101010101" pitchFamily="50" charset="-127"/>
-              </a:defRPr>
-            </a:lvl1pPr>
-            <a:lvl2pPr marL="742950" indent="-285750" latinLnBrk="1">
-              <a:spcBef>
-                <a:spcPct val="20000"/>
-              </a:spcBef>
-              <a:buChar char="–"/>
-              <a:defRPr kumimoji="1" sz="2800">
-                <a:solidFill>
-                  <a:schemeClr val="tx1"/>
-                </a:solidFill>
-                <a:latin typeface="Times New Roman" panose="02020603050405020304" pitchFamily="18" charset="0"/>
-                <a:ea typeface="굴림" panose="020B0600000101010101" pitchFamily="50" charset="-127"/>
-              </a:defRPr>
-            </a:lvl2pPr>
-            <a:lvl3pPr marL="1143000" indent="-228600" latinLnBrk="1">
-              <a:spcBef>
-                <a:spcPct val="20000"/>
-              </a:spcBef>
-              <a:buChar char="•"/>
-              <a:defRPr kumimoji="1" sz="2400">
-                <a:solidFill>
-                  <a:schemeClr val="tx1"/>
-                </a:solidFill>
-                <a:latin typeface="Times New Roman" panose="02020603050405020304" pitchFamily="18" charset="0"/>
-                <a:ea typeface="굴림" panose="020B0600000101010101" pitchFamily="50" charset="-127"/>
-              </a:defRPr>
-            </a:lvl3pPr>
-            <a:lvl4pPr marL="1600200" indent="-228600" latinLnBrk="1">
-              <a:spcBef>
-                <a:spcPct val="20000"/>
-              </a:spcBef>
-              <a:buChar char="–"/>
-              <a:defRPr kumimoji="1" sz="2000">
-                <a:solidFill>
-                  <a:schemeClr val="tx1"/>
-                </a:solidFill>
-                <a:latin typeface="Times New Roman" panose="02020603050405020304" pitchFamily="18" charset="0"/>
-                <a:ea typeface="굴림" panose="020B0600000101010101" pitchFamily="50" charset="-127"/>
-              </a:defRPr>
-            </a:lvl4pPr>
-            <a:lvl5pPr marL="2057400" indent="-228600" latinLnBrk="1">
-              <a:spcBef>
-                <a:spcPct val="20000"/>
-              </a:spcBef>
-              <a:buChar char="»"/>
-              <a:defRPr kumimoji="1" sz="2000">
-                <a:solidFill>
-                  <a:schemeClr val="tx1"/>
-                </a:solidFill>
-                <a:latin typeface="Times New Roman" panose="02020603050405020304" pitchFamily="18" charset="0"/>
-                <a:ea typeface="굴림" panose="020B0600000101010101" pitchFamily="50" charset="-127"/>
-              </a:defRPr>
-            </a:lvl5pPr>
-            <a:lvl6pPr marL="2514600" indent="-228600" eaLnBrk="0" fontAlgn="base" hangingPunct="0">
-              <a:spcBef>
-                <a:spcPct val="20000"/>
-              </a:spcBef>
-              <a:spcAft>
-                <a:spcPct val="0"/>
-              </a:spcAft>
-              <a:buChar char="»"/>
-              <a:defRPr kumimoji="1" sz="2000">
-                <a:solidFill>
-                  <a:schemeClr val="tx1"/>
-                </a:solidFill>
-                <a:latin typeface="Times New Roman" panose="02020603050405020304" pitchFamily="18" charset="0"/>
-                <a:ea typeface="굴림" panose="020B0600000101010101" pitchFamily="50" charset="-127"/>
-              </a:defRPr>
-            </a:lvl6pPr>
-            <a:lvl7pPr marL="2971800" indent="-228600" eaLnBrk="0" fontAlgn="base" hangingPunct="0">
-              <a:spcBef>
-                <a:spcPct val="20000"/>
-              </a:spcBef>
-              <a:spcAft>
-                <a:spcPct val="0"/>
-              </a:spcAft>
-              <a:buChar char="»"/>
-              <a:defRPr kumimoji="1" sz="2000">
-                <a:solidFill>
-                  <a:schemeClr val="tx1"/>
-                </a:solidFill>
-                <a:latin typeface="Times New Roman" panose="02020603050405020304" pitchFamily="18" charset="0"/>
-                <a:ea typeface="굴림" panose="020B0600000101010101" pitchFamily="50" charset="-127"/>
-              </a:defRPr>
-            </a:lvl7pPr>
-            <a:lvl8pPr marL="3429000" indent="-228600" eaLnBrk="0" fontAlgn="base" hangingPunct="0">
-              <a:spcBef>
-                <a:spcPct val="20000"/>
-              </a:spcBef>
-              <a:spcAft>
-                <a:spcPct val="0"/>
-              </a:spcAft>
-              <a:buChar char="»"/>
-              <a:defRPr kumimoji="1" sz="2000">
-                <a:solidFill>
-                  <a:schemeClr val="tx1"/>
-                </a:solidFill>
-                <a:latin typeface="Times New Roman" panose="02020603050405020304" pitchFamily="18" charset="0"/>
-                <a:ea typeface="굴림" panose="020B0600000101010101" pitchFamily="50" charset="-127"/>
-              </a:defRPr>
-            </a:lvl8pPr>
-            <a:lvl9pPr marL="3886200" indent="-228600" eaLnBrk="0" fontAlgn="base" hangingPunct="0">
-              <a:spcBef>
-                <a:spcPct val="20000"/>
-              </a:spcBef>
-              <a:spcAft>
-                <a:spcPct val="0"/>
-              </a:spcAft>
-              <a:buChar char="»"/>
-              <a:defRPr kumimoji="1" sz="2000">
-                <a:solidFill>
-                  <a:schemeClr val="tx1"/>
-                </a:solidFill>
-                <a:latin typeface="Times New Roman" panose="02020603050405020304" pitchFamily="18" charset="0"/>
-                <a:ea typeface="굴림" panose="020B0600000101010101" pitchFamily="50" charset="-127"/>
-              </a:defRPr>
-            </a:lvl9pPr>
-          </a:lstStyle>
-          <a:p>
-            <a:pPr latinLnBrk="0">
-              <a:spcBef>
-                <a:spcPct val="0"/>
-              </a:spcBef>
-              <a:buFontTx/>
-              <a:buNone/>
-            </a:pPr>
-            <a:endParaRPr kumimoji="0" lang="ko-KR" altLang="en-US" sz="2400"/>
-          </a:p>
-        </p:txBody>
-      </p:sp>
-      <p:sp>
-        <p:nvSpPr>
-          <p:cNvPr id="5" name="직사각형 4"/>
-          <p:cNvSpPr/>
-          <p:nvPr/>
-        </p:nvSpPr>
-        <p:spPr>
-          <a:xfrm>
-            <a:off x="685800" y="1129575"/>
-            <a:ext cx="7988968" cy="646331"/>
-          </a:xfrm>
-          <a:prstGeom prst="rect">
-            <a:avLst/>
-          </a:prstGeom>
-        </p:spPr>
-        <p:txBody>
-          <a:bodyPr wrap="square">
-            <a:spAutoFit/>
-          </a:bodyPr>
-          <a:lstStyle/>
-          <a:p>
-            <a:r>
-              <a:rPr lang="en-US" altLang="ko-KR" sz="1800" dirty="0"/>
-              <a:t>http://openapi.molit.go.kr:8081/OpenAPI_ToolInstallPackage/service/rest/RTMSOBJSvc/getRTMSDataSvcAptTrade?</a:t>
-            </a:r>
-            <a:r>
-              <a:rPr lang="ko-KR" altLang="en-US" sz="1800" dirty="0"/>
-              <a:t> </a:t>
-            </a:r>
-          </a:p>
-        </p:txBody>
-      </p:sp>
-      <p:graphicFrame>
-        <p:nvGraphicFramePr>
-          <p:cNvPr id="6" name="표 5"/>
-          <p:cNvGraphicFramePr>
-            <a:graphicFrameLocks noGrp="1"/>
-          </p:cNvGraphicFramePr>
-          <p:nvPr>
-            <p:extLst>
-              <p:ext uri="{D42A27DB-BD31-4B8C-83A1-F6EECF244321}">
-                <p14:modId xmlns:p14="http://schemas.microsoft.com/office/powerpoint/2010/main" val="1508728325"/>
-              </p:ext>
-            </p:extLst>
-          </p:nvPr>
-        </p:nvGraphicFramePr>
-        <p:xfrm>
-          <a:off x="595313" y="1797332"/>
-          <a:ext cx="7772400" cy="365760"/>
-        </p:xfrm>
-        <a:graphic>
-          <a:graphicData uri="http://schemas.openxmlformats.org/drawingml/2006/table">
-            <a:tbl>
-              <a:tblPr/>
-              <a:tblGrid>
-                <a:gridCol w="1943100">
-                  <a:extLst>
-                    <a:ext uri="{9D8B030D-6E8A-4147-A177-3AD203B41FA5}">
-                      <a16:colId xmlns:a16="http://schemas.microsoft.com/office/drawing/2014/main" val="2818930202"/>
-                    </a:ext>
-                  </a:extLst>
-                </a:gridCol>
-                <a:gridCol w="1943100">
-                  <a:extLst>
-                    <a:ext uri="{9D8B030D-6E8A-4147-A177-3AD203B41FA5}">
-                      <a16:colId xmlns:a16="http://schemas.microsoft.com/office/drawing/2014/main" val="1970696340"/>
-                    </a:ext>
-                  </a:extLst>
-                </a:gridCol>
-                <a:gridCol w="1943100">
-                  <a:extLst>
-                    <a:ext uri="{9D8B030D-6E8A-4147-A177-3AD203B41FA5}">
-                      <a16:colId xmlns:a16="http://schemas.microsoft.com/office/drawing/2014/main" val="1619219055"/>
-                    </a:ext>
-                  </a:extLst>
-                </a:gridCol>
-                <a:gridCol w="1943100">
-                  <a:extLst>
-                    <a:ext uri="{9D8B030D-6E8A-4147-A177-3AD203B41FA5}">
-                      <a16:colId xmlns:a16="http://schemas.microsoft.com/office/drawing/2014/main" val="2794654254"/>
-                    </a:ext>
-                  </a:extLst>
-                </a:gridCol>
-              </a:tblGrid>
-              <a:tr h="0">
-                <a:tc>
-                  <a:txBody>
-                    <a:bodyPr/>
-                    <a:lstStyle/>
-                    <a:p>
-                      <a:r>
-                        <a:rPr lang="ko-KR" altLang="en-US" dirty="0" err="1"/>
-                        <a:t>데이터포맷</a:t>
-                      </a:r>
-                      <a:endParaRPr lang="ko-KR" altLang="en-US" dirty="0"/>
-                    </a:p>
-                  </a:txBody>
-                  <a:tcPr anchor="ctr">
-                    <a:lnL>
-                      <a:noFill/>
-                    </a:lnL>
-                    <a:lnR>
-                      <a:noFill/>
-                    </a:lnR>
-                    <a:lnT>
-                      <a:noFill/>
-                    </a:lnT>
-                    <a:lnB>
-                      <a:noFill/>
-                    </a:lnB>
-                  </a:tcPr>
-                </a:tc>
-                <a:tc>
-                  <a:txBody>
-                    <a:bodyPr/>
-                    <a:lstStyle/>
-                    <a:p>
-                      <a:r>
-                        <a:rPr lang="en-US" dirty="0"/>
-                        <a:t>XML </a:t>
-                      </a:r>
-                    </a:p>
-                  </a:txBody>
-                  <a:tcPr anchor="ctr">
-                    <a:lnL>
-                      <a:noFill/>
-                    </a:lnL>
-                    <a:lnR>
-                      <a:noFill/>
-                    </a:lnR>
-                    <a:lnT>
-                      <a:noFill/>
-                    </a:lnT>
-                    <a:lnB>
-                      <a:noFill/>
-                    </a:lnB>
-                  </a:tcPr>
-                </a:tc>
-                <a:tc>
-                  <a:txBody>
-                    <a:bodyPr/>
-                    <a:lstStyle/>
-                    <a:p>
-                      <a:r>
-                        <a:rPr lang="en-US" dirty="0"/>
-                        <a:t>API </a:t>
-                      </a:r>
-                      <a:r>
-                        <a:rPr lang="ko-KR" altLang="en-US" dirty="0"/>
-                        <a:t>유형</a:t>
-                      </a:r>
-                    </a:p>
-                  </a:txBody>
-                  <a:tcPr anchor="ctr">
-                    <a:lnL>
-                      <a:noFill/>
-                    </a:lnL>
-                    <a:lnR>
-                      <a:noFill/>
-                    </a:lnR>
-                    <a:lnT>
-                      <a:noFill/>
-                    </a:lnT>
-                    <a:lnB>
-                      <a:noFill/>
-                    </a:lnB>
-                  </a:tcPr>
-                </a:tc>
-                <a:tc>
-                  <a:txBody>
-                    <a:bodyPr/>
-                    <a:lstStyle/>
-                    <a:p>
-                      <a:r>
-                        <a:rPr lang="en-US" dirty="0"/>
-                        <a:t>REST </a:t>
-                      </a:r>
-                    </a:p>
-                  </a:txBody>
-                  <a:tcPr anchor="ctr">
-                    <a:lnL>
-                      <a:noFill/>
-                    </a:lnL>
-                    <a:lnR>
-                      <a:noFill/>
-                    </a:lnR>
-                    <a:lnT>
-                      <a:noFill/>
-                    </a:lnT>
-                    <a:lnB>
-                      <a:noFill/>
-                    </a:lnB>
-                  </a:tcPr>
-                </a:tc>
-                <a:extLst>
-                  <a:ext uri="{0D108BD9-81ED-4DB2-BD59-A6C34878D82A}">
-                    <a16:rowId xmlns:a16="http://schemas.microsoft.com/office/drawing/2014/main" val="2804642738"/>
-                  </a:ext>
-                </a:extLst>
-              </a:tr>
-            </a:tbl>
-          </a:graphicData>
-        </a:graphic>
-      </p:graphicFrame>
-      <p:pic>
-        <p:nvPicPr>
-          <p:cNvPr id="7" name="그림 6"/>
-          <p:cNvPicPr>
-            <a:picLocks noChangeAspect="1"/>
-          </p:cNvPicPr>
-          <p:nvPr/>
-        </p:nvPicPr>
-        <p:blipFill>
-          <a:blip r:embed="rId3"/>
-          <a:stretch>
-            <a:fillRect/>
-          </a:stretch>
-        </p:blipFill>
-        <p:spPr>
-          <a:xfrm>
-            <a:off x="389830" y="2184519"/>
-            <a:ext cx="4428697" cy="2894856"/>
-          </a:xfrm>
-          <a:prstGeom prst="rect">
-            <a:avLst/>
-          </a:prstGeom>
-          <a:ln>
-            <a:solidFill>
-              <a:schemeClr val="tx1"/>
-            </a:solidFill>
-          </a:ln>
-        </p:spPr>
-      </p:pic>
-      <p:pic>
-        <p:nvPicPr>
-          <p:cNvPr id="9" name="그림 8"/>
-          <p:cNvPicPr>
-            <a:picLocks noChangeAspect="1"/>
-          </p:cNvPicPr>
-          <p:nvPr/>
-        </p:nvPicPr>
-        <p:blipFill>
-          <a:blip r:embed="rId4"/>
-          <a:stretch>
-            <a:fillRect/>
-          </a:stretch>
-        </p:blipFill>
-        <p:spPr>
-          <a:xfrm>
-            <a:off x="1759618" y="4435317"/>
-            <a:ext cx="6915150" cy="1562100"/>
-          </a:xfrm>
-          <a:prstGeom prst="rect">
-            <a:avLst/>
-          </a:prstGeom>
-          <a:ln>
-            <a:solidFill>
-              <a:schemeClr val="tx1"/>
-            </a:solidFill>
-          </a:ln>
-        </p:spPr>
-      </p:pic>
-    </p:spTree>
-    <p:extLst>
-      <p:ext uri="{BB962C8B-B14F-4D97-AF65-F5344CB8AC3E}">
-        <p14:creationId xmlns:p14="http://schemas.microsoft.com/office/powerpoint/2010/main" val="202942638"/>
       </p:ext>
     </p:extLst>
   </p:cSld>
